--- a/intro-presentation/intro.pptx
+++ b/intro-presentation/intro.pptx
@@ -5,14 +5,16 @@
     <p:sldMasterId id="2147483678" r:id="rId1"/>
   </p:sldMasterIdLst>
   <p:notesMasterIdLst>
-    <p:notesMasterId r:id="rId4"/>
+    <p:notesMasterId r:id="rId6"/>
   </p:notesMasterIdLst>
   <p:handoutMasterIdLst>
-    <p:handoutMasterId r:id="rId5"/>
+    <p:handoutMasterId r:id="rId7"/>
   </p:handoutMasterIdLst>
   <p:sldIdLst>
     <p:sldId id="256" r:id="rId2"/>
     <p:sldId id="257" r:id="rId3"/>
+    <p:sldId id="258" r:id="rId4"/>
+    <p:sldId id="259" r:id="rId5"/>
   </p:sldIdLst>
   <p:sldSz cx="9144000" cy="6858000" type="screen4x3"/>
   <p:notesSz cx="7099300" cy="10234613"/>
@@ -1048,7 +1050,6 @@
               <a:rPr lang="de-DE" smtClean="0"/>
               <a:t>Master-Untertitelformat bearbeiten</a:t>
             </a:r>
-            <a:endParaRPr lang="de-DE" smtClean="0"/>
           </a:p>
         </p:txBody>
       </p:sp>
@@ -1083,7 +1084,6 @@
               <a:rPr lang="de-DE" smtClean="0"/>
               <a:t>Mastertitelformat bearbeiten</a:t>
             </a:r>
-            <a:endParaRPr lang="de-DE" smtClean="0"/>
           </a:p>
         </p:txBody>
       </p:sp>
@@ -1129,7 +1129,7 @@
         <p:spPr bwMode="auto">
           <a:xfrm>
             <a:off x="260350" y="295275"/>
-            <a:ext cx="4321175" cy="273050"/>
+            <a:ext cx="4321175" cy="276999"/>
           </a:xfrm>
           <a:prstGeom prst="rect">
             <a:avLst/>
@@ -1158,14 +1158,29 @@
               </a:spcBef>
             </a:pPr>
             <a:r>
-              <a:rPr lang="de-DE" sz="1000" b="1">
+              <a:rPr lang="de-DE" sz="1000" b="1" dirty="0" smtClean="0">
                 <a:solidFill>
                   <a:srgbClr val="5F5F5F"/>
                 </a:solidFill>
                 <a:cs typeface="Arial" charset="0"/>
               </a:rPr>
-              <a:t>Titel, Vorname, Name</a:t>
-            </a:r>
+              <a:t>David</a:t>
+            </a:r>
+            <a:r>
+              <a:rPr lang="de-DE" sz="1000" b="1" baseline="0" dirty="0" smtClean="0">
+                <a:solidFill>
+                  <a:srgbClr val="5F5F5F"/>
+                </a:solidFill>
+                <a:cs typeface="Arial" charset="0"/>
+              </a:rPr>
+              <a:t> Bohn</a:t>
+            </a:r>
+            <a:endParaRPr lang="de-DE" sz="1000" b="1" dirty="0">
+              <a:solidFill>
+                <a:srgbClr val="5F5F5F"/>
+              </a:solidFill>
+              <a:cs typeface="Arial" charset="0"/>
+            </a:endParaRPr>
           </a:p>
           <a:p>
             <a:pPr eaLnBrk="0" hangingPunct="0">
@@ -1177,14 +1192,20 @@
               </a:spcBef>
             </a:pPr>
             <a:r>
-              <a:rPr lang="de-DE" sz="1000" b="1">
+              <a:rPr lang="de-DE" sz="1000" b="1" dirty="0" smtClean="0">
                 <a:solidFill>
                   <a:srgbClr val="5F5F5F"/>
                 </a:solidFill>
                 <a:cs typeface="Arial" charset="0"/>
               </a:rPr>
-              <a:t>Abteilung, Fachbereich oder Institut</a:t>
-            </a:r>
+              <a:t>Institut für Informatik</a:t>
+            </a:r>
+            <a:endParaRPr lang="de-DE" sz="1000" b="1" dirty="0">
+              <a:solidFill>
+                <a:srgbClr val="5F5F5F"/>
+              </a:solidFill>
+              <a:cs typeface="Arial" charset="0"/>
+            </a:endParaRPr>
           </a:p>
         </p:txBody>
       </p:sp>
@@ -2935,7 +2956,6 @@
               <a:rPr lang="de-DE" noProof="0" smtClean="0"/>
               <a:t>Bild auf Platzhalter ziehen oder durch Klicken auf Symbol hinzufügen</a:t>
             </a:r>
-            <a:endParaRPr lang="de-DE" noProof="0" smtClean="0"/>
           </a:p>
         </p:txBody>
       </p:sp>
@@ -3862,8 +3882,12 @@
           <a:lstStyle/>
           <a:p>
             <a:r>
+              <a:rPr lang="de-DE" dirty="0" smtClean="0"/>
+              <a:t>Information Dissemination </a:t>
+            </a:r>
+            <a:r>
               <a:rPr lang="de-DE" dirty="0" err="1" smtClean="0"/>
-              <a:t>Evaluating</a:t>
+              <a:t>With</a:t>
             </a:r>
             <a:r>
               <a:rPr lang="de-DE" dirty="0" smtClean="0"/>
@@ -3871,7 +3895,7 @@
             </a:r>
             <a:r>
               <a:rPr lang="de-DE" dirty="0" err="1" smtClean="0"/>
-              <a:t>gossip</a:t>
+              <a:t>Gossiping</a:t>
             </a:r>
             <a:r>
               <a:rPr lang="de-DE" dirty="0" smtClean="0"/>
@@ -3879,43 +3903,19 @@
             </a:r>
             <a:r>
               <a:rPr lang="de-DE" dirty="0" err="1" smtClean="0"/>
-              <a:t>information</a:t>
+              <a:t>Using</a:t>
             </a:r>
             <a:r>
               <a:rPr lang="de-DE" dirty="0" smtClean="0"/>
-              <a:t> </a:t>
+              <a:t> The </a:t>
             </a:r>
             <a:r>
               <a:rPr lang="de-DE" dirty="0" err="1" smtClean="0"/>
-              <a:t>dissemination</a:t>
+              <a:t>IoT</a:t>
             </a:r>
             <a:r>
               <a:rPr lang="de-DE" dirty="0" smtClean="0"/>
-              <a:t> </a:t>
-            </a:r>
-            <a:r>
-              <a:rPr lang="de-DE" dirty="0" err="1" smtClean="0"/>
-              <a:t>strategies</a:t>
-            </a:r>
-            <a:r>
-              <a:rPr lang="de-DE" dirty="0" smtClean="0"/>
-              <a:t> </a:t>
-            </a:r>
-            <a:r>
-              <a:rPr lang="de-DE" dirty="0" err="1" smtClean="0"/>
-              <a:t>using</a:t>
-            </a:r>
-            <a:r>
-              <a:rPr lang="de-DE" dirty="0" smtClean="0"/>
-              <a:t> </a:t>
-            </a:r>
-            <a:r>
-              <a:rPr lang="de-DE" dirty="0" err="1" smtClean="0"/>
-              <a:t>the</a:t>
-            </a:r>
-            <a:r>
-              <a:rPr lang="de-DE" dirty="0" smtClean="0"/>
-              <a:t> IOT-Lab</a:t>
+              <a:t>-Lab</a:t>
             </a:r>
             <a:endParaRPr lang="de-DE" dirty="0"/>
           </a:p>
@@ -3945,32 +3945,6 @@
               <a:t>introduction</a:t>
             </a:r>
             <a:endParaRPr lang="de-DE" dirty="0"/>
-          </a:p>
-        </p:txBody>
-      </p:sp>
-      <p:sp>
-        <p:nvSpPr>
-          <p:cNvPr id="2" name="Textfeld 1"/>
-          <p:cNvSpPr txBox="1"/>
-          <p:nvPr/>
-        </p:nvSpPr>
-        <p:spPr>
-          <a:xfrm>
-            <a:off x="714703" y="315310"/>
-            <a:ext cx="184731" cy="369332"/>
-          </a:xfrm>
-          <a:prstGeom prst="rect">
-            <a:avLst/>
-          </a:prstGeom>
-          <a:noFill/>
-        </p:spPr>
-        <p:txBody>
-          <a:bodyPr wrap="none" rtlCol="0">
-            <a:spAutoFit/>
-          </a:bodyPr>
-          <a:lstStyle/>
-          <a:p>
-            <a:endParaRPr lang="de-DE"/>
           </a:p>
         </p:txBody>
       </p:sp>
@@ -3980,6 +3954,13 @@
     <a:masterClrMapping/>
   </p:clrMapOvr>
   <p:transition spd="slow"/>
+  <p:timing>
+    <p:tnLst>
+      <p:par>
+        <p:cTn id="1" dur="indefinite" restart="never" nodeType="tmRoot"/>
+      </p:par>
+    </p:tnLst>
+  </p:timing>
 </p:sld>
 </file>
 
@@ -4018,7 +3999,7 @@
           <a:lstStyle/>
           <a:p>
             <a:r>
-              <a:rPr lang="de-DE"/>
+              <a:rPr lang="de-DE" dirty="0"/>
               <a:t>Titel, Datum</a:t>
             </a:r>
           </a:p>
@@ -4039,7 +4020,23 @@
           <a:bodyPr/>
           <a:lstStyle/>
           <a:p>
-            <a:endParaRPr lang="de-DE" smtClean="0"/>
+            <a:r>
+              <a:rPr lang="de-DE" dirty="0" err="1" smtClean="0"/>
+              <a:t>Structure</a:t>
+            </a:r>
+            <a:r>
+              <a:rPr lang="de-DE" dirty="0" smtClean="0"/>
+              <a:t> </a:t>
+            </a:r>
+            <a:r>
+              <a:rPr lang="de-DE" dirty="0" err="1" smtClean="0"/>
+              <a:t>Of</a:t>
+            </a:r>
+            <a:r>
+              <a:rPr lang="de-DE" dirty="0" smtClean="0"/>
+              <a:t> This Talk</a:t>
+            </a:r>
+            <a:endParaRPr lang="de-DE" dirty="0" smtClean="0"/>
           </a:p>
         </p:txBody>
       </p:sp>
@@ -4058,11 +4055,336 @@
           <a:bodyPr/>
           <a:lstStyle/>
           <a:p>
-            <a:endParaRPr lang="de-DE" smtClean="0"/>
+            <a:pPr marL="285750" indent="-285750">
+              <a:buFont typeface="Arial" charset="0"/>
+              <a:buChar char="•"/>
+            </a:pPr>
+            <a:r>
+              <a:rPr lang="de-DE" dirty="0" err="1" smtClean="0"/>
+              <a:t>Principles</a:t>
+            </a:r>
+            <a:r>
+              <a:rPr lang="de-DE" dirty="0" smtClean="0"/>
+              <a:t> </a:t>
+            </a:r>
+            <a:r>
+              <a:rPr lang="de-DE" dirty="0" err="1" smtClean="0"/>
+              <a:t>of</a:t>
+            </a:r>
+            <a:r>
+              <a:rPr lang="de-DE" dirty="0" smtClean="0"/>
+              <a:t> </a:t>
+            </a:r>
+            <a:r>
+              <a:rPr lang="de-DE" dirty="0" err="1" smtClean="0"/>
+              <a:t>Gossiping</a:t>
+            </a:r>
+            <a:endParaRPr lang="de-DE" dirty="0" smtClean="0"/>
+          </a:p>
+          <a:p>
+            <a:pPr marL="285750" indent="-285750">
+              <a:buFont typeface="Arial" charset="0"/>
+              <a:buChar char="•"/>
+            </a:pPr>
+            <a:r>
+              <a:rPr lang="de-DE" dirty="0" smtClean="0"/>
+              <a:t>The </a:t>
+            </a:r>
+            <a:r>
+              <a:rPr lang="de-DE" dirty="0" err="1" smtClean="0"/>
+              <a:t>IoT</a:t>
+            </a:r>
+            <a:r>
+              <a:rPr lang="de-DE" dirty="0" smtClean="0"/>
+              <a:t>-Lab</a:t>
+            </a:r>
+          </a:p>
+          <a:p>
+            <a:pPr marL="285750" indent="-285750">
+              <a:buFont typeface="Arial" charset="0"/>
+              <a:buChar char="•"/>
+            </a:pPr>
+            <a:r>
+              <a:rPr lang="de-DE" dirty="0" err="1" smtClean="0"/>
+              <a:t>Scope</a:t>
+            </a:r>
+            <a:r>
+              <a:rPr lang="de-DE" dirty="0" smtClean="0"/>
+              <a:t> </a:t>
+            </a:r>
+            <a:r>
+              <a:rPr lang="de-DE" dirty="0" err="1" smtClean="0"/>
+              <a:t>of</a:t>
+            </a:r>
+            <a:r>
+              <a:rPr lang="de-DE" dirty="0" smtClean="0"/>
+              <a:t> </a:t>
+            </a:r>
+            <a:r>
+              <a:rPr lang="de-DE" dirty="0" err="1" smtClean="0"/>
+              <a:t>the</a:t>
+            </a:r>
+            <a:r>
+              <a:rPr lang="de-DE" dirty="0" smtClean="0"/>
+              <a:t> Thesis</a:t>
+            </a:r>
+          </a:p>
+          <a:p>
+            <a:pPr marL="285750" indent="-285750">
+              <a:buFont typeface="Arial" charset="0"/>
+              <a:buChar char="•"/>
+            </a:pPr>
+            <a:r>
+              <a:rPr lang="de-DE" dirty="0" smtClean="0"/>
+              <a:t>Roadmap</a:t>
+            </a:r>
+            <a:endParaRPr lang="de-DE" dirty="0" smtClean="0"/>
           </a:p>
         </p:txBody>
       </p:sp>
     </p:spTree>
+  </p:cSld>
+  <p:clrMapOvr>
+    <a:masterClrMapping/>
+  </p:clrMapOvr>
+  <p:transition spd="slow"/>
+  <p:timing>
+    <p:tnLst>
+      <p:par>
+        <p:cTn id="1" dur="indefinite" restart="never" nodeType="tmRoot"/>
+      </p:par>
+    </p:tnLst>
+  </p:timing>
+</p:sld>
+</file>
+
+<file path=ppt/slides/slide3.xml><?xml version="1.0" encoding="utf-8"?>
+<p:sld xmlns:a="http://schemas.openxmlformats.org/drawingml/2006/main" xmlns:r="http://schemas.openxmlformats.org/officeDocument/2006/relationships" xmlns:p="http://schemas.openxmlformats.org/presentationml/2006/main">
+  <p:cSld>
+    <p:spTree>
+      <p:nvGrpSpPr>
+        <p:cNvPr id="1" name=""/>
+        <p:cNvGrpSpPr/>
+        <p:nvPr/>
+      </p:nvGrpSpPr>
+      <p:grpSpPr>
+        <a:xfrm>
+          <a:off x="0" y="0"/>
+          <a:ext cx="0" cy="0"/>
+          <a:chOff x="0" y="0"/>
+          <a:chExt cx="0" cy="0"/>
+        </a:xfrm>
+      </p:grpSpPr>
+      <p:sp>
+        <p:nvSpPr>
+          <p:cNvPr id="2" name="Titel 1"/>
+          <p:cNvSpPr>
+            <a:spLocks noGrp="1"/>
+          </p:cNvSpPr>
+          <p:nvPr>
+            <p:ph type="title"/>
+          </p:nvPr>
+        </p:nvSpPr>
+        <p:spPr/>
+        <p:txBody>
+          <a:bodyPr/>
+          <a:lstStyle/>
+          <a:p>
+            <a:r>
+              <a:rPr lang="de-DE" dirty="0" err="1" smtClean="0"/>
+              <a:t>Principles</a:t>
+            </a:r>
+            <a:r>
+              <a:rPr lang="de-DE" dirty="0" smtClean="0"/>
+              <a:t> </a:t>
+            </a:r>
+            <a:r>
+              <a:rPr lang="de-DE" dirty="0" err="1" smtClean="0"/>
+              <a:t>of</a:t>
+            </a:r>
+            <a:r>
+              <a:rPr lang="de-DE" dirty="0" smtClean="0"/>
+              <a:t> </a:t>
+            </a:r>
+            <a:r>
+              <a:rPr lang="de-DE" dirty="0" err="1" smtClean="0"/>
+              <a:t>Gossiping</a:t>
+            </a:r>
+            <a:endParaRPr lang="de-DE" dirty="0"/>
+          </a:p>
+        </p:txBody>
+      </p:sp>
+      <p:sp>
+        <p:nvSpPr>
+          <p:cNvPr id="3" name="Inhaltsplatzhalter 2"/>
+          <p:cNvSpPr>
+            <a:spLocks noGrp="1"/>
+          </p:cNvSpPr>
+          <p:nvPr>
+            <p:ph idx="1"/>
+          </p:nvPr>
+        </p:nvSpPr>
+        <p:spPr/>
+        <p:txBody>
+          <a:bodyPr/>
+          <a:lstStyle/>
+          <a:p>
+            <a:endParaRPr lang="de-DE"/>
+          </a:p>
+        </p:txBody>
+      </p:sp>
+      <p:sp>
+        <p:nvSpPr>
+          <p:cNvPr id="4" name="Fußzeilenplatzhalter 3"/>
+          <p:cNvSpPr>
+            <a:spLocks noGrp="1"/>
+          </p:cNvSpPr>
+          <p:nvPr>
+            <p:ph type="ftr" sz="quarter" idx="10"/>
+          </p:nvPr>
+        </p:nvSpPr>
+        <p:spPr/>
+        <p:txBody>
+          <a:bodyPr/>
+          <a:lstStyle/>
+          <a:p>
+            <a:r>
+              <a:rPr lang="de-DE" smtClean="0"/>
+              <a:t>Titel, Datum</a:t>
+            </a:r>
+            <a:endParaRPr lang="de-DE"/>
+          </a:p>
+        </p:txBody>
+      </p:sp>
+    </p:spTree>
+    <p:extLst>
+      <p:ext uri="{BB962C8B-B14F-4D97-AF65-F5344CB8AC3E}">
+        <p14:creationId xmlns:p14="http://schemas.microsoft.com/office/powerpoint/2010/main" val="1476153275"/>
+      </p:ext>
+    </p:extLst>
+  </p:cSld>
+  <p:clrMapOvr>
+    <a:masterClrMapping/>
+  </p:clrMapOvr>
+  <p:transition spd="slow"/>
+</p:sld>
+</file>
+
+<file path=ppt/slides/slide4.xml><?xml version="1.0" encoding="utf-8"?>
+<p:sld xmlns:a="http://schemas.openxmlformats.org/drawingml/2006/main" xmlns:r="http://schemas.openxmlformats.org/officeDocument/2006/relationships" xmlns:p="http://schemas.openxmlformats.org/presentationml/2006/main">
+  <p:cSld>
+    <p:spTree>
+      <p:nvGrpSpPr>
+        <p:cNvPr id="1" name=""/>
+        <p:cNvGrpSpPr/>
+        <p:nvPr/>
+      </p:nvGrpSpPr>
+      <p:grpSpPr>
+        <a:xfrm>
+          <a:off x="0" y="0"/>
+          <a:ext cx="0" cy="0"/>
+          <a:chOff x="0" y="0"/>
+          <a:chExt cx="0" cy="0"/>
+        </a:xfrm>
+      </p:grpSpPr>
+      <p:sp>
+        <p:nvSpPr>
+          <p:cNvPr id="2" name="Titel 1"/>
+          <p:cNvSpPr>
+            <a:spLocks noGrp="1"/>
+          </p:cNvSpPr>
+          <p:nvPr>
+            <p:ph type="title"/>
+          </p:nvPr>
+        </p:nvSpPr>
+        <p:spPr/>
+        <p:txBody>
+          <a:bodyPr/>
+          <a:lstStyle/>
+          <a:p>
+            <a:r>
+              <a:rPr lang="de-DE" dirty="0" smtClean="0"/>
+              <a:t>The </a:t>
+            </a:r>
+            <a:r>
+              <a:rPr lang="de-DE" dirty="0" err="1" smtClean="0"/>
+              <a:t>IoT</a:t>
+            </a:r>
+            <a:r>
+              <a:rPr lang="de-DE" dirty="0" smtClean="0"/>
+              <a:t>-Lab</a:t>
+            </a:r>
+            <a:endParaRPr lang="de-DE" dirty="0"/>
+          </a:p>
+        </p:txBody>
+      </p:sp>
+      <p:sp>
+        <p:nvSpPr>
+          <p:cNvPr id="5" name="Inhaltsplatzhalter 4"/>
+          <p:cNvSpPr>
+            <a:spLocks noGrp="1"/>
+          </p:cNvSpPr>
+          <p:nvPr>
+            <p:ph sz="half" idx="1"/>
+          </p:nvPr>
+        </p:nvSpPr>
+        <p:spPr/>
+        <p:txBody>
+          <a:bodyPr/>
+          <a:lstStyle/>
+          <a:p>
+            <a:endParaRPr lang="de-DE"/>
+          </a:p>
+        </p:txBody>
+      </p:sp>
+      <p:sp>
+        <p:nvSpPr>
+          <p:cNvPr id="6" name="Inhaltsplatzhalter 5"/>
+          <p:cNvSpPr>
+            <a:spLocks noGrp="1"/>
+          </p:cNvSpPr>
+          <p:nvPr>
+            <p:ph sz="half" idx="2"/>
+          </p:nvPr>
+        </p:nvSpPr>
+        <p:spPr/>
+        <p:txBody>
+          <a:bodyPr/>
+          <a:lstStyle/>
+          <a:p>
+            <a:endParaRPr lang="de-DE"/>
+          </a:p>
+        </p:txBody>
+      </p:sp>
+      <p:sp>
+        <p:nvSpPr>
+          <p:cNvPr id="4" name="Fußzeilenplatzhalter 3"/>
+          <p:cNvSpPr>
+            <a:spLocks noGrp="1"/>
+          </p:cNvSpPr>
+          <p:nvPr>
+            <p:ph type="ftr" sz="quarter" idx="10"/>
+          </p:nvPr>
+        </p:nvSpPr>
+        <p:spPr/>
+        <p:txBody>
+          <a:bodyPr/>
+          <a:lstStyle/>
+          <a:p>
+            <a:r>
+              <a:rPr lang="de-DE" smtClean="0"/>
+              <a:t>Titel, Datum</a:t>
+            </a:r>
+            <a:endParaRPr lang="de-DE"/>
+          </a:p>
+        </p:txBody>
+      </p:sp>
+    </p:spTree>
+    <p:extLst>
+      <p:ext uri="{BB962C8B-B14F-4D97-AF65-F5344CB8AC3E}">
+        <p14:creationId xmlns:p14="http://schemas.microsoft.com/office/powerpoint/2010/main" val="532670688"/>
+      </p:ext>
+    </p:extLst>
   </p:cSld>
   <p:clrMapOvr>
     <a:masterClrMapping/>

--- a/intro-presentation/intro.pptx
+++ b/intro-presentation/intro.pptx
@@ -5,16 +5,19 @@
     <p:sldMasterId id="2147483678" r:id="rId1"/>
   </p:sldMasterIdLst>
   <p:notesMasterIdLst>
-    <p:notesMasterId r:id="rId6"/>
+    <p:notesMasterId r:id="rId9"/>
   </p:notesMasterIdLst>
   <p:handoutMasterIdLst>
-    <p:handoutMasterId r:id="rId7"/>
+    <p:handoutMasterId r:id="rId10"/>
   </p:handoutMasterIdLst>
   <p:sldIdLst>
     <p:sldId id="256" r:id="rId2"/>
     <p:sldId id="257" r:id="rId3"/>
     <p:sldId id="258" r:id="rId4"/>
-    <p:sldId id="259" r:id="rId5"/>
+    <p:sldId id="260" r:id="rId5"/>
+    <p:sldId id="259" r:id="rId6"/>
+    <p:sldId id="261" r:id="rId7"/>
+    <p:sldId id="262" r:id="rId8"/>
   </p:sldIdLst>
   <p:sldSz cx="9144000" cy="6858000" type="screen4x3"/>
   <p:notesSz cx="7099300" cy="10234613"/>
@@ -1679,7 +1682,7 @@
           </a:lstStyle>
           <a:p>
             <a:r>
-              <a:rPr lang="de-DE"/>
+              <a:rPr lang="de-DE" dirty="0"/>
               <a:t>Titel, Datum</a:t>
             </a:r>
           </a:p>
@@ -3999,9 +4002,26 @@
           <a:lstStyle/>
           <a:p>
             <a:r>
+              <a:rPr lang="en-US" dirty="0" smtClean="0"/>
+              <a:t>Information Dissemination With Gossiping Using The </a:t>
+            </a:r>
+            <a:r>
+              <a:rPr lang="en-US" dirty="0" err="1" smtClean="0"/>
+              <a:t>IoT</a:t>
+            </a:r>
+            <a:r>
+              <a:rPr lang="en-US" dirty="0" smtClean="0"/>
+              <a:t>-Lab</a:t>
+            </a:r>
+            <a:r>
+              <a:rPr lang="de-DE" dirty="0" smtClean="0"/>
+              <a:t>, </a:t>
+            </a:r>
+            <a:r>
               <a:rPr lang="de-DE" dirty="0"/>
-              <a:t>Titel, Datum</a:t>
-            </a:r>
+              <a:t>05/29/2015</a:t>
+            </a:r>
+            <a:endParaRPr lang="de-DE" dirty="0"/>
           </a:p>
         </p:txBody>
       </p:sp>
@@ -4036,7 +4056,6 @@
               <a:rPr lang="de-DE" dirty="0" smtClean="0"/>
               <a:t> This Talk</a:t>
             </a:r>
-            <a:endParaRPr lang="de-DE" dirty="0" smtClean="0"/>
           </a:p>
         </p:txBody>
       </p:sp>
@@ -4055,9 +4074,12 @@
           <a:bodyPr/>
           <a:lstStyle/>
           <a:p>
-            <a:pPr marL="285750" indent="-285750">
-              <a:buFont typeface="Arial" charset="0"/>
-              <a:buChar char="•"/>
+            <a:pPr marL="342900" indent="-342900">
+              <a:lnSpc>
+                <a:spcPct val="250000"/>
+              </a:lnSpc>
+              <a:buFont typeface="+mj-lt"/>
+              <a:buAutoNum type="arabicPeriod"/>
             </a:pPr>
             <a:r>
               <a:rPr lang="de-DE" dirty="0" err="1" smtClean="0"/>
@@ -4082,9 +4104,12 @@
             <a:endParaRPr lang="de-DE" dirty="0" smtClean="0"/>
           </a:p>
           <a:p>
-            <a:pPr marL="285750" indent="-285750">
-              <a:buFont typeface="Arial" charset="0"/>
-              <a:buChar char="•"/>
+            <a:pPr marL="342900" indent="-342900">
+              <a:lnSpc>
+                <a:spcPct val="250000"/>
+              </a:lnSpc>
+              <a:buFont typeface="+mj-lt"/>
+              <a:buAutoNum type="arabicPeriod"/>
             </a:pPr>
             <a:r>
               <a:rPr lang="de-DE" dirty="0" smtClean="0"/>
@@ -4100,9 +4125,12 @@
             </a:r>
           </a:p>
           <a:p>
-            <a:pPr marL="285750" indent="-285750">
-              <a:buFont typeface="Arial" charset="0"/>
-              <a:buChar char="•"/>
+            <a:pPr marL="342900" indent="-342900">
+              <a:lnSpc>
+                <a:spcPct val="250000"/>
+              </a:lnSpc>
+              <a:buFont typeface="+mj-lt"/>
+              <a:buAutoNum type="arabicPeriod"/>
             </a:pPr>
             <a:r>
               <a:rPr lang="de-DE" dirty="0" err="1" smtClean="0"/>
@@ -4130,15 +4158,17 @@
             </a:r>
           </a:p>
           <a:p>
-            <a:pPr marL="285750" indent="-285750">
-              <a:buFont typeface="Arial" charset="0"/>
-              <a:buChar char="•"/>
+            <a:pPr marL="342900" indent="-342900">
+              <a:lnSpc>
+                <a:spcPct val="250000"/>
+              </a:lnSpc>
+              <a:buFont typeface="+mj-lt"/>
+              <a:buAutoNum type="arabicPeriod"/>
             </a:pPr>
             <a:r>
               <a:rPr lang="de-DE" dirty="0" smtClean="0"/>
               <a:t>Roadmap</a:t>
             </a:r>
-            <a:endParaRPr lang="de-DE" dirty="0" smtClean="0"/>
           </a:p>
         </p:txBody>
       </p:sp>
@@ -4229,7 +4259,127 @@
           <a:bodyPr/>
           <a:lstStyle/>
           <a:p>
-            <a:endParaRPr lang="de-DE"/>
+            <a:pPr marL="285750" indent="-285750">
+              <a:buFont typeface="Arial" charset="0"/>
+              <a:buChar char="•"/>
+            </a:pPr>
+            <a:r>
+              <a:rPr lang="en-US" dirty="0" smtClean="0"/>
+              <a:t>Node has three states:</a:t>
+            </a:r>
+          </a:p>
+          <a:p>
+            <a:pPr marL="641350" lvl="1" indent="-285750">
+              <a:buFont typeface="Arial" charset="0"/>
+              <a:buChar char="•"/>
+            </a:pPr>
+            <a:r>
+              <a:rPr lang="en-US" b="1" dirty="0" smtClean="0"/>
+              <a:t>Susceptible</a:t>
+            </a:r>
+            <a:r>
+              <a:rPr lang="en-US" dirty="0" smtClean="0"/>
+              <a:t> for new data</a:t>
+            </a:r>
+          </a:p>
+          <a:p>
+            <a:pPr marL="641350" lvl="1" indent="-285750">
+              <a:buFont typeface="Arial" charset="0"/>
+              <a:buChar char="•"/>
+            </a:pPr>
+            <a:r>
+              <a:rPr lang="en-US" b="1" dirty="0" smtClean="0"/>
+              <a:t>Infected</a:t>
+            </a:r>
+            <a:r>
+              <a:rPr lang="en-US" dirty="0" smtClean="0"/>
+              <a:t> with new data</a:t>
+            </a:r>
+          </a:p>
+          <a:p>
+            <a:pPr marL="641350" lvl="1" indent="-285750">
+              <a:buFont typeface="Arial" charset="0"/>
+              <a:buChar char="•"/>
+            </a:pPr>
+            <a:r>
+              <a:rPr lang="en-US" b="1" dirty="0" smtClean="0"/>
+              <a:t>Removed</a:t>
+            </a:r>
+            <a:r>
+              <a:rPr lang="en-US" dirty="0" smtClean="0"/>
+              <a:t> from dissemination</a:t>
+            </a:r>
+          </a:p>
+          <a:p>
+            <a:pPr marL="641350" lvl="1" indent="-285750">
+              <a:buFont typeface="Arial" charset="0"/>
+              <a:buChar char="•"/>
+            </a:pPr>
+            <a:endParaRPr lang="en-US" dirty="0" smtClean="0"/>
+          </a:p>
+          <a:p>
+            <a:pPr marL="285750" indent="-285750">
+              <a:buFont typeface="Arial" charset="0"/>
+              <a:buChar char="•"/>
+            </a:pPr>
+            <a:r>
+              <a:rPr lang="en-US" dirty="0" smtClean="0"/>
+              <a:t>Node P randomly chooses neighbor node Q</a:t>
+            </a:r>
+            <a:endParaRPr lang="en-US" dirty="0"/>
+          </a:p>
+          <a:p>
+            <a:pPr marL="285750" indent="-285750">
+              <a:buFont typeface="Arial" charset="0"/>
+              <a:buChar char="•"/>
+            </a:pPr>
+            <a:r>
+              <a:rPr lang="en-US" dirty="0" smtClean="0"/>
+              <a:t>Three strategies of data exchange:</a:t>
+            </a:r>
+          </a:p>
+          <a:p>
+            <a:pPr marL="641350" lvl="1" indent="-285750">
+              <a:buFont typeface="Arial" charset="0"/>
+              <a:buChar char="•"/>
+            </a:pPr>
+            <a:r>
+              <a:rPr lang="en-US" b="1" dirty="0" smtClean="0"/>
+              <a:t>Push</a:t>
+            </a:r>
+            <a:r>
+              <a:rPr lang="en-US" dirty="0" smtClean="0"/>
+              <a:t>: P sends it data unsolicited to Q</a:t>
+            </a:r>
+          </a:p>
+          <a:p>
+            <a:pPr marL="641350" lvl="1" indent="-285750">
+              <a:buFont typeface="Arial" charset="0"/>
+              <a:buChar char="•"/>
+            </a:pPr>
+            <a:r>
+              <a:rPr lang="en-US" b="1" dirty="0" smtClean="0"/>
+              <a:t>Pull</a:t>
+            </a:r>
+            <a:r>
+              <a:rPr lang="en-US" dirty="0" smtClean="0"/>
+              <a:t>: P asks Q for its data</a:t>
+            </a:r>
+          </a:p>
+          <a:p>
+            <a:pPr marL="641350" lvl="1" indent="-285750">
+              <a:buFont typeface="Arial" charset="0"/>
+              <a:buChar char="•"/>
+            </a:pPr>
+            <a:r>
+              <a:rPr lang="en-US" b="1" dirty="0" smtClean="0"/>
+              <a:t>Push/Pull</a:t>
+            </a:r>
+            <a:r>
+              <a:rPr lang="en-US" dirty="0" smtClean="0"/>
+              <a:t>: P pushes data to Q and Q responds with its own data</a:t>
+            </a:r>
+            <a:endParaRPr lang="en-US" dirty="0"/>
           </a:p>
         </p:txBody>
       </p:sp>
@@ -4249,10 +4399,26 @@
           <a:lstStyle/>
           <a:p>
             <a:r>
-              <a:rPr lang="de-DE" smtClean="0"/>
-              <a:t>Titel, Datum</a:t>
-            </a:r>
-            <a:endParaRPr lang="de-DE"/>
+              <a:rPr lang="en-US" dirty="0"/>
+              <a:t>Information Dissemination With Gossiping Using The </a:t>
+            </a:r>
+            <a:r>
+              <a:rPr lang="en-US" dirty="0" err="1"/>
+              <a:t>IoT</a:t>
+            </a:r>
+            <a:r>
+              <a:rPr lang="en-US" dirty="0"/>
+              <a:t>-Lab</a:t>
+            </a:r>
+            <a:r>
+              <a:rPr lang="de-DE" dirty="0" smtClean="0"/>
+              <a:t>, </a:t>
+            </a:r>
+            <a:r>
+              <a:rPr lang="de-DE" dirty="0"/>
+              <a:t>05/29/2015</a:t>
+            </a:r>
+            <a:endParaRPr lang="de-DE" dirty="0"/>
           </a:p>
         </p:txBody>
       </p:sp>
@@ -4267,6 +4433,13 @@
     <a:masterClrMapping/>
   </p:clrMapOvr>
   <p:transition spd="slow"/>
+  <p:timing>
+    <p:tnLst>
+      <p:par>
+        <p:cTn id="1" dur="indefinite" restart="never" nodeType="tmRoot"/>
+      </p:par>
+    </p:tnLst>
+  </p:timing>
 </p:sld>
 </file>
 
@@ -4303,6 +4476,926 @@
           <a:lstStyle/>
           <a:p>
             <a:r>
+              <a:rPr lang="de-DE" dirty="0" err="1" smtClean="0"/>
+              <a:t>Principles</a:t>
+            </a:r>
+            <a:r>
+              <a:rPr lang="de-DE" dirty="0" smtClean="0"/>
+              <a:t> </a:t>
+            </a:r>
+            <a:r>
+              <a:rPr lang="de-DE" dirty="0" err="1" smtClean="0"/>
+              <a:t>of</a:t>
+            </a:r>
+            <a:r>
+              <a:rPr lang="de-DE" dirty="0" smtClean="0"/>
+              <a:t> </a:t>
+            </a:r>
+            <a:r>
+              <a:rPr lang="de-DE" dirty="0" err="1" smtClean="0"/>
+              <a:t>Gossiping</a:t>
+            </a:r>
+            <a:r>
+              <a:rPr lang="de-DE" dirty="0" smtClean="0"/>
+              <a:t> – Design </a:t>
+            </a:r>
+            <a:r>
+              <a:rPr lang="de-DE" dirty="0" err="1" smtClean="0"/>
+              <a:t>of</a:t>
+            </a:r>
+            <a:r>
+              <a:rPr lang="de-DE" dirty="0" smtClean="0"/>
+              <a:t> a </a:t>
+            </a:r>
+            <a:r>
+              <a:rPr lang="de-DE" dirty="0" err="1" smtClean="0"/>
+              <a:t>Node</a:t>
+            </a:r>
+            <a:endParaRPr lang="de-DE" dirty="0"/>
+          </a:p>
+        </p:txBody>
+      </p:sp>
+      <p:sp>
+        <p:nvSpPr>
+          <p:cNvPr id="5" name="Inhaltsplatzhalter 4"/>
+          <p:cNvSpPr>
+            <a:spLocks noGrp="1"/>
+          </p:cNvSpPr>
+          <p:nvPr>
+            <p:ph sz="half" idx="1"/>
+          </p:nvPr>
+        </p:nvSpPr>
+        <p:spPr>
+          <a:xfrm>
+            <a:off x="250825" y="1808163"/>
+            <a:ext cx="4244975" cy="3193328"/>
+          </a:xfrm>
+        </p:spPr>
+        <p:txBody>
+          <a:bodyPr/>
+          <a:lstStyle/>
+          <a:p>
+            <a:r>
+              <a:rPr lang="de-DE" sz="2000" b="1" dirty="0" err="1">
+                <a:latin typeface="Source Code Pro" charset="0"/>
+                <a:ea typeface="Source Code Pro" charset="0"/>
+                <a:cs typeface="Source Code Pro" charset="0"/>
+              </a:rPr>
+              <a:t>wait</a:t>
+            </a:r>
+            <a:r>
+              <a:rPr lang="de-DE" sz="2000" b="1" dirty="0">
+                <a:latin typeface="Source Code Pro" charset="0"/>
+                <a:ea typeface="Source Code Pro" charset="0"/>
+                <a:cs typeface="Source Code Pro" charset="0"/>
+              </a:rPr>
+              <a:t> </a:t>
+            </a:r>
+            <a:r>
+              <a:rPr lang="de-DE" sz="2000" dirty="0">
+                <a:latin typeface="Source Code Pro" charset="0"/>
+                <a:ea typeface="Source Code Pro" charset="0"/>
+                <a:cs typeface="Source Code Pro" charset="0"/>
+              </a:rPr>
+              <a:t>(∆t time </a:t>
+            </a:r>
+            <a:r>
+              <a:rPr lang="de-DE" sz="2000" dirty="0" err="1" smtClean="0">
+                <a:latin typeface="Source Code Pro" charset="0"/>
+                <a:ea typeface="Source Code Pro" charset="0"/>
+                <a:cs typeface="Source Code Pro" charset="0"/>
+              </a:rPr>
+              <a:t>units</a:t>
+            </a:r>
+            <a:r>
+              <a:rPr lang="de-DE" sz="2000" dirty="0" smtClean="0">
+                <a:latin typeface="Source Code Pro" charset="0"/>
+                <a:ea typeface="Source Code Pro" charset="0"/>
+                <a:cs typeface="Source Code Pro" charset="0"/>
+              </a:rPr>
+              <a:t>)</a:t>
+            </a:r>
+          </a:p>
+          <a:p>
+            <a:r>
+              <a:rPr lang="de-DE" sz="2000" dirty="0" smtClean="0">
+                <a:latin typeface="Source Code Pro" charset="0"/>
+                <a:ea typeface="Source Code Pro" charset="0"/>
+                <a:cs typeface="Source Code Pro" charset="0"/>
+              </a:rPr>
+              <a:t>p </a:t>
+            </a:r>
+            <a:r>
+              <a:rPr lang="de-DE" sz="2000" dirty="0">
+                <a:latin typeface="Source Code Pro" charset="0"/>
+                <a:ea typeface="Source Code Pro" charset="0"/>
+                <a:cs typeface="Source Code Pro" charset="0"/>
+              </a:rPr>
+              <a:t>← </a:t>
+            </a:r>
+            <a:r>
+              <a:rPr lang="de-DE" sz="2000" b="1" dirty="0" err="1">
+                <a:solidFill>
+                  <a:schemeClr val="accent2">
+                    <a:lumMod val="75000"/>
+                  </a:schemeClr>
+                </a:solidFill>
+                <a:latin typeface="Source Code Pro" charset="0"/>
+                <a:ea typeface="Source Code Pro" charset="0"/>
+                <a:cs typeface="Source Code Pro" charset="0"/>
+              </a:rPr>
+              <a:t>RandomPeer</a:t>
+            </a:r>
+            <a:r>
+              <a:rPr lang="de-DE" sz="2000" dirty="0" smtClean="0">
+                <a:latin typeface="Source Code Pro" charset="0"/>
+                <a:ea typeface="Source Code Pro" charset="0"/>
+                <a:cs typeface="Source Code Pro" charset="0"/>
+              </a:rPr>
+              <a:t>();</a:t>
+            </a:r>
+          </a:p>
+          <a:p>
+            <a:r>
+              <a:rPr lang="de-DE" sz="2000" dirty="0" err="1" smtClean="0">
+                <a:latin typeface="Source Code Pro" charset="0"/>
+                <a:ea typeface="Source Code Pro" charset="0"/>
+                <a:cs typeface="Source Code Pro" charset="0"/>
+              </a:rPr>
+              <a:t>σ</a:t>
+            </a:r>
+            <a:r>
+              <a:rPr lang="de-DE" sz="2000" dirty="0" smtClean="0">
+                <a:latin typeface="Source Code Pro" charset="0"/>
+                <a:ea typeface="Source Code Pro" charset="0"/>
+                <a:cs typeface="Source Code Pro" charset="0"/>
+              </a:rPr>
+              <a:t> </a:t>
+            </a:r>
+            <a:r>
+              <a:rPr lang="de-DE" sz="2000" dirty="0">
+                <a:latin typeface="Source Code Pro" charset="0"/>
+                <a:ea typeface="Source Code Pro" charset="0"/>
+                <a:cs typeface="Source Code Pro" charset="0"/>
+              </a:rPr>
+              <a:t>← </a:t>
+            </a:r>
+            <a:r>
+              <a:rPr lang="de-DE" sz="2000" b="1" dirty="0" err="1">
+                <a:solidFill>
+                  <a:schemeClr val="accent5">
+                    <a:lumMod val="25000"/>
+                  </a:schemeClr>
+                </a:solidFill>
+                <a:latin typeface="Source Code Pro" charset="0"/>
+                <a:ea typeface="Source Code Pro" charset="0"/>
+                <a:cs typeface="Source Code Pro" charset="0"/>
+              </a:rPr>
+              <a:t>PrepareMsg</a:t>
+            </a:r>
+            <a:r>
+              <a:rPr lang="de-DE" sz="2000" dirty="0" smtClean="0">
+                <a:latin typeface="Source Code Pro" charset="0"/>
+                <a:ea typeface="Source Code Pro" charset="0"/>
+                <a:cs typeface="Source Code Pro" charset="0"/>
+              </a:rPr>
+              <a:t>();</a:t>
+            </a:r>
+          </a:p>
+          <a:p>
+            <a:r>
+              <a:rPr lang="de-DE" sz="2000" b="1" dirty="0" smtClean="0">
+                <a:latin typeface="Source Code Pro" charset="0"/>
+                <a:ea typeface="Source Code Pro" charset="0"/>
+                <a:cs typeface="Source Code Pro" charset="0"/>
+              </a:rPr>
+              <a:t>send </a:t>
+            </a:r>
+            <a:r>
+              <a:rPr lang="de-DE" sz="2000" dirty="0" err="1">
+                <a:latin typeface="Source Code Pro" charset="0"/>
+                <a:ea typeface="Source Code Pro" charset="0"/>
+                <a:cs typeface="Source Code Pro" charset="0"/>
+              </a:rPr>
+              <a:t>σ</a:t>
+            </a:r>
+            <a:r>
+              <a:rPr lang="de-DE" sz="2000" dirty="0">
+                <a:latin typeface="Source Code Pro" charset="0"/>
+                <a:ea typeface="Source Code Pro" charset="0"/>
+                <a:cs typeface="Source Code Pro" charset="0"/>
+              </a:rPr>
+              <a:t> </a:t>
+            </a:r>
+            <a:r>
+              <a:rPr lang="de-DE" sz="2000" b="1" dirty="0" err="1">
+                <a:latin typeface="Source Code Pro" charset="0"/>
+                <a:ea typeface="Source Code Pro" charset="0"/>
+                <a:cs typeface="Source Code Pro" charset="0"/>
+              </a:rPr>
+              <a:t>to</a:t>
+            </a:r>
+            <a:r>
+              <a:rPr lang="de-DE" sz="2000" b="1" dirty="0">
+                <a:latin typeface="Source Code Pro" charset="0"/>
+                <a:ea typeface="Source Code Pro" charset="0"/>
+                <a:cs typeface="Source Code Pro" charset="0"/>
+              </a:rPr>
+              <a:t> </a:t>
+            </a:r>
+            <a:r>
+              <a:rPr lang="de-DE" sz="2000" dirty="0">
+                <a:latin typeface="Source Code Pro" charset="0"/>
+                <a:ea typeface="Source Code Pro" charset="0"/>
+                <a:cs typeface="Source Code Pro" charset="0"/>
+              </a:rPr>
+              <a:t>p</a:t>
+            </a:r>
+            <a:r>
+              <a:rPr lang="de-DE" sz="2000" dirty="0" smtClean="0">
+                <a:latin typeface="Source Code Pro" charset="0"/>
+                <a:ea typeface="Source Code Pro" charset="0"/>
+                <a:cs typeface="Source Code Pro" charset="0"/>
+              </a:rPr>
+              <a:t>;</a:t>
+            </a:r>
+          </a:p>
+          <a:p>
+            <a:endParaRPr lang="de-DE" sz="2000" dirty="0" smtClean="0">
+              <a:latin typeface="Source Code Pro" charset="0"/>
+              <a:ea typeface="Source Code Pro" charset="0"/>
+              <a:cs typeface="Source Code Pro" charset="0"/>
+            </a:endParaRPr>
+          </a:p>
+          <a:p>
+            <a:r>
+              <a:rPr lang="de-DE" sz="2000" b="1" dirty="0" err="1" smtClean="0">
+                <a:latin typeface="Source Code Pro" charset="0"/>
+                <a:ea typeface="Source Code Pro" charset="0"/>
+                <a:cs typeface="Source Code Pro" charset="0"/>
+              </a:rPr>
+              <a:t>wait</a:t>
+            </a:r>
+            <a:r>
+              <a:rPr lang="de-DE" sz="2000" b="1" dirty="0" smtClean="0">
+                <a:latin typeface="Source Code Pro" charset="0"/>
+                <a:ea typeface="Source Code Pro" charset="0"/>
+                <a:cs typeface="Source Code Pro" charset="0"/>
+              </a:rPr>
+              <a:t> </a:t>
+            </a:r>
+            <a:r>
+              <a:rPr lang="de-DE" sz="2000" b="1" dirty="0" err="1" smtClean="0">
+                <a:latin typeface="Source Code Pro" charset="0"/>
+                <a:ea typeface="Source Code Pro" charset="0"/>
+                <a:cs typeface="Source Code Pro" charset="0"/>
+              </a:rPr>
+              <a:t>until</a:t>
+            </a:r>
+            <a:r>
+              <a:rPr lang="de-DE" sz="2000" b="1" dirty="0">
+                <a:latin typeface="Source Code Pro" charset="0"/>
+                <a:ea typeface="Source Code Pro" charset="0"/>
+                <a:cs typeface="Source Code Pro" charset="0"/>
+              </a:rPr>
+              <a:t> </a:t>
+            </a:r>
+            <a:r>
+              <a:rPr lang="de-DE" sz="2000" dirty="0" err="1" smtClean="0">
+                <a:latin typeface="Source Code Pro" charset="0"/>
+                <a:ea typeface="Source Code Pro" charset="0"/>
+                <a:cs typeface="Source Code Pro" charset="0"/>
+              </a:rPr>
+              <a:t>receive</a:t>
+            </a:r>
+            <a:r>
+              <a:rPr lang="de-DE" sz="2000" dirty="0" smtClean="0">
+                <a:latin typeface="Source Code Pro" charset="0"/>
+                <a:ea typeface="Source Code Pro" charset="0"/>
+                <a:cs typeface="Source Code Pro" charset="0"/>
+              </a:rPr>
+              <a:t>(</a:t>
+            </a:r>
+            <a:r>
+              <a:rPr lang="de-DE" sz="2000" dirty="0" err="1" smtClean="0">
+                <a:latin typeface="Source Code Pro" charset="0"/>
+                <a:ea typeface="Source Code Pro" charset="0"/>
+                <a:cs typeface="Source Code Pro" charset="0"/>
+              </a:rPr>
+              <a:t>σp</a:t>
+            </a:r>
+            <a:r>
+              <a:rPr lang="de-DE" sz="2000" dirty="0" smtClean="0">
+                <a:latin typeface="Source Code Pro" charset="0"/>
+                <a:ea typeface="Source Code Pro" charset="0"/>
+                <a:cs typeface="Source Code Pro" charset="0"/>
+              </a:rPr>
+              <a:t>)</a:t>
+            </a:r>
+          </a:p>
+          <a:p>
+            <a:r>
+              <a:rPr lang="de-DE" sz="2000" dirty="0" err="1" smtClean="0">
+                <a:latin typeface="Source Code Pro" charset="0"/>
+                <a:ea typeface="Source Code Pro" charset="0"/>
+                <a:cs typeface="Source Code Pro" charset="0"/>
+              </a:rPr>
+              <a:t>σ</a:t>
+            </a:r>
+            <a:r>
+              <a:rPr lang="de-DE" sz="2000" dirty="0" smtClean="0">
+                <a:latin typeface="Source Code Pro" charset="0"/>
+                <a:ea typeface="Source Code Pro" charset="0"/>
+                <a:cs typeface="Source Code Pro" charset="0"/>
+              </a:rPr>
+              <a:t> </a:t>
+            </a:r>
+            <a:r>
+              <a:rPr lang="de-DE" sz="2000" dirty="0">
+                <a:latin typeface="Source Code Pro" charset="0"/>
+                <a:ea typeface="Source Code Pro" charset="0"/>
+                <a:cs typeface="Source Code Pro" charset="0"/>
+              </a:rPr>
+              <a:t>← </a:t>
+            </a:r>
+            <a:r>
+              <a:rPr lang="de-DE" sz="2000" b="1" dirty="0">
+                <a:solidFill>
+                  <a:schemeClr val="tx2">
+                    <a:lumMod val="60000"/>
+                    <a:lumOff val="40000"/>
+                  </a:schemeClr>
+                </a:solidFill>
+                <a:latin typeface="Source Code Pro" charset="0"/>
+                <a:ea typeface="Source Code Pro" charset="0"/>
+                <a:cs typeface="Source Code Pro" charset="0"/>
+              </a:rPr>
+              <a:t>Update</a:t>
+            </a:r>
+            <a:r>
+              <a:rPr lang="de-DE" sz="2000" dirty="0">
+                <a:latin typeface="Source Code Pro" charset="0"/>
+                <a:ea typeface="Source Code Pro" charset="0"/>
+                <a:cs typeface="Source Code Pro" charset="0"/>
+              </a:rPr>
+              <a:t>(</a:t>
+            </a:r>
+            <a:r>
+              <a:rPr lang="de-DE" sz="2000" dirty="0" err="1">
+                <a:latin typeface="Source Code Pro" charset="0"/>
+                <a:ea typeface="Source Code Pro" charset="0"/>
+                <a:cs typeface="Source Code Pro" charset="0"/>
+              </a:rPr>
+              <a:t>σ,σp</a:t>
+            </a:r>
+            <a:r>
+              <a:rPr lang="de-DE" sz="2000" dirty="0">
+                <a:latin typeface="Source Code Pro" charset="0"/>
+                <a:ea typeface="Source Code Pro" charset="0"/>
+                <a:cs typeface="Source Code Pro" charset="0"/>
+              </a:rPr>
+              <a:t>); </a:t>
+            </a:r>
+          </a:p>
+          <a:p>
+            <a:endParaRPr lang="de-DE" sz="2000" dirty="0">
+              <a:latin typeface="Source Code Pro" charset="0"/>
+              <a:ea typeface="Source Code Pro" charset="0"/>
+              <a:cs typeface="Source Code Pro" charset="0"/>
+            </a:endParaRPr>
+          </a:p>
+        </p:txBody>
+      </p:sp>
+      <p:sp>
+        <p:nvSpPr>
+          <p:cNvPr id="6" name="Inhaltsplatzhalter 5"/>
+          <p:cNvSpPr>
+            <a:spLocks noGrp="1"/>
+          </p:cNvSpPr>
+          <p:nvPr>
+            <p:ph sz="half" idx="2"/>
+          </p:nvPr>
+        </p:nvSpPr>
+        <p:spPr>
+          <a:xfrm>
+            <a:off x="4648200" y="1808163"/>
+            <a:ext cx="4244975" cy="3193328"/>
+          </a:xfrm>
+        </p:spPr>
+        <p:txBody>
+          <a:bodyPr/>
+          <a:lstStyle/>
+          <a:p>
+            <a:r>
+              <a:rPr lang="de-DE" sz="2000" b="1" dirty="0" err="1">
+                <a:latin typeface="Source Code Pro" charset="0"/>
+                <a:ea typeface="Source Code Pro" charset="0"/>
+                <a:cs typeface="Source Code Pro" charset="0"/>
+              </a:rPr>
+              <a:t>wait</a:t>
+            </a:r>
+            <a:r>
+              <a:rPr lang="de-DE" sz="2000" b="1" dirty="0">
+                <a:latin typeface="Source Code Pro" charset="0"/>
+                <a:ea typeface="Source Code Pro" charset="0"/>
+                <a:cs typeface="Source Code Pro" charset="0"/>
+              </a:rPr>
+              <a:t> </a:t>
+            </a:r>
+            <a:r>
+              <a:rPr lang="de-DE" sz="2000" b="1" dirty="0" err="1">
+                <a:latin typeface="Source Code Pro" charset="0"/>
+                <a:ea typeface="Source Code Pro" charset="0"/>
+                <a:cs typeface="Source Code Pro" charset="0"/>
+              </a:rPr>
+              <a:t>until</a:t>
+            </a:r>
+            <a:r>
+              <a:rPr lang="de-DE" sz="2000" b="1" dirty="0">
+                <a:latin typeface="Source Code Pro" charset="0"/>
+                <a:ea typeface="Source Code Pro" charset="0"/>
+                <a:cs typeface="Source Code Pro" charset="0"/>
+              </a:rPr>
+              <a:t> </a:t>
+            </a:r>
+            <a:r>
+              <a:rPr lang="de-DE" sz="2000" dirty="0" err="1">
+                <a:latin typeface="Source Code Pro" charset="0"/>
+                <a:ea typeface="Source Code Pro" charset="0"/>
+                <a:cs typeface="Source Code Pro" charset="0"/>
+              </a:rPr>
+              <a:t>receive</a:t>
+            </a:r>
+            <a:r>
+              <a:rPr lang="de-DE" sz="2000" dirty="0">
+                <a:latin typeface="Source Code Pro" charset="0"/>
+                <a:ea typeface="Source Code Pro" charset="0"/>
+                <a:cs typeface="Source Code Pro" charset="0"/>
+              </a:rPr>
+              <a:t>(</a:t>
+            </a:r>
+            <a:r>
+              <a:rPr lang="de-DE" sz="2000" dirty="0" err="1">
+                <a:latin typeface="Source Code Pro" charset="0"/>
+                <a:ea typeface="Source Code Pro" charset="0"/>
+                <a:cs typeface="Source Code Pro" charset="0"/>
+              </a:rPr>
+              <a:t>σp</a:t>
+            </a:r>
+            <a:r>
+              <a:rPr lang="de-DE" sz="2000" dirty="0" smtClean="0">
+                <a:latin typeface="Source Code Pro" charset="0"/>
+                <a:ea typeface="Source Code Pro" charset="0"/>
+                <a:cs typeface="Source Code Pro" charset="0"/>
+              </a:rPr>
+              <a:t>)</a:t>
+            </a:r>
+          </a:p>
+          <a:p>
+            <a:r>
+              <a:rPr lang="de-DE" sz="2000" dirty="0" err="1" smtClean="0">
+                <a:latin typeface="Source Code Pro" charset="0"/>
+                <a:ea typeface="Source Code Pro" charset="0"/>
+                <a:cs typeface="Source Code Pro" charset="0"/>
+              </a:rPr>
+              <a:t>σ</a:t>
+            </a:r>
+            <a:r>
+              <a:rPr lang="de-DE" sz="2000" dirty="0" smtClean="0">
+                <a:latin typeface="Source Code Pro" charset="0"/>
+                <a:ea typeface="Source Code Pro" charset="0"/>
+                <a:cs typeface="Source Code Pro" charset="0"/>
+              </a:rPr>
+              <a:t> </a:t>
+            </a:r>
+            <a:r>
+              <a:rPr lang="de-DE" sz="2000" dirty="0">
+                <a:latin typeface="Source Code Pro" charset="0"/>
+                <a:ea typeface="Source Code Pro" charset="0"/>
+                <a:cs typeface="Source Code Pro" charset="0"/>
+              </a:rPr>
+              <a:t>← </a:t>
+            </a:r>
+            <a:r>
+              <a:rPr lang="de-DE" sz="2000" b="1" dirty="0" err="1">
+                <a:solidFill>
+                  <a:schemeClr val="accent5">
+                    <a:lumMod val="25000"/>
+                  </a:schemeClr>
+                </a:solidFill>
+                <a:latin typeface="Source Code Pro" charset="0"/>
+                <a:ea typeface="Source Code Pro" charset="0"/>
+                <a:cs typeface="Source Code Pro" charset="0"/>
+              </a:rPr>
+              <a:t>PrepareMsg</a:t>
+            </a:r>
+            <a:r>
+              <a:rPr lang="de-DE" sz="2000" dirty="0" smtClean="0">
+                <a:latin typeface="Source Code Pro" charset="0"/>
+                <a:ea typeface="Source Code Pro" charset="0"/>
+                <a:cs typeface="Source Code Pro" charset="0"/>
+              </a:rPr>
+              <a:t>();</a:t>
+            </a:r>
+          </a:p>
+          <a:p>
+            <a:r>
+              <a:rPr lang="de-DE" sz="2000" b="1" dirty="0" smtClean="0">
+                <a:latin typeface="Source Code Pro" charset="0"/>
+                <a:ea typeface="Source Code Pro" charset="0"/>
+                <a:cs typeface="Source Code Pro" charset="0"/>
+              </a:rPr>
+              <a:t>send </a:t>
+            </a:r>
+            <a:r>
+              <a:rPr lang="de-DE" sz="2000" dirty="0" err="1">
+                <a:latin typeface="Source Code Pro" charset="0"/>
+                <a:ea typeface="Source Code Pro" charset="0"/>
+                <a:cs typeface="Source Code Pro" charset="0"/>
+              </a:rPr>
+              <a:t>σ</a:t>
+            </a:r>
+            <a:r>
+              <a:rPr lang="de-DE" sz="2000" dirty="0">
+                <a:latin typeface="Source Code Pro" charset="0"/>
+                <a:ea typeface="Source Code Pro" charset="0"/>
+                <a:cs typeface="Source Code Pro" charset="0"/>
+              </a:rPr>
+              <a:t> </a:t>
+            </a:r>
+            <a:r>
+              <a:rPr lang="de-DE" sz="2000" b="1" dirty="0" err="1">
+                <a:latin typeface="Source Code Pro" charset="0"/>
+                <a:ea typeface="Source Code Pro" charset="0"/>
+                <a:cs typeface="Source Code Pro" charset="0"/>
+              </a:rPr>
+              <a:t>to</a:t>
+            </a:r>
+            <a:r>
+              <a:rPr lang="de-DE" sz="2000" b="1" dirty="0">
+                <a:latin typeface="Source Code Pro" charset="0"/>
+                <a:ea typeface="Source Code Pro" charset="0"/>
+                <a:cs typeface="Source Code Pro" charset="0"/>
+              </a:rPr>
+              <a:t> </a:t>
+            </a:r>
+            <a:r>
+              <a:rPr lang="de-DE" sz="2000" dirty="0" err="1">
+                <a:latin typeface="Source Code Pro" charset="0"/>
+                <a:ea typeface="Source Code Pro" charset="0"/>
+                <a:cs typeface="Source Code Pro" charset="0"/>
+              </a:rPr>
+              <a:t>sender</a:t>
+            </a:r>
+            <a:r>
+              <a:rPr lang="de-DE" sz="2000" dirty="0">
+                <a:latin typeface="Source Code Pro" charset="0"/>
+                <a:ea typeface="Source Code Pro" charset="0"/>
+                <a:cs typeface="Source Code Pro" charset="0"/>
+              </a:rPr>
+              <a:t>(</a:t>
+            </a:r>
+            <a:r>
+              <a:rPr lang="de-DE" sz="2000" dirty="0" err="1">
+                <a:latin typeface="Source Code Pro" charset="0"/>
+                <a:ea typeface="Source Code Pro" charset="0"/>
+                <a:cs typeface="Source Code Pro" charset="0"/>
+              </a:rPr>
+              <a:t>σp</a:t>
+            </a:r>
+            <a:r>
+              <a:rPr lang="de-DE" sz="2000" dirty="0" smtClean="0">
+                <a:latin typeface="Source Code Pro" charset="0"/>
+                <a:ea typeface="Source Code Pro" charset="0"/>
+                <a:cs typeface="Source Code Pro" charset="0"/>
+              </a:rPr>
+              <a:t>);</a:t>
+            </a:r>
+          </a:p>
+          <a:p>
+            <a:endParaRPr lang="de-DE" sz="2000" dirty="0">
+              <a:latin typeface="Source Code Pro" charset="0"/>
+              <a:ea typeface="Source Code Pro" charset="0"/>
+              <a:cs typeface="Source Code Pro" charset="0"/>
+            </a:endParaRPr>
+          </a:p>
+          <a:p>
+            <a:r>
+              <a:rPr lang="de-DE" sz="2000" dirty="0" err="1" smtClean="0">
+                <a:latin typeface="Source Code Pro" charset="0"/>
+                <a:ea typeface="Source Code Pro" charset="0"/>
+                <a:cs typeface="Source Code Pro" charset="0"/>
+              </a:rPr>
+              <a:t>σ</a:t>
+            </a:r>
+            <a:r>
+              <a:rPr lang="de-DE" sz="2000" dirty="0" smtClean="0">
+                <a:latin typeface="Source Code Pro" charset="0"/>
+                <a:ea typeface="Source Code Pro" charset="0"/>
+                <a:cs typeface="Source Code Pro" charset="0"/>
+              </a:rPr>
+              <a:t> </a:t>
+            </a:r>
+            <a:r>
+              <a:rPr lang="de-DE" sz="2000" dirty="0">
+                <a:latin typeface="Source Code Pro" charset="0"/>
+                <a:ea typeface="Source Code Pro" charset="0"/>
+                <a:cs typeface="Source Code Pro" charset="0"/>
+              </a:rPr>
+              <a:t>← </a:t>
+            </a:r>
+            <a:r>
+              <a:rPr lang="de-DE" sz="2000" b="1" dirty="0">
+                <a:solidFill>
+                  <a:schemeClr val="tx2">
+                    <a:lumMod val="60000"/>
+                    <a:lumOff val="40000"/>
+                  </a:schemeClr>
+                </a:solidFill>
+                <a:latin typeface="Source Code Pro" charset="0"/>
+                <a:ea typeface="Source Code Pro" charset="0"/>
+                <a:cs typeface="Source Code Pro" charset="0"/>
+              </a:rPr>
+              <a:t>Update</a:t>
+            </a:r>
+            <a:r>
+              <a:rPr lang="de-DE" sz="2000" dirty="0">
+                <a:latin typeface="Source Code Pro" charset="0"/>
+                <a:ea typeface="Source Code Pro" charset="0"/>
+                <a:cs typeface="Source Code Pro" charset="0"/>
+              </a:rPr>
+              <a:t>(</a:t>
+            </a:r>
+            <a:r>
+              <a:rPr lang="de-DE" sz="2000" dirty="0" err="1">
+                <a:latin typeface="Source Code Pro" charset="0"/>
+                <a:ea typeface="Source Code Pro" charset="0"/>
+                <a:cs typeface="Source Code Pro" charset="0"/>
+              </a:rPr>
+              <a:t>σ</a:t>
+            </a:r>
+            <a:r>
+              <a:rPr lang="de-DE" sz="2000" dirty="0">
+                <a:latin typeface="Source Code Pro" charset="0"/>
+                <a:ea typeface="Source Code Pro" charset="0"/>
+                <a:cs typeface="Source Code Pro" charset="0"/>
+              </a:rPr>
+              <a:t>, </a:t>
+            </a:r>
+            <a:r>
+              <a:rPr lang="de-DE" sz="2000" dirty="0" err="1" smtClean="0">
+                <a:latin typeface="Source Code Pro" charset="0"/>
+                <a:ea typeface="Source Code Pro" charset="0"/>
+                <a:cs typeface="Source Code Pro" charset="0"/>
+              </a:rPr>
+              <a:t>σp</a:t>
+            </a:r>
+            <a:r>
+              <a:rPr lang="de-DE" sz="2000" dirty="0" smtClean="0">
+                <a:latin typeface="Source Code Pro" charset="0"/>
+                <a:ea typeface="Source Code Pro" charset="0"/>
+                <a:cs typeface="Source Code Pro" charset="0"/>
+              </a:rPr>
+              <a:t>); </a:t>
+            </a:r>
+            <a:endParaRPr lang="de-DE" sz="2000" dirty="0">
+              <a:latin typeface="Source Code Pro" charset="0"/>
+              <a:ea typeface="Source Code Pro" charset="0"/>
+              <a:cs typeface="Source Code Pro" charset="0"/>
+            </a:endParaRPr>
+          </a:p>
+          <a:p>
+            <a:endParaRPr lang="de-DE" sz="2000" dirty="0">
+              <a:latin typeface="Source Code Pro" charset="0"/>
+              <a:ea typeface="Source Code Pro" charset="0"/>
+              <a:cs typeface="Source Code Pro" charset="0"/>
+            </a:endParaRPr>
+          </a:p>
+        </p:txBody>
+      </p:sp>
+      <p:sp>
+        <p:nvSpPr>
+          <p:cNvPr id="4" name="Fußzeilenplatzhalter 3"/>
+          <p:cNvSpPr>
+            <a:spLocks noGrp="1"/>
+          </p:cNvSpPr>
+          <p:nvPr>
+            <p:ph type="ftr" sz="quarter" idx="10"/>
+          </p:nvPr>
+        </p:nvSpPr>
+        <p:spPr/>
+        <p:txBody>
+          <a:bodyPr/>
+          <a:lstStyle/>
+          <a:p>
+            <a:r>
+              <a:rPr lang="en-US" dirty="0"/>
+              <a:t>Information Dissemination With Gossiping Using The </a:t>
+            </a:r>
+            <a:r>
+              <a:rPr lang="en-US" dirty="0" err="1"/>
+              <a:t>IoT</a:t>
+            </a:r>
+            <a:r>
+              <a:rPr lang="en-US" dirty="0"/>
+              <a:t>-Lab</a:t>
+            </a:r>
+            <a:r>
+              <a:rPr lang="de-DE" dirty="0" smtClean="0"/>
+              <a:t>, </a:t>
+            </a:r>
+            <a:r>
+              <a:rPr lang="de-DE" dirty="0" smtClean="0"/>
+              <a:t>05/29/2015</a:t>
+            </a:r>
+            <a:endParaRPr lang="de-DE" dirty="0"/>
+          </a:p>
+        </p:txBody>
+      </p:sp>
+      <p:sp>
+        <p:nvSpPr>
+          <p:cNvPr id="7" name="Textfeld 6"/>
+          <p:cNvSpPr txBox="1"/>
+          <p:nvPr/>
+        </p:nvSpPr>
+        <p:spPr>
+          <a:xfrm>
+            <a:off x="1607718" y="5126182"/>
+            <a:ext cx="1531188" cy="369332"/>
+          </a:xfrm>
+          <a:prstGeom prst="rect">
+            <a:avLst/>
+          </a:prstGeom>
+          <a:noFill/>
+        </p:spPr>
+        <p:txBody>
+          <a:bodyPr wrap="none" rtlCol="0">
+            <a:spAutoFit/>
+          </a:bodyPr>
+          <a:lstStyle/>
+          <a:p>
+            <a:r>
+              <a:rPr lang="en-US" dirty="0" smtClean="0"/>
+              <a:t>active thread</a:t>
+            </a:r>
+            <a:endParaRPr lang="en-US" dirty="0"/>
+          </a:p>
+        </p:txBody>
+      </p:sp>
+      <p:sp>
+        <p:nvSpPr>
+          <p:cNvPr id="8" name="Textfeld 7"/>
+          <p:cNvSpPr txBox="1"/>
+          <p:nvPr/>
+        </p:nvSpPr>
+        <p:spPr>
+          <a:xfrm>
+            <a:off x="5915324" y="5126182"/>
+            <a:ext cx="1710725" cy="369332"/>
+          </a:xfrm>
+          <a:prstGeom prst="rect">
+            <a:avLst/>
+          </a:prstGeom>
+          <a:noFill/>
+        </p:spPr>
+        <p:txBody>
+          <a:bodyPr wrap="none" rtlCol="0">
+            <a:spAutoFit/>
+          </a:bodyPr>
+          <a:lstStyle/>
+          <a:p>
+            <a:r>
+              <a:rPr lang="de-DE" dirty="0" smtClean="0"/>
+              <a:t>passive </a:t>
+            </a:r>
+            <a:r>
+              <a:rPr lang="de-DE" dirty="0" err="1" smtClean="0"/>
+              <a:t>thread</a:t>
+            </a:r>
+            <a:endParaRPr lang="de-DE" dirty="0"/>
+          </a:p>
+        </p:txBody>
+      </p:sp>
+      <p:sp>
+        <p:nvSpPr>
+          <p:cNvPr id="9" name="Textfeld 8"/>
+          <p:cNvSpPr txBox="1"/>
+          <p:nvPr/>
+        </p:nvSpPr>
+        <p:spPr>
+          <a:xfrm>
+            <a:off x="156400" y="6119336"/>
+            <a:ext cx="8892114" cy="353943"/>
+          </a:xfrm>
+          <a:prstGeom prst="rect">
+            <a:avLst/>
+          </a:prstGeom>
+          <a:noFill/>
+        </p:spPr>
+        <p:txBody>
+          <a:bodyPr wrap="none" rtlCol="0">
+            <a:spAutoFit/>
+          </a:bodyPr>
+          <a:lstStyle/>
+          <a:p>
+            <a:r>
+              <a:rPr lang="de-DE" sz="1700" dirty="0" smtClean="0"/>
+              <a:t>Source: </a:t>
+            </a:r>
+            <a:r>
+              <a:rPr lang="de-DE" sz="1700" dirty="0" err="1"/>
+              <a:t>Bakhshi</a:t>
+            </a:r>
+            <a:r>
+              <a:rPr lang="de-DE" sz="1700" dirty="0"/>
+              <a:t> </a:t>
+            </a:r>
+            <a:r>
+              <a:rPr lang="de-DE" sz="1700" dirty="0" smtClean="0"/>
+              <a:t>et al., 2011: </a:t>
+            </a:r>
+            <a:r>
+              <a:rPr lang="de-DE" sz="1700" dirty="0"/>
+              <a:t>A Modeling Framework </a:t>
+            </a:r>
+            <a:r>
+              <a:rPr lang="de-DE" sz="1700" dirty="0" err="1"/>
+              <a:t>for</a:t>
+            </a:r>
+            <a:r>
+              <a:rPr lang="de-DE" sz="1700" dirty="0"/>
+              <a:t> </a:t>
+            </a:r>
+            <a:r>
+              <a:rPr lang="de-DE" sz="1700" dirty="0" err="1"/>
+              <a:t>Gossip-based</a:t>
+            </a:r>
+            <a:r>
+              <a:rPr lang="de-DE" sz="1700" dirty="0"/>
+              <a:t> Information </a:t>
+            </a:r>
+            <a:r>
+              <a:rPr lang="de-DE" sz="1700" dirty="0" err="1" smtClean="0"/>
+              <a:t>Spread</a:t>
+            </a:r>
+            <a:endParaRPr lang="de-DE" sz="1700" dirty="0"/>
+          </a:p>
+        </p:txBody>
+      </p:sp>
+    </p:spTree>
+    <p:extLst>
+      <p:ext uri="{BB962C8B-B14F-4D97-AF65-F5344CB8AC3E}">
+        <p14:creationId xmlns:p14="http://schemas.microsoft.com/office/powerpoint/2010/main" val="915256190"/>
+      </p:ext>
+    </p:extLst>
+  </p:cSld>
+  <p:clrMapOvr>
+    <a:masterClrMapping/>
+  </p:clrMapOvr>
+  <p:transition spd="slow"/>
+  <p:timing>
+    <p:tnLst>
+      <p:par>
+        <p:cTn id="1" dur="indefinite" restart="never" nodeType="tmRoot"/>
+      </p:par>
+    </p:tnLst>
+  </p:timing>
+</p:sld>
+</file>
+
+<file path=ppt/slides/slide5.xml><?xml version="1.0" encoding="utf-8"?>
+<p:sld xmlns:a="http://schemas.openxmlformats.org/drawingml/2006/main" xmlns:r="http://schemas.openxmlformats.org/officeDocument/2006/relationships" xmlns:p="http://schemas.openxmlformats.org/presentationml/2006/main">
+  <p:cSld>
+    <p:spTree>
+      <p:nvGrpSpPr>
+        <p:cNvPr id="1" name=""/>
+        <p:cNvGrpSpPr/>
+        <p:nvPr/>
+      </p:nvGrpSpPr>
+      <p:grpSpPr>
+        <a:xfrm>
+          <a:off x="0" y="0"/>
+          <a:ext cx="0" cy="0"/>
+          <a:chOff x="0" y="0"/>
+          <a:chExt cx="0" cy="0"/>
+        </a:xfrm>
+      </p:grpSpPr>
+      <p:sp>
+        <p:nvSpPr>
+          <p:cNvPr id="2" name="Titel 1"/>
+          <p:cNvSpPr>
+            <a:spLocks noGrp="1"/>
+          </p:cNvSpPr>
+          <p:nvPr>
+            <p:ph type="title"/>
+          </p:nvPr>
+        </p:nvSpPr>
+        <p:spPr/>
+        <p:txBody>
+          <a:bodyPr/>
+          <a:lstStyle/>
+          <a:p>
+            <a:r>
               <a:rPr lang="de-DE" dirty="0" smtClean="0"/>
               <a:t>The </a:t>
             </a:r>
@@ -4320,7 +5413,7 @@
       </p:sp>
       <p:sp>
         <p:nvSpPr>
-          <p:cNvPr id="5" name="Inhaltsplatzhalter 4"/>
+          <p:cNvPr id="8" name="Inhaltsplatzhalter 7"/>
           <p:cNvSpPr>
             <a:spLocks noGrp="1"/>
           </p:cNvSpPr>
@@ -4333,18 +5426,109 @@
           <a:bodyPr/>
           <a:lstStyle/>
           <a:p>
-            <a:endParaRPr lang="de-DE"/>
-          </a:p>
-        </p:txBody>
-      </p:sp>
-      <p:sp>
-        <p:nvSpPr>
-          <p:cNvPr id="6" name="Inhaltsplatzhalter 5"/>
+            <a:pPr marL="285750" indent="-285750">
+              <a:lnSpc>
+                <a:spcPct val="200000"/>
+              </a:lnSpc>
+              <a:buFont typeface="Arial" charset="0"/>
+              <a:buChar char="•"/>
+            </a:pPr>
+            <a:r>
+              <a:rPr lang="en-US" sz="1800" dirty="0" smtClean="0"/>
+              <a:t>Network of sensor nodes useable to test wireless communication protocols</a:t>
+            </a:r>
+          </a:p>
+          <a:p>
+            <a:pPr marL="285750" indent="-285750">
+              <a:lnSpc>
+                <a:spcPct val="200000"/>
+              </a:lnSpc>
+              <a:buFont typeface="Arial" charset="0"/>
+              <a:buChar char="•"/>
+            </a:pPr>
+            <a:r>
+              <a:rPr lang="en-US" sz="1800" dirty="0" smtClean="0"/>
+              <a:t>Six </a:t>
+            </a:r>
+            <a:r>
+              <a:rPr lang="en-US" sz="1800" dirty="0" err="1" smtClean="0"/>
+              <a:t>testbeds</a:t>
+            </a:r>
+            <a:r>
+              <a:rPr lang="en-US" sz="1800" dirty="0" smtClean="0"/>
+              <a:t> across France</a:t>
+            </a:r>
+          </a:p>
+          <a:p>
+            <a:pPr marL="285750" indent="-285750">
+              <a:lnSpc>
+                <a:spcPct val="200000"/>
+              </a:lnSpc>
+              <a:buFont typeface="Arial" charset="0"/>
+              <a:buChar char="•"/>
+            </a:pPr>
+            <a:r>
+              <a:rPr lang="en-US" sz="1800" dirty="0" smtClean="0"/>
+              <a:t>Web frontend offers control and deployment </a:t>
+            </a:r>
+            <a:r>
+              <a:rPr lang="en-US" sz="1800" dirty="0" smtClean="0"/>
+              <a:t>facilities</a:t>
+            </a:r>
+          </a:p>
+          <a:p>
+            <a:pPr marL="285750" indent="-285750">
+              <a:lnSpc>
+                <a:spcPct val="200000"/>
+              </a:lnSpc>
+              <a:buFont typeface="Arial" charset="0"/>
+              <a:buChar char="•"/>
+            </a:pPr>
+            <a:r>
+              <a:rPr lang="en-US" sz="1800" dirty="0" smtClean="0"/>
+              <a:t>Nodes can be reserved for specific time frames and used freely for scientific experiments</a:t>
+            </a:r>
+            <a:endParaRPr lang="en-US" sz="1800" dirty="0" smtClean="0"/>
+          </a:p>
+        </p:txBody>
+      </p:sp>
+      <p:pic>
+        <p:nvPicPr>
+          <p:cNvPr id="13" name="Inhaltsplatzhalter 12"/>
+          <p:cNvPicPr>
+            <a:picLocks noGrp="1" noChangeAspect="1"/>
+          </p:cNvPicPr>
+          <p:nvPr>
+            <p:ph sz="half" idx="2"/>
+          </p:nvPr>
+        </p:nvPicPr>
+        <p:blipFill>
+          <a:blip r:embed="rId2">
+            <a:extLst>
+              <a:ext uri="{28A0092B-C50C-407E-A947-70E740481C1C}">
+                <a14:useLocalDpi xmlns:a14="http://schemas.microsoft.com/office/drawing/2010/main" val="0"/>
+              </a:ext>
+            </a:extLst>
+          </a:blip>
+          <a:stretch>
+            <a:fillRect/>
+          </a:stretch>
+        </p:blipFill>
+        <p:spPr>
+          <a:xfrm>
+            <a:off x="4648200" y="2648176"/>
+            <a:ext cx="4244975" cy="2828474"/>
+          </a:xfrm>
+        </p:spPr>
+      </p:pic>
+      <p:sp>
+        <p:nvSpPr>
+          <p:cNvPr id="4" name="Fußzeilenplatzhalter 3"/>
           <p:cNvSpPr>
             <a:spLocks noGrp="1"/>
           </p:cNvSpPr>
           <p:nvPr>
-            <p:ph sz="half" idx="2"/>
+            <p:ph type="ftr" sz="quarter" idx="10"/>
           </p:nvPr>
         </p:nvSpPr>
         <p:spPr/>
@@ -4352,30 +5536,91 @@
           <a:bodyPr/>
           <a:lstStyle/>
           <a:p>
-            <a:endParaRPr lang="de-DE"/>
-          </a:p>
-        </p:txBody>
-      </p:sp>
-      <p:sp>
-        <p:nvSpPr>
-          <p:cNvPr id="4" name="Fußzeilenplatzhalter 3"/>
-          <p:cNvSpPr>
-            <a:spLocks noGrp="1"/>
-          </p:cNvSpPr>
-          <p:nvPr>
-            <p:ph type="ftr" sz="quarter" idx="10"/>
-          </p:nvPr>
-        </p:nvSpPr>
-        <p:spPr/>
-        <p:txBody>
-          <a:bodyPr/>
+            <a:r>
+              <a:rPr lang="en-US" dirty="0"/>
+              <a:t>Information Dissemination With Gossiping Using The </a:t>
+            </a:r>
+            <a:r>
+              <a:rPr lang="en-US" dirty="0" err="1"/>
+              <a:t>IoT</a:t>
+            </a:r>
+            <a:r>
+              <a:rPr lang="en-US" dirty="0"/>
+              <a:t>-Lab</a:t>
+            </a:r>
+            <a:r>
+              <a:rPr lang="de-DE" dirty="0" smtClean="0"/>
+              <a:t>, </a:t>
+            </a:r>
+            <a:r>
+              <a:rPr lang="de-DE" dirty="0"/>
+              <a:t>05/29/2015</a:t>
+            </a:r>
+            <a:endParaRPr lang="de-DE" dirty="0"/>
+          </a:p>
+        </p:txBody>
+      </p:sp>
+      <p:pic>
+        <p:nvPicPr>
+          <p:cNvPr id="11" name="Bild 10"/>
+          <p:cNvPicPr>
+            <a:picLocks noChangeAspect="1"/>
+          </p:cNvPicPr>
+          <p:nvPr/>
+        </p:nvPicPr>
+        <p:blipFill>
+          <a:blip r:embed="rId3">
+            <a:extLst>
+              <a:ext uri="{28A0092B-C50C-407E-A947-70E740481C1C}">
+                <a14:useLocalDpi xmlns:a14="http://schemas.microsoft.com/office/drawing/2010/main" val="0"/>
+              </a:ext>
+            </a:extLst>
+          </a:blip>
+          <a:stretch>
+            <a:fillRect/>
+          </a:stretch>
+        </p:blipFill>
+        <p:spPr>
+          <a:xfrm>
+            <a:off x="2581563" y="719137"/>
+            <a:ext cx="882650" cy="882650"/>
+          </a:xfrm>
+          <a:prstGeom prst="rect">
+            <a:avLst/>
+          </a:prstGeom>
+        </p:spPr>
+      </p:pic>
+      <p:sp>
+        <p:nvSpPr>
+          <p:cNvPr id="3" name="Textfeld 2"/>
+          <p:cNvSpPr txBox="1"/>
+          <p:nvPr/>
+        </p:nvSpPr>
+        <p:spPr>
+          <a:xfrm>
+            <a:off x="5639608" y="5683693"/>
+            <a:ext cx="2262158" cy="369332"/>
+          </a:xfrm>
+          <a:prstGeom prst="rect">
+            <a:avLst/>
+          </a:prstGeom>
+          <a:noFill/>
+        </p:spPr>
+        <p:txBody>
+          <a:bodyPr wrap="none" rtlCol="0">
+            <a:spAutoFit/>
+          </a:bodyPr>
           <a:lstStyle/>
           <a:p>
             <a:r>
-              <a:rPr lang="de-DE" smtClean="0"/>
-              <a:t>Titel, Datum</a:t>
-            </a:r>
-            <a:endParaRPr lang="de-DE"/>
+              <a:rPr lang="de-DE" dirty="0" smtClean="0"/>
+              <a:t>An M3 Sensor </a:t>
+            </a:r>
+            <a:r>
+              <a:rPr lang="de-DE" dirty="0" err="1" smtClean="0"/>
+              <a:t>Node</a:t>
+            </a:r>
+            <a:endParaRPr lang="de-DE" dirty="0"/>
           </a:p>
         </p:txBody>
       </p:sp>
@@ -4383,6 +5628,402 @@
     <p:extLst>
       <p:ext uri="{BB962C8B-B14F-4D97-AF65-F5344CB8AC3E}">
         <p14:creationId xmlns:p14="http://schemas.microsoft.com/office/powerpoint/2010/main" val="532670688"/>
+      </p:ext>
+    </p:extLst>
+  </p:cSld>
+  <p:clrMapOvr>
+    <a:masterClrMapping/>
+  </p:clrMapOvr>
+  <p:transition spd="slow"/>
+  <p:timing>
+    <p:tnLst>
+      <p:par>
+        <p:cTn id="1" dur="indefinite" restart="never" nodeType="tmRoot"/>
+      </p:par>
+    </p:tnLst>
+  </p:timing>
+</p:sld>
+</file>
+
+<file path=ppt/slides/slide6.xml><?xml version="1.0" encoding="utf-8"?>
+<p:sld xmlns:a="http://schemas.openxmlformats.org/drawingml/2006/main" xmlns:r="http://schemas.openxmlformats.org/officeDocument/2006/relationships" xmlns:p="http://schemas.openxmlformats.org/presentationml/2006/main">
+  <p:cSld>
+    <p:spTree>
+      <p:nvGrpSpPr>
+        <p:cNvPr id="1" name=""/>
+        <p:cNvGrpSpPr/>
+        <p:nvPr/>
+      </p:nvGrpSpPr>
+      <p:grpSpPr>
+        <a:xfrm>
+          <a:off x="0" y="0"/>
+          <a:ext cx="0" cy="0"/>
+          <a:chOff x="0" y="0"/>
+          <a:chExt cx="0" cy="0"/>
+        </a:xfrm>
+      </p:grpSpPr>
+      <p:sp>
+        <p:nvSpPr>
+          <p:cNvPr id="2" name="Titel 1"/>
+          <p:cNvSpPr>
+            <a:spLocks noGrp="1"/>
+          </p:cNvSpPr>
+          <p:nvPr>
+            <p:ph type="title"/>
+          </p:nvPr>
+        </p:nvSpPr>
+        <p:spPr/>
+        <p:txBody>
+          <a:bodyPr/>
+          <a:lstStyle/>
+          <a:p>
+            <a:r>
+              <a:rPr lang="de-DE" dirty="0" err="1" smtClean="0"/>
+              <a:t>Scope</a:t>
+            </a:r>
+            <a:r>
+              <a:rPr lang="de-DE" dirty="0" smtClean="0"/>
+              <a:t> </a:t>
+            </a:r>
+            <a:r>
+              <a:rPr lang="de-DE" dirty="0" err="1" smtClean="0"/>
+              <a:t>of</a:t>
+            </a:r>
+            <a:r>
+              <a:rPr lang="de-DE" dirty="0" smtClean="0"/>
+              <a:t> </a:t>
+            </a:r>
+            <a:r>
+              <a:rPr lang="de-DE" dirty="0" err="1" smtClean="0"/>
+              <a:t>the</a:t>
+            </a:r>
+            <a:r>
+              <a:rPr lang="de-DE" dirty="0" smtClean="0"/>
+              <a:t> Thesis</a:t>
+            </a:r>
+            <a:endParaRPr lang="de-DE" dirty="0"/>
+          </a:p>
+        </p:txBody>
+      </p:sp>
+      <p:sp>
+        <p:nvSpPr>
+          <p:cNvPr id="6" name="Inhaltsplatzhalter 5"/>
+          <p:cNvSpPr>
+            <a:spLocks noGrp="1"/>
+          </p:cNvSpPr>
+          <p:nvPr>
+            <p:ph idx="1"/>
+          </p:nvPr>
+        </p:nvSpPr>
+        <p:spPr/>
+        <p:txBody>
+          <a:bodyPr/>
+          <a:lstStyle/>
+          <a:p>
+            <a:pPr marL="285750" indent="-285750">
+              <a:lnSpc>
+                <a:spcPct val="200000"/>
+              </a:lnSpc>
+              <a:buFont typeface="Arial" charset="0"/>
+              <a:buChar char="•"/>
+            </a:pPr>
+            <a:r>
+              <a:rPr lang="en-US" dirty="0" smtClean="0"/>
+              <a:t>Implementation of a framework to test gossip strategies in the </a:t>
+            </a:r>
+            <a:r>
+              <a:rPr lang="en-US" dirty="0" err="1" smtClean="0"/>
+              <a:t>IoT</a:t>
+            </a:r>
+            <a:r>
+              <a:rPr lang="en-US" dirty="0" smtClean="0"/>
+              <a:t>-Lab</a:t>
+            </a:r>
+          </a:p>
+          <a:p>
+            <a:pPr marL="641350" lvl="1" indent="-285750">
+              <a:lnSpc>
+                <a:spcPct val="200000"/>
+              </a:lnSpc>
+              <a:buFont typeface="Arial" charset="0"/>
+              <a:buChar char="•"/>
+            </a:pPr>
+            <a:r>
+              <a:rPr lang="en-US" dirty="0" smtClean="0"/>
+              <a:t>Collecting usable metrics like round duration, time</a:t>
+            </a:r>
+          </a:p>
+          <a:p>
+            <a:pPr marL="641350" lvl="1" indent="-285750">
+              <a:lnSpc>
+                <a:spcPct val="200000"/>
+              </a:lnSpc>
+              <a:buFont typeface="Arial" charset="0"/>
+              <a:buChar char="•"/>
+            </a:pPr>
+            <a:r>
+              <a:rPr lang="en-US" dirty="0" smtClean="0"/>
+              <a:t>Provide tools to visualize the collected data</a:t>
+            </a:r>
+          </a:p>
+          <a:p>
+            <a:pPr marL="641350" lvl="1" indent="-285750">
+              <a:lnSpc>
+                <a:spcPct val="200000"/>
+              </a:lnSpc>
+              <a:buFont typeface="Arial" charset="0"/>
+              <a:buChar char="•"/>
+            </a:pPr>
+            <a:r>
+              <a:rPr lang="en-US" dirty="0" smtClean="0"/>
+              <a:t>Test the framework with common gossiping </a:t>
+            </a:r>
+            <a:r>
+              <a:rPr lang="en-US" dirty="0" smtClean="0"/>
+              <a:t>strategies to distribute (large) data sets</a:t>
+            </a:r>
+          </a:p>
+          <a:p>
+            <a:pPr marL="641350" lvl="1" indent="-285750">
+              <a:lnSpc>
+                <a:spcPct val="200000"/>
+              </a:lnSpc>
+              <a:buFont typeface="Arial" charset="0"/>
+              <a:buChar char="•"/>
+            </a:pPr>
+            <a:r>
+              <a:rPr lang="en-US" dirty="0" smtClean="0"/>
+              <a:t>Evaluate the possibilities and types of data that can be recorded</a:t>
+            </a:r>
+            <a:endParaRPr lang="en-US" dirty="0"/>
+          </a:p>
+        </p:txBody>
+      </p:sp>
+      <p:sp>
+        <p:nvSpPr>
+          <p:cNvPr id="5" name="Fußzeilenplatzhalter 4"/>
+          <p:cNvSpPr>
+            <a:spLocks noGrp="1"/>
+          </p:cNvSpPr>
+          <p:nvPr>
+            <p:ph type="ftr" sz="quarter" idx="10"/>
+          </p:nvPr>
+        </p:nvSpPr>
+        <p:spPr/>
+        <p:txBody>
+          <a:bodyPr/>
+          <a:lstStyle/>
+          <a:p>
+            <a:r>
+              <a:rPr lang="en-US" dirty="0"/>
+              <a:t>Information Dissemination With Gossiping Using The </a:t>
+            </a:r>
+            <a:r>
+              <a:rPr lang="en-US" dirty="0" err="1"/>
+              <a:t>IoT</a:t>
+            </a:r>
+            <a:r>
+              <a:rPr lang="en-US" dirty="0"/>
+              <a:t>-Lab</a:t>
+            </a:r>
+            <a:r>
+              <a:rPr lang="de-DE" dirty="0" smtClean="0"/>
+              <a:t>, </a:t>
+            </a:r>
+            <a:r>
+              <a:rPr lang="de-DE" dirty="0"/>
+              <a:t>05/29/2015</a:t>
+            </a:r>
+            <a:endParaRPr lang="de-DE" dirty="0"/>
+          </a:p>
+        </p:txBody>
+      </p:sp>
+    </p:spTree>
+    <p:extLst>
+      <p:ext uri="{BB962C8B-B14F-4D97-AF65-F5344CB8AC3E}">
+        <p14:creationId xmlns:p14="http://schemas.microsoft.com/office/powerpoint/2010/main" val="1396918184"/>
+      </p:ext>
+    </p:extLst>
+  </p:cSld>
+  <p:clrMapOvr>
+    <a:masterClrMapping/>
+  </p:clrMapOvr>
+  <p:transition spd="slow"/>
+</p:sld>
+</file>
+
+<file path=ppt/slides/slide7.xml><?xml version="1.0" encoding="utf-8"?>
+<p:sld xmlns:a="http://schemas.openxmlformats.org/drawingml/2006/main" xmlns:r="http://schemas.openxmlformats.org/officeDocument/2006/relationships" xmlns:p="http://schemas.openxmlformats.org/presentationml/2006/main">
+  <p:cSld>
+    <p:spTree>
+      <p:nvGrpSpPr>
+        <p:cNvPr id="1" name=""/>
+        <p:cNvGrpSpPr/>
+        <p:nvPr/>
+      </p:nvGrpSpPr>
+      <p:grpSpPr>
+        <a:xfrm>
+          <a:off x="0" y="0"/>
+          <a:ext cx="0" cy="0"/>
+          <a:chOff x="0" y="0"/>
+          <a:chExt cx="0" cy="0"/>
+        </a:xfrm>
+      </p:grpSpPr>
+      <p:sp>
+        <p:nvSpPr>
+          <p:cNvPr id="2" name="Titel 1"/>
+          <p:cNvSpPr>
+            <a:spLocks noGrp="1"/>
+          </p:cNvSpPr>
+          <p:nvPr>
+            <p:ph type="title"/>
+          </p:nvPr>
+        </p:nvSpPr>
+        <p:spPr/>
+        <p:txBody>
+          <a:bodyPr/>
+          <a:lstStyle/>
+          <a:p>
+            <a:r>
+              <a:rPr lang="de-DE" dirty="0" smtClean="0"/>
+              <a:t>Roadmap</a:t>
+            </a:r>
+            <a:endParaRPr lang="de-DE" dirty="0"/>
+          </a:p>
+        </p:txBody>
+      </p:sp>
+      <p:sp>
+        <p:nvSpPr>
+          <p:cNvPr id="3" name="Inhaltsplatzhalter 2"/>
+          <p:cNvSpPr>
+            <a:spLocks noGrp="1"/>
+          </p:cNvSpPr>
+          <p:nvPr>
+            <p:ph idx="1"/>
+          </p:nvPr>
+        </p:nvSpPr>
+        <p:spPr/>
+        <p:txBody>
+          <a:bodyPr/>
+          <a:lstStyle/>
+          <a:p>
+            <a:pPr marL="342900" indent="-342900">
+              <a:lnSpc>
+                <a:spcPct val="200000"/>
+              </a:lnSpc>
+              <a:buFont typeface="+mj-lt"/>
+              <a:buAutoNum type="arabicPeriod"/>
+            </a:pPr>
+            <a:r>
+              <a:rPr lang="en-US" dirty="0" smtClean="0"/>
+              <a:t>Collecting information about gossiping and deciding for relevant metrics (1 – 2 weeks)</a:t>
+            </a:r>
+          </a:p>
+          <a:p>
+            <a:pPr marL="342900" indent="-342900">
+              <a:lnSpc>
+                <a:spcPct val="200000"/>
+              </a:lnSpc>
+              <a:buFont typeface="+mj-lt"/>
+              <a:buAutoNum type="arabicPeriod"/>
+            </a:pPr>
+            <a:r>
+              <a:rPr lang="en-US" dirty="0" smtClean="0"/>
+              <a:t>Get in touch with the </a:t>
+            </a:r>
+            <a:r>
+              <a:rPr lang="en-US" dirty="0" err="1" smtClean="0"/>
+              <a:t>IoT</a:t>
+            </a:r>
+            <a:r>
+              <a:rPr lang="en-US" dirty="0" smtClean="0"/>
+              <a:t>-Lab (1 week)</a:t>
+            </a:r>
+          </a:p>
+          <a:p>
+            <a:pPr marL="342900" indent="-342900">
+              <a:lnSpc>
+                <a:spcPct val="200000"/>
+              </a:lnSpc>
+              <a:buFont typeface="+mj-lt"/>
+              <a:buAutoNum type="arabicPeriod"/>
+            </a:pPr>
+            <a:r>
+              <a:rPr lang="en-US" dirty="0" smtClean="0"/>
+              <a:t>Implement the gossiping framework (3 – 4 weeks)</a:t>
+            </a:r>
+          </a:p>
+          <a:p>
+            <a:pPr marL="342900" indent="-342900">
+              <a:lnSpc>
+                <a:spcPct val="200000"/>
+              </a:lnSpc>
+              <a:buFont typeface="+mj-lt"/>
+              <a:buAutoNum type="arabicPeriod"/>
+            </a:pPr>
+            <a:r>
+              <a:rPr lang="en-US" dirty="0" smtClean="0"/>
+              <a:t>Run tests (1 week)</a:t>
+            </a:r>
+          </a:p>
+          <a:p>
+            <a:pPr marL="342900" indent="-342900">
+              <a:lnSpc>
+                <a:spcPct val="200000"/>
+              </a:lnSpc>
+              <a:buFont typeface="+mj-lt"/>
+              <a:buAutoNum type="arabicPeriod"/>
+            </a:pPr>
+            <a:r>
+              <a:rPr lang="en-US" dirty="0" smtClean="0"/>
+              <a:t>Write the thesis (4 weeks)</a:t>
+            </a:r>
+          </a:p>
+        </p:txBody>
+      </p:sp>
+      <p:sp>
+        <p:nvSpPr>
+          <p:cNvPr id="4" name="Fußzeilenplatzhalter 3"/>
+          <p:cNvSpPr>
+            <a:spLocks noGrp="1"/>
+          </p:cNvSpPr>
+          <p:nvPr>
+            <p:ph type="ftr" sz="quarter" idx="10"/>
+          </p:nvPr>
+        </p:nvSpPr>
+        <p:spPr/>
+        <p:txBody>
+          <a:bodyPr/>
+          <a:lstStyle/>
+          <a:p>
+            <a:r>
+              <a:rPr lang="en-US" dirty="0"/>
+              <a:t>Information Dissemination With Gossiping Using The </a:t>
+            </a:r>
+            <a:r>
+              <a:rPr lang="en-US" dirty="0" err="1"/>
+              <a:t>IoT</a:t>
+            </a:r>
+            <a:r>
+              <a:rPr lang="en-US" dirty="0"/>
+              <a:t>-Lab</a:t>
+            </a:r>
+            <a:r>
+              <a:rPr lang="de-DE" dirty="0" smtClean="0"/>
+              <a:t>, </a:t>
+            </a:r>
+            <a:r>
+              <a:rPr lang="de-DE" dirty="0"/>
+              <a:t>05/29/2015</a:t>
+            </a:r>
+            <a:endParaRPr lang="de-DE" dirty="0"/>
+          </a:p>
+        </p:txBody>
+      </p:sp>
+    </p:spTree>
+    <p:extLst>
+      <p:ext uri="{BB962C8B-B14F-4D97-AF65-F5344CB8AC3E}">
+        <p14:creationId xmlns:p14="http://schemas.microsoft.com/office/powerpoint/2010/main" val="1409959708"/>
       </p:ext>
     </p:extLst>
   </p:cSld>

--- a/intro-presentation/intro.pptx
+++ b/intro-presentation/intro.pptx
@@ -5,19 +5,20 @@
     <p:sldMasterId id="2147483678" r:id="rId1"/>
   </p:sldMasterIdLst>
   <p:notesMasterIdLst>
-    <p:notesMasterId r:id="rId9"/>
+    <p:notesMasterId r:id="rId10"/>
   </p:notesMasterIdLst>
   <p:handoutMasterIdLst>
-    <p:handoutMasterId r:id="rId10"/>
+    <p:handoutMasterId r:id="rId11"/>
   </p:handoutMasterIdLst>
   <p:sldIdLst>
     <p:sldId id="256" r:id="rId2"/>
     <p:sldId id="257" r:id="rId3"/>
-    <p:sldId id="258" r:id="rId4"/>
-    <p:sldId id="260" r:id="rId5"/>
-    <p:sldId id="259" r:id="rId6"/>
-    <p:sldId id="261" r:id="rId7"/>
-    <p:sldId id="262" r:id="rId8"/>
+    <p:sldId id="264" r:id="rId4"/>
+    <p:sldId id="258" r:id="rId5"/>
+    <p:sldId id="260" r:id="rId6"/>
+    <p:sldId id="259" r:id="rId7"/>
+    <p:sldId id="261" r:id="rId8"/>
+    <p:sldId id="262" r:id="rId9"/>
   </p:sldIdLst>
   <p:sldSz cx="9144000" cy="6858000" type="screen4x3"/>
   <p:notesSz cx="7099300" cy="10234613"/>
@@ -4083,6 +4084,31 @@
             </a:pPr>
             <a:r>
               <a:rPr lang="de-DE" dirty="0" err="1" smtClean="0"/>
+              <a:t>Why</a:t>
+            </a:r>
+            <a:r>
+              <a:rPr lang="de-DE" dirty="0" smtClean="0"/>
+              <a:t> </a:t>
+            </a:r>
+            <a:r>
+              <a:rPr lang="de-DE" dirty="0" err="1" smtClean="0"/>
+              <a:t>Gossiping</a:t>
+            </a:r>
+            <a:r>
+              <a:rPr lang="de-DE" dirty="0" smtClean="0"/>
+              <a:t>?</a:t>
+            </a:r>
+          </a:p>
+          <a:p>
+            <a:pPr marL="342900" indent="-342900">
+              <a:lnSpc>
+                <a:spcPct val="250000"/>
+              </a:lnSpc>
+              <a:buFont typeface="+mj-lt"/>
+              <a:buAutoNum type="arabicPeriod"/>
+            </a:pPr>
+            <a:r>
+              <a:rPr lang="de-DE" dirty="0" err="1" smtClean="0"/>
               <a:t>Principles</a:t>
             </a:r>
             <a:r>
@@ -4222,7 +4248,7 @@
           <a:p>
             <a:r>
               <a:rPr lang="de-DE" dirty="0" err="1" smtClean="0"/>
-              <a:t>Principles</a:t>
+              <a:t>Why</a:t>
             </a:r>
             <a:r>
               <a:rPr lang="de-DE" dirty="0" smtClean="0"/>
@@ -4230,15 +4256,11 @@
             </a:r>
             <a:r>
               <a:rPr lang="de-DE" dirty="0" err="1" smtClean="0"/>
-              <a:t>of</a:t>
+              <a:t>Gossiping</a:t>
             </a:r>
             <a:r>
               <a:rPr lang="de-DE" dirty="0" smtClean="0"/>
-              <a:t> </a:t>
-            </a:r>
-            <a:r>
-              <a:rPr lang="de-DE" dirty="0" err="1" smtClean="0"/>
-              <a:t>Gossiping</a:t>
+              <a:t>?</a:t>
             </a:r>
             <a:endParaRPr lang="de-DE" dirty="0"/>
           </a:p>
@@ -4260,124 +4282,67 @@
           <a:lstStyle/>
           <a:p>
             <a:pPr marL="285750" indent="-285750">
+              <a:lnSpc>
+                <a:spcPct val="200000"/>
+              </a:lnSpc>
               <a:buFont typeface="Arial" charset="0"/>
               <a:buChar char="•"/>
             </a:pPr>
             <a:r>
               <a:rPr lang="en-US" dirty="0" smtClean="0"/>
-              <a:t>Node has three states:</a:t>
-            </a:r>
-          </a:p>
-          <a:p>
-            <a:pPr marL="641350" lvl="1" indent="-285750">
+              <a:t>Communication protocol to distribute data in an ad-hoc network</a:t>
+            </a:r>
+          </a:p>
+          <a:p>
+            <a:pPr marL="285750" indent="-285750">
+              <a:lnSpc>
+                <a:spcPct val="200000"/>
+              </a:lnSpc>
               <a:buFont typeface="Arial" charset="0"/>
               <a:buChar char="•"/>
             </a:pPr>
             <a:r>
-              <a:rPr lang="en-US" b="1" dirty="0" smtClean="0"/>
-              <a:t>Susceptible</a:t>
-            </a:r>
-            <a:r>
               <a:rPr lang="en-US" dirty="0" smtClean="0"/>
-              <a:t> for new data</a:t>
-            </a:r>
-          </a:p>
-          <a:p>
-            <a:pPr marL="641350" lvl="1" indent="-285750">
+              <a:t>Nodes are not aware of network topology</a:t>
+            </a:r>
+          </a:p>
+          <a:p>
+            <a:pPr marL="285750" indent="-285750">
+              <a:lnSpc>
+                <a:spcPct val="200000"/>
+              </a:lnSpc>
               <a:buFont typeface="Arial" charset="0"/>
               <a:buChar char="•"/>
             </a:pPr>
             <a:r>
-              <a:rPr lang="en-US" b="1" dirty="0" smtClean="0"/>
-              <a:t>Infected</a:t>
-            </a:r>
-            <a:r>
               <a:rPr lang="en-US" dirty="0" smtClean="0"/>
-              <a:t> with new data</a:t>
-            </a:r>
-          </a:p>
-          <a:p>
-            <a:pPr marL="641350" lvl="1" indent="-285750">
+              <a:t>Suited for information dissemination in unreliable networks</a:t>
+            </a:r>
+          </a:p>
+          <a:p>
+            <a:pPr marL="285750" indent="-285750">
+              <a:lnSpc>
+                <a:spcPct val="200000"/>
+              </a:lnSpc>
               <a:buFont typeface="Arial" charset="0"/>
               <a:buChar char="•"/>
             </a:pPr>
             <a:r>
-              <a:rPr lang="en-US" b="1" dirty="0" smtClean="0"/>
-              <a:t>Removed</a:t>
-            </a:r>
-            <a:r>
               <a:rPr lang="en-US" dirty="0" smtClean="0"/>
-              <a:t> from dissemination</a:t>
-            </a:r>
-          </a:p>
-          <a:p>
-            <a:pPr marL="641350" lvl="1" indent="-285750">
+              <a:t>Measuring the performance of algorithms using gossiping is difficult</a:t>
+            </a:r>
+          </a:p>
+          <a:p>
+            <a:pPr marL="285750" indent="-285750">
+              <a:lnSpc>
+                <a:spcPct val="200000"/>
+              </a:lnSpc>
               <a:buFont typeface="Arial" charset="0"/>
               <a:buChar char="•"/>
             </a:pPr>
-            <a:endParaRPr lang="en-US" dirty="0" smtClean="0"/>
-          </a:p>
-          <a:p>
-            <a:pPr marL="285750" indent="-285750">
-              <a:buFont typeface="Arial" charset="0"/>
-              <a:buChar char="•"/>
-            </a:pPr>
             <a:r>
               <a:rPr lang="en-US" dirty="0" smtClean="0"/>
-              <a:t>Node P randomly chooses neighbor node Q</a:t>
-            </a:r>
-            <a:endParaRPr lang="en-US" dirty="0"/>
-          </a:p>
-          <a:p>
-            <a:pPr marL="285750" indent="-285750">
-              <a:buFont typeface="Arial" charset="0"/>
-              <a:buChar char="•"/>
-            </a:pPr>
-            <a:r>
-              <a:rPr lang="en-US" dirty="0" smtClean="0"/>
-              <a:t>Three strategies of data exchange:</a:t>
-            </a:r>
-          </a:p>
-          <a:p>
-            <a:pPr marL="641350" lvl="1" indent="-285750">
-              <a:buFont typeface="Arial" charset="0"/>
-              <a:buChar char="•"/>
-            </a:pPr>
-            <a:r>
-              <a:rPr lang="en-US" b="1" dirty="0" smtClean="0"/>
-              <a:t>Push</a:t>
-            </a:r>
-            <a:r>
-              <a:rPr lang="en-US" dirty="0" smtClean="0"/>
-              <a:t>: P sends it data unsolicited to Q</a:t>
-            </a:r>
-          </a:p>
-          <a:p>
-            <a:pPr marL="641350" lvl="1" indent="-285750">
-              <a:buFont typeface="Arial" charset="0"/>
-              <a:buChar char="•"/>
-            </a:pPr>
-            <a:r>
-              <a:rPr lang="en-US" b="1" dirty="0" smtClean="0"/>
-              <a:t>Pull</a:t>
-            </a:r>
-            <a:r>
-              <a:rPr lang="en-US" dirty="0" smtClean="0"/>
-              <a:t>: P asks Q for its data</a:t>
-            </a:r>
-          </a:p>
-          <a:p>
-            <a:pPr marL="641350" lvl="1" indent="-285750">
-              <a:buFont typeface="Arial" charset="0"/>
-              <a:buChar char="•"/>
-            </a:pPr>
-            <a:r>
-              <a:rPr lang="en-US" b="1" dirty="0" smtClean="0"/>
-              <a:t>Push/Pull</a:t>
-            </a:r>
-            <a:r>
-              <a:rPr lang="en-US" dirty="0" smtClean="0"/>
-              <a:t>: P pushes data to Q and Q responds with its own data</a:t>
+              <a:t>Random decisions and redundancy make it very hard to observe the process of the algorithm</a:t>
             </a:r>
             <a:endParaRPr lang="en-US" dirty="0"/>
           </a:p>
@@ -4411,12 +4376,8 @@
               <a:t>-Lab</a:t>
             </a:r>
             <a:r>
-              <a:rPr lang="de-DE" dirty="0" smtClean="0"/>
-              <a:t>, </a:t>
-            </a:r>
-            <a:r>
               <a:rPr lang="de-DE" dirty="0"/>
-              <a:t>05/29/2015</a:t>
+              <a:t>, 05/29/2015</a:t>
             </a:r>
             <a:endParaRPr lang="de-DE" dirty="0"/>
           </a:p>
@@ -4425,7 +4386,7 @@
     </p:spTree>
     <p:extLst>
       <p:ext uri="{BB962C8B-B14F-4D97-AF65-F5344CB8AC3E}">
-        <p14:creationId xmlns:p14="http://schemas.microsoft.com/office/powerpoint/2010/main" val="1476153275"/>
+        <p14:creationId xmlns:p14="http://schemas.microsoft.com/office/powerpoint/2010/main" val="1351538839"/>
       </p:ext>
     </p:extLst>
   </p:cSld>
@@ -4495,681 +4456,146 @@
               <a:rPr lang="de-DE" dirty="0" err="1" smtClean="0"/>
               <a:t>Gossiping</a:t>
             </a:r>
-            <a:r>
-              <a:rPr lang="de-DE" dirty="0" smtClean="0"/>
-              <a:t> – Design </a:t>
-            </a:r>
-            <a:r>
-              <a:rPr lang="de-DE" dirty="0" err="1" smtClean="0"/>
-              <a:t>of</a:t>
-            </a:r>
-            <a:r>
-              <a:rPr lang="de-DE" dirty="0" smtClean="0"/>
-              <a:t> a </a:t>
-            </a:r>
-            <a:r>
-              <a:rPr lang="de-DE" dirty="0" err="1" smtClean="0"/>
-              <a:t>Node</a:t>
-            </a:r>
             <a:endParaRPr lang="de-DE" dirty="0"/>
           </a:p>
         </p:txBody>
       </p:sp>
       <p:sp>
         <p:nvSpPr>
-          <p:cNvPr id="5" name="Inhaltsplatzhalter 4"/>
+          <p:cNvPr id="3" name="Inhaltsplatzhalter 2"/>
           <p:cNvSpPr>
             <a:spLocks noGrp="1"/>
           </p:cNvSpPr>
           <p:nvPr>
-            <p:ph sz="half" idx="1"/>
+            <p:ph idx="1"/>
           </p:nvPr>
         </p:nvSpPr>
-        <p:spPr>
-          <a:xfrm>
-            <a:off x="250825" y="1808163"/>
-            <a:ext cx="4244975" cy="3193328"/>
-          </a:xfrm>
-        </p:spPr>
+        <p:spPr/>
         <p:txBody>
           <a:bodyPr/>
           <a:lstStyle/>
           <a:p>
-            <a:r>
-              <a:rPr lang="de-DE" sz="2000" b="1" dirty="0" err="1">
-                <a:latin typeface="Source Code Pro" charset="0"/>
-                <a:ea typeface="Source Code Pro" charset="0"/>
-                <a:cs typeface="Source Code Pro" charset="0"/>
-              </a:rPr>
-              <a:t>wait</a:t>
-            </a:r>
-            <a:r>
-              <a:rPr lang="de-DE" sz="2000" b="1" dirty="0">
-                <a:latin typeface="Source Code Pro" charset="0"/>
-                <a:ea typeface="Source Code Pro" charset="0"/>
-                <a:cs typeface="Source Code Pro" charset="0"/>
-              </a:rPr>
-              <a:t> </a:t>
-            </a:r>
-            <a:r>
-              <a:rPr lang="de-DE" sz="2000" dirty="0">
-                <a:latin typeface="Source Code Pro" charset="0"/>
-                <a:ea typeface="Source Code Pro" charset="0"/>
-                <a:cs typeface="Source Code Pro" charset="0"/>
-              </a:rPr>
-              <a:t>(∆t time </a:t>
-            </a:r>
-            <a:r>
-              <a:rPr lang="de-DE" sz="2000" dirty="0" err="1" smtClean="0">
-                <a:latin typeface="Source Code Pro" charset="0"/>
-                <a:ea typeface="Source Code Pro" charset="0"/>
-                <a:cs typeface="Source Code Pro" charset="0"/>
-              </a:rPr>
-              <a:t>units</a:t>
-            </a:r>
-            <a:r>
-              <a:rPr lang="de-DE" sz="2000" dirty="0" smtClean="0">
-                <a:latin typeface="Source Code Pro" charset="0"/>
-                <a:ea typeface="Source Code Pro" charset="0"/>
-                <a:cs typeface="Source Code Pro" charset="0"/>
-              </a:rPr>
-              <a:t>)</a:t>
-            </a:r>
-          </a:p>
-          <a:p>
-            <a:r>
-              <a:rPr lang="de-DE" sz="2000" dirty="0" smtClean="0">
-                <a:latin typeface="Source Code Pro" charset="0"/>
-                <a:ea typeface="Source Code Pro" charset="0"/>
-                <a:cs typeface="Source Code Pro" charset="0"/>
-              </a:rPr>
-              <a:t>p </a:t>
-            </a:r>
-            <a:r>
-              <a:rPr lang="de-DE" sz="2000" dirty="0">
-                <a:latin typeface="Source Code Pro" charset="0"/>
-                <a:ea typeface="Source Code Pro" charset="0"/>
-                <a:cs typeface="Source Code Pro" charset="0"/>
-              </a:rPr>
-              <a:t>← </a:t>
-            </a:r>
-            <a:r>
-              <a:rPr lang="de-DE" sz="2000" b="1" dirty="0" err="1">
-                <a:solidFill>
-                  <a:schemeClr val="accent2">
-                    <a:lumMod val="75000"/>
-                  </a:schemeClr>
-                </a:solidFill>
-                <a:latin typeface="Source Code Pro" charset="0"/>
-                <a:ea typeface="Source Code Pro" charset="0"/>
-                <a:cs typeface="Source Code Pro" charset="0"/>
-              </a:rPr>
-              <a:t>RandomPeer</a:t>
-            </a:r>
-            <a:r>
-              <a:rPr lang="de-DE" sz="2000" dirty="0" smtClean="0">
-                <a:latin typeface="Source Code Pro" charset="0"/>
-                <a:ea typeface="Source Code Pro" charset="0"/>
-                <a:cs typeface="Source Code Pro" charset="0"/>
-              </a:rPr>
-              <a:t>();</a:t>
-            </a:r>
-          </a:p>
-          <a:p>
-            <a:r>
-              <a:rPr lang="de-DE" sz="2000" dirty="0" err="1" smtClean="0">
-                <a:latin typeface="Source Code Pro" charset="0"/>
-                <a:ea typeface="Source Code Pro" charset="0"/>
-                <a:cs typeface="Source Code Pro" charset="0"/>
-              </a:rPr>
-              <a:t>σ</a:t>
-            </a:r>
-            <a:r>
-              <a:rPr lang="de-DE" sz="2000" dirty="0" smtClean="0">
-                <a:latin typeface="Source Code Pro" charset="0"/>
-                <a:ea typeface="Source Code Pro" charset="0"/>
-                <a:cs typeface="Source Code Pro" charset="0"/>
-              </a:rPr>
-              <a:t> </a:t>
-            </a:r>
-            <a:r>
-              <a:rPr lang="de-DE" sz="2000" dirty="0">
-                <a:latin typeface="Source Code Pro" charset="0"/>
-                <a:ea typeface="Source Code Pro" charset="0"/>
-                <a:cs typeface="Source Code Pro" charset="0"/>
-              </a:rPr>
-              <a:t>← </a:t>
-            </a:r>
-            <a:r>
-              <a:rPr lang="de-DE" sz="2000" b="1" dirty="0" err="1">
-                <a:solidFill>
-                  <a:schemeClr val="accent5">
-                    <a:lumMod val="25000"/>
-                  </a:schemeClr>
-                </a:solidFill>
-                <a:latin typeface="Source Code Pro" charset="0"/>
-                <a:ea typeface="Source Code Pro" charset="0"/>
-                <a:cs typeface="Source Code Pro" charset="0"/>
-              </a:rPr>
-              <a:t>PrepareMsg</a:t>
-            </a:r>
-            <a:r>
-              <a:rPr lang="de-DE" sz="2000" dirty="0" smtClean="0">
-                <a:latin typeface="Source Code Pro" charset="0"/>
-                <a:ea typeface="Source Code Pro" charset="0"/>
-                <a:cs typeface="Source Code Pro" charset="0"/>
-              </a:rPr>
-              <a:t>();</a:t>
-            </a:r>
-          </a:p>
-          <a:p>
-            <a:r>
-              <a:rPr lang="de-DE" sz="2000" b="1" dirty="0" smtClean="0">
-                <a:latin typeface="Source Code Pro" charset="0"/>
-                <a:ea typeface="Source Code Pro" charset="0"/>
-                <a:cs typeface="Source Code Pro" charset="0"/>
-              </a:rPr>
-              <a:t>send </a:t>
-            </a:r>
-            <a:r>
-              <a:rPr lang="de-DE" sz="2000" dirty="0" err="1">
-                <a:latin typeface="Source Code Pro" charset="0"/>
-                <a:ea typeface="Source Code Pro" charset="0"/>
-                <a:cs typeface="Source Code Pro" charset="0"/>
-              </a:rPr>
-              <a:t>σ</a:t>
-            </a:r>
-            <a:r>
-              <a:rPr lang="de-DE" sz="2000" dirty="0">
-                <a:latin typeface="Source Code Pro" charset="0"/>
-                <a:ea typeface="Source Code Pro" charset="0"/>
-                <a:cs typeface="Source Code Pro" charset="0"/>
-              </a:rPr>
-              <a:t> </a:t>
-            </a:r>
-            <a:r>
-              <a:rPr lang="de-DE" sz="2000" b="1" dirty="0" err="1">
-                <a:latin typeface="Source Code Pro" charset="0"/>
-                <a:ea typeface="Source Code Pro" charset="0"/>
-                <a:cs typeface="Source Code Pro" charset="0"/>
-              </a:rPr>
-              <a:t>to</a:t>
-            </a:r>
-            <a:r>
-              <a:rPr lang="de-DE" sz="2000" b="1" dirty="0">
-                <a:latin typeface="Source Code Pro" charset="0"/>
-                <a:ea typeface="Source Code Pro" charset="0"/>
-                <a:cs typeface="Source Code Pro" charset="0"/>
-              </a:rPr>
-              <a:t> </a:t>
-            </a:r>
-            <a:r>
-              <a:rPr lang="de-DE" sz="2000" dirty="0">
-                <a:latin typeface="Source Code Pro" charset="0"/>
-                <a:ea typeface="Source Code Pro" charset="0"/>
-                <a:cs typeface="Source Code Pro" charset="0"/>
-              </a:rPr>
-              <a:t>p</a:t>
-            </a:r>
-            <a:r>
-              <a:rPr lang="de-DE" sz="2000" dirty="0" smtClean="0">
-                <a:latin typeface="Source Code Pro" charset="0"/>
-                <a:ea typeface="Source Code Pro" charset="0"/>
-                <a:cs typeface="Source Code Pro" charset="0"/>
-              </a:rPr>
-              <a:t>;</a:t>
-            </a:r>
-          </a:p>
-          <a:p>
-            <a:endParaRPr lang="de-DE" sz="2000" dirty="0" smtClean="0">
-              <a:latin typeface="Source Code Pro" charset="0"/>
-              <a:ea typeface="Source Code Pro" charset="0"/>
-              <a:cs typeface="Source Code Pro" charset="0"/>
-            </a:endParaRPr>
-          </a:p>
-          <a:p>
-            <a:r>
-              <a:rPr lang="de-DE" sz="2000" b="1" dirty="0" err="1" smtClean="0">
-                <a:latin typeface="Source Code Pro" charset="0"/>
-                <a:ea typeface="Source Code Pro" charset="0"/>
-                <a:cs typeface="Source Code Pro" charset="0"/>
-              </a:rPr>
-              <a:t>wait</a:t>
-            </a:r>
-            <a:r>
-              <a:rPr lang="de-DE" sz="2000" b="1" dirty="0" smtClean="0">
-                <a:latin typeface="Source Code Pro" charset="0"/>
-                <a:ea typeface="Source Code Pro" charset="0"/>
-                <a:cs typeface="Source Code Pro" charset="0"/>
-              </a:rPr>
-              <a:t> </a:t>
-            </a:r>
-            <a:r>
-              <a:rPr lang="de-DE" sz="2000" b="1" dirty="0" err="1" smtClean="0">
-                <a:latin typeface="Source Code Pro" charset="0"/>
-                <a:ea typeface="Source Code Pro" charset="0"/>
-                <a:cs typeface="Source Code Pro" charset="0"/>
-              </a:rPr>
-              <a:t>until</a:t>
-            </a:r>
-            <a:r>
-              <a:rPr lang="de-DE" sz="2000" b="1" dirty="0">
-                <a:latin typeface="Source Code Pro" charset="0"/>
-                <a:ea typeface="Source Code Pro" charset="0"/>
-                <a:cs typeface="Source Code Pro" charset="0"/>
-              </a:rPr>
-              <a:t> </a:t>
-            </a:r>
-            <a:r>
-              <a:rPr lang="de-DE" sz="2000" dirty="0" err="1" smtClean="0">
-                <a:latin typeface="Source Code Pro" charset="0"/>
-                <a:ea typeface="Source Code Pro" charset="0"/>
-                <a:cs typeface="Source Code Pro" charset="0"/>
-              </a:rPr>
-              <a:t>receive</a:t>
-            </a:r>
-            <a:r>
-              <a:rPr lang="de-DE" sz="2000" dirty="0" smtClean="0">
-                <a:latin typeface="Source Code Pro" charset="0"/>
-                <a:ea typeface="Source Code Pro" charset="0"/>
-                <a:cs typeface="Source Code Pro" charset="0"/>
-              </a:rPr>
-              <a:t>(</a:t>
-            </a:r>
-            <a:r>
-              <a:rPr lang="de-DE" sz="2000" dirty="0" err="1" smtClean="0">
-                <a:latin typeface="Source Code Pro" charset="0"/>
-                <a:ea typeface="Source Code Pro" charset="0"/>
-                <a:cs typeface="Source Code Pro" charset="0"/>
-              </a:rPr>
-              <a:t>σp</a:t>
-            </a:r>
-            <a:r>
-              <a:rPr lang="de-DE" sz="2000" dirty="0" smtClean="0">
-                <a:latin typeface="Source Code Pro" charset="0"/>
-                <a:ea typeface="Source Code Pro" charset="0"/>
-                <a:cs typeface="Source Code Pro" charset="0"/>
-              </a:rPr>
-              <a:t>)</a:t>
-            </a:r>
-          </a:p>
-          <a:p>
-            <a:r>
-              <a:rPr lang="de-DE" sz="2000" dirty="0" err="1" smtClean="0">
-                <a:latin typeface="Source Code Pro" charset="0"/>
-                <a:ea typeface="Source Code Pro" charset="0"/>
-                <a:cs typeface="Source Code Pro" charset="0"/>
-              </a:rPr>
-              <a:t>σ</a:t>
-            </a:r>
-            <a:r>
-              <a:rPr lang="de-DE" sz="2000" dirty="0" smtClean="0">
-                <a:latin typeface="Source Code Pro" charset="0"/>
-                <a:ea typeface="Source Code Pro" charset="0"/>
-                <a:cs typeface="Source Code Pro" charset="0"/>
-              </a:rPr>
-              <a:t> </a:t>
-            </a:r>
-            <a:r>
-              <a:rPr lang="de-DE" sz="2000" dirty="0">
-                <a:latin typeface="Source Code Pro" charset="0"/>
-                <a:ea typeface="Source Code Pro" charset="0"/>
-                <a:cs typeface="Source Code Pro" charset="0"/>
-              </a:rPr>
-              <a:t>← </a:t>
-            </a:r>
-            <a:r>
-              <a:rPr lang="de-DE" sz="2000" b="1" dirty="0">
-                <a:solidFill>
-                  <a:schemeClr val="tx2">
-                    <a:lumMod val="60000"/>
-                    <a:lumOff val="40000"/>
-                  </a:schemeClr>
-                </a:solidFill>
-                <a:latin typeface="Source Code Pro" charset="0"/>
-                <a:ea typeface="Source Code Pro" charset="0"/>
-                <a:cs typeface="Source Code Pro" charset="0"/>
-              </a:rPr>
-              <a:t>Update</a:t>
-            </a:r>
-            <a:r>
-              <a:rPr lang="de-DE" sz="2000" dirty="0">
-                <a:latin typeface="Source Code Pro" charset="0"/>
-                <a:ea typeface="Source Code Pro" charset="0"/>
-                <a:cs typeface="Source Code Pro" charset="0"/>
-              </a:rPr>
-              <a:t>(</a:t>
-            </a:r>
-            <a:r>
-              <a:rPr lang="de-DE" sz="2000" dirty="0" err="1">
-                <a:latin typeface="Source Code Pro" charset="0"/>
-                <a:ea typeface="Source Code Pro" charset="0"/>
-                <a:cs typeface="Source Code Pro" charset="0"/>
-              </a:rPr>
-              <a:t>σ,σp</a:t>
-            </a:r>
-            <a:r>
-              <a:rPr lang="de-DE" sz="2000" dirty="0">
-                <a:latin typeface="Source Code Pro" charset="0"/>
-                <a:ea typeface="Source Code Pro" charset="0"/>
-                <a:cs typeface="Source Code Pro" charset="0"/>
-              </a:rPr>
-              <a:t>); </a:t>
-            </a:r>
-          </a:p>
-          <a:p>
-            <a:endParaRPr lang="de-DE" sz="2000" dirty="0">
-              <a:latin typeface="Source Code Pro" charset="0"/>
-              <a:ea typeface="Source Code Pro" charset="0"/>
-              <a:cs typeface="Source Code Pro" charset="0"/>
-            </a:endParaRPr>
-          </a:p>
-        </p:txBody>
-      </p:sp>
-      <p:sp>
-        <p:nvSpPr>
-          <p:cNvPr id="6" name="Inhaltsplatzhalter 5"/>
-          <p:cNvSpPr>
-            <a:spLocks noGrp="1"/>
-          </p:cNvSpPr>
-          <p:nvPr>
-            <p:ph sz="half" idx="2"/>
-          </p:nvPr>
-        </p:nvSpPr>
-        <p:spPr>
-          <a:xfrm>
-            <a:off x="4648200" y="1808163"/>
-            <a:ext cx="4244975" cy="3193328"/>
-          </a:xfrm>
-        </p:spPr>
-        <p:txBody>
-          <a:bodyPr/>
-          <a:lstStyle/>
-          <a:p>
-            <a:r>
-              <a:rPr lang="de-DE" sz="2000" b="1" dirty="0" err="1">
-                <a:latin typeface="Source Code Pro" charset="0"/>
-                <a:ea typeface="Source Code Pro" charset="0"/>
-                <a:cs typeface="Source Code Pro" charset="0"/>
-              </a:rPr>
-              <a:t>wait</a:t>
-            </a:r>
-            <a:r>
-              <a:rPr lang="de-DE" sz="2000" b="1" dirty="0">
-                <a:latin typeface="Source Code Pro" charset="0"/>
-                <a:ea typeface="Source Code Pro" charset="0"/>
-                <a:cs typeface="Source Code Pro" charset="0"/>
-              </a:rPr>
-              <a:t> </a:t>
-            </a:r>
-            <a:r>
-              <a:rPr lang="de-DE" sz="2000" b="1" dirty="0" err="1">
-                <a:latin typeface="Source Code Pro" charset="0"/>
-                <a:ea typeface="Source Code Pro" charset="0"/>
-                <a:cs typeface="Source Code Pro" charset="0"/>
-              </a:rPr>
-              <a:t>until</a:t>
-            </a:r>
-            <a:r>
-              <a:rPr lang="de-DE" sz="2000" b="1" dirty="0">
-                <a:latin typeface="Source Code Pro" charset="0"/>
-                <a:ea typeface="Source Code Pro" charset="0"/>
-                <a:cs typeface="Source Code Pro" charset="0"/>
-              </a:rPr>
-              <a:t> </a:t>
-            </a:r>
-            <a:r>
-              <a:rPr lang="de-DE" sz="2000" dirty="0" err="1">
-                <a:latin typeface="Source Code Pro" charset="0"/>
-                <a:ea typeface="Source Code Pro" charset="0"/>
-                <a:cs typeface="Source Code Pro" charset="0"/>
-              </a:rPr>
-              <a:t>receive</a:t>
-            </a:r>
-            <a:r>
-              <a:rPr lang="de-DE" sz="2000" dirty="0">
-                <a:latin typeface="Source Code Pro" charset="0"/>
-                <a:ea typeface="Source Code Pro" charset="0"/>
-                <a:cs typeface="Source Code Pro" charset="0"/>
-              </a:rPr>
-              <a:t>(</a:t>
-            </a:r>
-            <a:r>
-              <a:rPr lang="de-DE" sz="2000" dirty="0" err="1">
-                <a:latin typeface="Source Code Pro" charset="0"/>
-                <a:ea typeface="Source Code Pro" charset="0"/>
-                <a:cs typeface="Source Code Pro" charset="0"/>
-              </a:rPr>
-              <a:t>σp</a:t>
-            </a:r>
-            <a:r>
-              <a:rPr lang="de-DE" sz="2000" dirty="0" smtClean="0">
-                <a:latin typeface="Source Code Pro" charset="0"/>
-                <a:ea typeface="Source Code Pro" charset="0"/>
-                <a:cs typeface="Source Code Pro" charset="0"/>
-              </a:rPr>
-              <a:t>)</a:t>
-            </a:r>
-          </a:p>
-          <a:p>
-            <a:r>
-              <a:rPr lang="de-DE" sz="2000" dirty="0" err="1" smtClean="0">
-                <a:latin typeface="Source Code Pro" charset="0"/>
-                <a:ea typeface="Source Code Pro" charset="0"/>
-                <a:cs typeface="Source Code Pro" charset="0"/>
-              </a:rPr>
-              <a:t>σ</a:t>
-            </a:r>
-            <a:r>
-              <a:rPr lang="de-DE" sz="2000" dirty="0" smtClean="0">
-                <a:latin typeface="Source Code Pro" charset="0"/>
-                <a:ea typeface="Source Code Pro" charset="0"/>
-                <a:cs typeface="Source Code Pro" charset="0"/>
-              </a:rPr>
-              <a:t> </a:t>
-            </a:r>
-            <a:r>
-              <a:rPr lang="de-DE" sz="2000" dirty="0">
-                <a:latin typeface="Source Code Pro" charset="0"/>
-                <a:ea typeface="Source Code Pro" charset="0"/>
-                <a:cs typeface="Source Code Pro" charset="0"/>
-              </a:rPr>
-              <a:t>← </a:t>
-            </a:r>
-            <a:r>
-              <a:rPr lang="de-DE" sz="2000" b="1" dirty="0" err="1">
-                <a:solidFill>
-                  <a:schemeClr val="accent5">
-                    <a:lumMod val="25000"/>
-                  </a:schemeClr>
-                </a:solidFill>
-                <a:latin typeface="Source Code Pro" charset="0"/>
-                <a:ea typeface="Source Code Pro" charset="0"/>
-                <a:cs typeface="Source Code Pro" charset="0"/>
-              </a:rPr>
-              <a:t>PrepareMsg</a:t>
-            </a:r>
-            <a:r>
-              <a:rPr lang="de-DE" sz="2000" dirty="0" smtClean="0">
-                <a:latin typeface="Source Code Pro" charset="0"/>
-                <a:ea typeface="Source Code Pro" charset="0"/>
-                <a:cs typeface="Source Code Pro" charset="0"/>
-              </a:rPr>
-              <a:t>();</a:t>
-            </a:r>
-          </a:p>
-          <a:p>
-            <a:r>
-              <a:rPr lang="de-DE" sz="2000" b="1" dirty="0" smtClean="0">
-                <a:latin typeface="Source Code Pro" charset="0"/>
-                <a:ea typeface="Source Code Pro" charset="0"/>
-                <a:cs typeface="Source Code Pro" charset="0"/>
-              </a:rPr>
-              <a:t>send </a:t>
-            </a:r>
-            <a:r>
-              <a:rPr lang="de-DE" sz="2000" dirty="0" err="1">
-                <a:latin typeface="Source Code Pro" charset="0"/>
-                <a:ea typeface="Source Code Pro" charset="0"/>
-                <a:cs typeface="Source Code Pro" charset="0"/>
-              </a:rPr>
-              <a:t>σ</a:t>
-            </a:r>
-            <a:r>
-              <a:rPr lang="de-DE" sz="2000" dirty="0">
-                <a:latin typeface="Source Code Pro" charset="0"/>
-                <a:ea typeface="Source Code Pro" charset="0"/>
-                <a:cs typeface="Source Code Pro" charset="0"/>
-              </a:rPr>
-              <a:t> </a:t>
-            </a:r>
-            <a:r>
-              <a:rPr lang="de-DE" sz="2000" b="1" dirty="0" err="1">
-                <a:latin typeface="Source Code Pro" charset="0"/>
-                <a:ea typeface="Source Code Pro" charset="0"/>
-                <a:cs typeface="Source Code Pro" charset="0"/>
-              </a:rPr>
-              <a:t>to</a:t>
-            </a:r>
-            <a:r>
-              <a:rPr lang="de-DE" sz="2000" b="1" dirty="0">
-                <a:latin typeface="Source Code Pro" charset="0"/>
-                <a:ea typeface="Source Code Pro" charset="0"/>
-                <a:cs typeface="Source Code Pro" charset="0"/>
-              </a:rPr>
-              <a:t> </a:t>
-            </a:r>
-            <a:r>
-              <a:rPr lang="de-DE" sz="2000" dirty="0" err="1">
-                <a:latin typeface="Source Code Pro" charset="0"/>
-                <a:ea typeface="Source Code Pro" charset="0"/>
-                <a:cs typeface="Source Code Pro" charset="0"/>
-              </a:rPr>
-              <a:t>sender</a:t>
-            </a:r>
-            <a:r>
-              <a:rPr lang="de-DE" sz="2000" dirty="0">
-                <a:latin typeface="Source Code Pro" charset="0"/>
-                <a:ea typeface="Source Code Pro" charset="0"/>
-                <a:cs typeface="Source Code Pro" charset="0"/>
-              </a:rPr>
-              <a:t>(</a:t>
-            </a:r>
-            <a:r>
-              <a:rPr lang="de-DE" sz="2000" dirty="0" err="1">
-                <a:latin typeface="Source Code Pro" charset="0"/>
-                <a:ea typeface="Source Code Pro" charset="0"/>
-                <a:cs typeface="Source Code Pro" charset="0"/>
-              </a:rPr>
-              <a:t>σp</a:t>
-            </a:r>
-            <a:r>
-              <a:rPr lang="de-DE" sz="2000" dirty="0" smtClean="0">
-                <a:latin typeface="Source Code Pro" charset="0"/>
-                <a:ea typeface="Source Code Pro" charset="0"/>
-                <a:cs typeface="Source Code Pro" charset="0"/>
-              </a:rPr>
-              <a:t>);</a:t>
-            </a:r>
-          </a:p>
-          <a:p>
-            <a:endParaRPr lang="de-DE" sz="2000" dirty="0">
-              <a:latin typeface="Source Code Pro" charset="0"/>
-              <a:ea typeface="Source Code Pro" charset="0"/>
-              <a:cs typeface="Source Code Pro" charset="0"/>
-            </a:endParaRPr>
-          </a:p>
-          <a:p>
-            <a:r>
-              <a:rPr lang="de-DE" sz="2000" dirty="0" err="1" smtClean="0">
-                <a:latin typeface="Source Code Pro" charset="0"/>
-                <a:ea typeface="Source Code Pro" charset="0"/>
-                <a:cs typeface="Source Code Pro" charset="0"/>
-              </a:rPr>
-              <a:t>σ</a:t>
-            </a:r>
-            <a:r>
-              <a:rPr lang="de-DE" sz="2000" dirty="0" smtClean="0">
-                <a:latin typeface="Source Code Pro" charset="0"/>
-                <a:ea typeface="Source Code Pro" charset="0"/>
-                <a:cs typeface="Source Code Pro" charset="0"/>
-              </a:rPr>
-              <a:t> </a:t>
-            </a:r>
-            <a:r>
-              <a:rPr lang="de-DE" sz="2000" dirty="0">
-                <a:latin typeface="Source Code Pro" charset="0"/>
-                <a:ea typeface="Source Code Pro" charset="0"/>
-                <a:cs typeface="Source Code Pro" charset="0"/>
-              </a:rPr>
-              <a:t>← </a:t>
-            </a:r>
-            <a:r>
-              <a:rPr lang="de-DE" sz="2000" b="1" dirty="0">
-                <a:solidFill>
-                  <a:schemeClr val="tx2">
-                    <a:lumMod val="60000"/>
-                    <a:lumOff val="40000"/>
-                  </a:schemeClr>
-                </a:solidFill>
-                <a:latin typeface="Source Code Pro" charset="0"/>
-                <a:ea typeface="Source Code Pro" charset="0"/>
-                <a:cs typeface="Source Code Pro" charset="0"/>
-              </a:rPr>
-              <a:t>Update</a:t>
-            </a:r>
-            <a:r>
-              <a:rPr lang="de-DE" sz="2000" dirty="0">
-                <a:latin typeface="Source Code Pro" charset="0"/>
-                <a:ea typeface="Source Code Pro" charset="0"/>
-                <a:cs typeface="Source Code Pro" charset="0"/>
-              </a:rPr>
-              <a:t>(</a:t>
-            </a:r>
-            <a:r>
-              <a:rPr lang="de-DE" sz="2000" dirty="0" err="1">
-                <a:latin typeface="Source Code Pro" charset="0"/>
-                <a:ea typeface="Source Code Pro" charset="0"/>
-                <a:cs typeface="Source Code Pro" charset="0"/>
-              </a:rPr>
-              <a:t>σ</a:t>
-            </a:r>
-            <a:r>
-              <a:rPr lang="de-DE" sz="2000" dirty="0">
-                <a:latin typeface="Source Code Pro" charset="0"/>
-                <a:ea typeface="Source Code Pro" charset="0"/>
-                <a:cs typeface="Source Code Pro" charset="0"/>
-              </a:rPr>
-              <a:t>, </a:t>
-            </a:r>
-            <a:r>
-              <a:rPr lang="de-DE" sz="2000" dirty="0" err="1" smtClean="0">
-                <a:latin typeface="Source Code Pro" charset="0"/>
-                <a:ea typeface="Source Code Pro" charset="0"/>
-                <a:cs typeface="Source Code Pro" charset="0"/>
-              </a:rPr>
-              <a:t>σp</a:t>
-            </a:r>
-            <a:r>
-              <a:rPr lang="de-DE" sz="2000" dirty="0" smtClean="0">
-                <a:latin typeface="Source Code Pro" charset="0"/>
-                <a:ea typeface="Source Code Pro" charset="0"/>
-                <a:cs typeface="Source Code Pro" charset="0"/>
-              </a:rPr>
-              <a:t>); </a:t>
-            </a:r>
-            <a:endParaRPr lang="de-DE" sz="2000" dirty="0">
-              <a:latin typeface="Source Code Pro" charset="0"/>
-              <a:ea typeface="Source Code Pro" charset="0"/>
-              <a:cs typeface="Source Code Pro" charset="0"/>
-            </a:endParaRPr>
-          </a:p>
-          <a:p>
-            <a:endParaRPr lang="de-DE" sz="2000" dirty="0">
-              <a:latin typeface="Source Code Pro" charset="0"/>
-              <a:ea typeface="Source Code Pro" charset="0"/>
-              <a:cs typeface="Source Code Pro" charset="0"/>
-            </a:endParaRPr>
+            <a:pPr marL="285750" indent="-285750">
+              <a:buFont typeface="Arial" charset="0"/>
+              <a:buChar char="•"/>
+            </a:pPr>
+            <a:r>
+              <a:rPr lang="en-US" dirty="0" smtClean="0"/>
+              <a:t>Node has three states:</a:t>
+            </a:r>
+          </a:p>
+          <a:p>
+            <a:pPr marL="641350" lvl="1" indent="-285750">
+              <a:buFont typeface="Arial" charset="0"/>
+              <a:buChar char="•"/>
+            </a:pPr>
+            <a:r>
+              <a:rPr lang="en-US" b="1" dirty="0" smtClean="0"/>
+              <a:t>Susceptible</a:t>
+            </a:r>
+            <a:r>
+              <a:rPr lang="en-US" dirty="0" smtClean="0"/>
+              <a:t> for new data</a:t>
+            </a:r>
+          </a:p>
+          <a:p>
+            <a:pPr marL="641350" lvl="1" indent="-285750">
+              <a:buFont typeface="Arial" charset="0"/>
+              <a:buChar char="•"/>
+            </a:pPr>
+            <a:r>
+              <a:rPr lang="en-US" b="1" dirty="0" smtClean="0"/>
+              <a:t>Infected</a:t>
+            </a:r>
+            <a:r>
+              <a:rPr lang="en-US" dirty="0" smtClean="0"/>
+              <a:t> with new data</a:t>
+            </a:r>
+          </a:p>
+          <a:p>
+            <a:pPr marL="641350" lvl="1" indent="-285750">
+              <a:buFont typeface="Arial" charset="0"/>
+              <a:buChar char="•"/>
+            </a:pPr>
+            <a:r>
+              <a:rPr lang="en-US" b="1" dirty="0" smtClean="0"/>
+              <a:t>Removed</a:t>
+            </a:r>
+            <a:r>
+              <a:rPr lang="en-US" dirty="0" smtClean="0"/>
+              <a:t> from dissemination</a:t>
+            </a:r>
+          </a:p>
+          <a:p>
+            <a:pPr marL="641350" lvl="1" indent="-285750">
+              <a:buFont typeface="Arial" charset="0"/>
+              <a:buChar char="•"/>
+            </a:pPr>
+            <a:endParaRPr lang="en-US" dirty="0" smtClean="0"/>
+          </a:p>
+          <a:p>
+            <a:pPr marL="285750" indent="-285750">
+              <a:buFont typeface="Arial" charset="0"/>
+              <a:buChar char="•"/>
+            </a:pPr>
+            <a:r>
+              <a:rPr lang="en-US" dirty="0" smtClean="0"/>
+              <a:t>Node P randomly chooses neighbor node Q</a:t>
+            </a:r>
+            <a:endParaRPr lang="en-US" dirty="0"/>
+          </a:p>
+          <a:p>
+            <a:pPr marL="285750" indent="-285750">
+              <a:buFont typeface="Arial" charset="0"/>
+              <a:buChar char="•"/>
+            </a:pPr>
+            <a:r>
+              <a:rPr lang="en-US" dirty="0" smtClean="0"/>
+              <a:t>Three strategies of data exchange:</a:t>
+            </a:r>
+          </a:p>
+          <a:p>
+            <a:pPr marL="641350" lvl="1" indent="-285750">
+              <a:buFont typeface="Arial" charset="0"/>
+              <a:buChar char="•"/>
+            </a:pPr>
+            <a:r>
+              <a:rPr lang="en-US" b="1" dirty="0" smtClean="0"/>
+              <a:t>Push</a:t>
+            </a:r>
+            <a:r>
+              <a:rPr lang="en-US" dirty="0" smtClean="0"/>
+              <a:t>: P sends it data unsolicited to Q</a:t>
+            </a:r>
+          </a:p>
+          <a:p>
+            <a:pPr marL="641350" lvl="1" indent="-285750">
+              <a:buFont typeface="Arial" charset="0"/>
+              <a:buChar char="•"/>
+            </a:pPr>
+            <a:r>
+              <a:rPr lang="en-US" b="1" dirty="0" smtClean="0"/>
+              <a:t>Pull</a:t>
+            </a:r>
+            <a:r>
+              <a:rPr lang="en-US" dirty="0" smtClean="0"/>
+              <a:t>: P asks Q for its data</a:t>
+            </a:r>
+          </a:p>
+          <a:p>
+            <a:pPr marL="641350" lvl="1" indent="-285750">
+              <a:buFont typeface="Arial" charset="0"/>
+              <a:buChar char="•"/>
+            </a:pPr>
+            <a:r>
+              <a:rPr lang="en-US" b="1" dirty="0" smtClean="0"/>
+              <a:t>Push/Pull</a:t>
+            </a:r>
+            <a:r>
+              <a:rPr lang="en-US" dirty="0" smtClean="0"/>
+              <a:t>: P pushes data to Q and Q responds with its own data</a:t>
+            </a:r>
+            <a:endParaRPr lang="en-US" dirty="0"/>
           </a:p>
         </p:txBody>
       </p:sp>
@@ -5205,147 +4631,17 @@
               <a:t>, </a:t>
             </a:r>
             <a:r>
-              <a:rPr lang="de-DE" dirty="0" smtClean="0"/>
+              <a:rPr lang="de-DE" dirty="0"/>
               <a:t>05/29/2015</a:t>
             </a:r>
             <a:endParaRPr lang="de-DE" dirty="0"/>
-          </a:p>
-        </p:txBody>
-      </p:sp>
-      <p:sp>
-        <p:nvSpPr>
-          <p:cNvPr id="7" name="Textfeld 6"/>
-          <p:cNvSpPr txBox="1"/>
-          <p:nvPr/>
-        </p:nvSpPr>
-        <p:spPr>
-          <a:xfrm>
-            <a:off x="1607718" y="5126182"/>
-            <a:ext cx="1531188" cy="369332"/>
-          </a:xfrm>
-          <a:prstGeom prst="rect">
-            <a:avLst/>
-          </a:prstGeom>
-          <a:noFill/>
-        </p:spPr>
-        <p:txBody>
-          <a:bodyPr wrap="none" rtlCol="0">
-            <a:spAutoFit/>
-          </a:bodyPr>
-          <a:lstStyle/>
-          <a:p>
-            <a:r>
-              <a:rPr lang="en-US" dirty="0" smtClean="0"/>
-              <a:t>active thread</a:t>
-            </a:r>
-            <a:endParaRPr lang="en-US" dirty="0"/>
-          </a:p>
-        </p:txBody>
-      </p:sp>
-      <p:sp>
-        <p:nvSpPr>
-          <p:cNvPr id="8" name="Textfeld 7"/>
-          <p:cNvSpPr txBox="1"/>
-          <p:nvPr/>
-        </p:nvSpPr>
-        <p:spPr>
-          <a:xfrm>
-            <a:off x="5915324" y="5126182"/>
-            <a:ext cx="1710725" cy="369332"/>
-          </a:xfrm>
-          <a:prstGeom prst="rect">
-            <a:avLst/>
-          </a:prstGeom>
-          <a:noFill/>
-        </p:spPr>
-        <p:txBody>
-          <a:bodyPr wrap="none" rtlCol="0">
-            <a:spAutoFit/>
-          </a:bodyPr>
-          <a:lstStyle/>
-          <a:p>
-            <a:r>
-              <a:rPr lang="de-DE" dirty="0" smtClean="0"/>
-              <a:t>passive </a:t>
-            </a:r>
-            <a:r>
-              <a:rPr lang="de-DE" dirty="0" err="1" smtClean="0"/>
-              <a:t>thread</a:t>
-            </a:r>
-            <a:endParaRPr lang="de-DE" dirty="0"/>
-          </a:p>
-        </p:txBody>
-      </p:sp>
-      <p:sp>
-        <p:nvSpPr>
-          <p:cNvPr id="9" name="Textfeld 8"/>
-          <p:cNvSpPr txBox="1"/>
-          <p:nvPr/>
-        </p:nvSpPr>
-        <p:spPr>
-          <a:xfrm>
-            <a:off x="156400" y="6119336"/>
-            <a:ext cx="8892114" cy="353943"/>
-          </a:xfrm>
-          <a:prstGeom prst="rect">
-            <a:avLst/>
-          </a:prstGeom>
-          <a:noFill/>
-        </p:spPr>
-        <p:txBody>
-          <a:bodyPr wrap="none" rtlCol="0">
-            <a:spAutoFit/>
-          </a:bodyPr>
-          <a:lstStyle/>
-          <a:p>
-            <a:r>
-              <a:rPr lang="de-DE" sz="1700" dirty="0" smtClean="0"/>
-              <a:t>Source: </a:t>
-            </a:r>
-            <a:r>
-              <a:rPr lang="de-DE" sz="1700" dirty="0" err="1"/>
-              <a:t>Bakhshi</a:t>
-            </a:r>
-            <a:r>
-              <a:rPr lang="de-DE" sz="1700" dirty="0"/>
-              <a:t> </a:t>
-            </a:r>
-            <a:r>
-              <a:rPr lang="de-DE" sz="1700" dirty="0" smtClean="0"/>
-              <a:t>et al., 2011: </a:t>
-            </a:r>
-            <a:r>
-              <a:rPr lang="de-DE" sz="1700" dirty="0"/>
-              <a:t>A Modeling Framework </a:t>
-            </a:r>
-            <a:r>
-              <a:rPr lang="de-DE" sz="1700" dirty="0" err="1"/>
-              <a:t>for</a:t>
-            </a:r>
-            <a:r>
-              <a:rPr lang="de-DE" sz="1700" dirty="0"/>
-              <a:t> </a:t>
-            </a:r>
-            <a:r>
-              <a:rPr lang="de-DE" sz="1700" dirty="0" err="1"/>
-              <a:t>Gossip-based</a:t>
-            </a:r>
-            <a:r>
-              <a:rPr lang="de-DE" sz="1700" dirty="0"/>
-              <a:t> Information </a:t>
-            </a:r>
-            <a:r>
-              <a:rPr lang="de-DE" sz="1700" dirty="0" err="1" smtClean="0"/>
-              <a:t>Spread</a:t>
-            </a:r>
-            <a:endParaRPr lang="de-DE" sz="1700" dirty="0"/>
           </a:p>
         </p:txBody>
       </p:sp>
     </p:spTree>
     <p:extLst>
       <p:ext uri="{BB962C8B-B14F-4D97-AF65-F5344CB8AC3E}">
-        <p14:creationId xmlns:p14="http://schemas.microsoft.com/office/powerpoint/2010/main" val="915256190"/>
+        <p14:creationId xmlns:p14="http://schemas.microsoft.com/office/powerpoint/2010/main" val="1476153275"/>
       </p:ext>
     </p:extLst>
   </p:cSld>
@@ -5396,6 +4692,1785 @@
           <a:lstStyle/>
           <a:p>
             <a:r>
+              <a:rPr lang="de-DE" dirty="0" err="1" smtClean="0"/>
+              <a:t>Principles</a:t>
+            </a:r>
+            <a:r>
+              <a:rPr lang="de-DE" dirty="0" smtClean="0"/>
+              <a:t> </a:t>
+            </a:r>
+            <a:r>
+              <a:rPr lang="de-DE" dirty="0" err="1" smtClean="0"/>
+              <a:t>of</a:t>
+            </a:r>
+            <a:r>
+              <a:rPr lang="de-DE" dirty="0" smtClean="0"/>
+              <a:t> </a:t>
+            </a:r>
+            <a:r>
+              <a:rPr lang="de-DE" dirty="0" err="1" smtClean="0"/>
+              <a:t>Gossiping</a:t>
+            </a:r>
+            <a:r>
+              <a:rPr lang="de-DE" dirty="0" smtClean="0"/>
+              <a:t> – Design </a:t>
+            </a:r>
+            <a:r>
+              <a:rPr lang="de-DE" dirty="0" err="1" smtClean="0"/>
+              <a:t>of</a:t>
+            </a:r>
+            <a:r>
+              <a:rPr lang="de-DE" dirty="0" smtClean="0"/>
+              <a:t> a </a:t>
+            </a:r>
+            <a:r>
+              <a:rPr lang="de-DE" dirty="0" err="1" smtClean="0"/>
+              <a:t>Node</a:t>
+            </a:r>
+            <a:endParaRPr lang="de-DE" dirty="0"/>
+          </a:p>
+        </p:txBody>
+      </p:sp>
+      <p:sp>
+        <p:nvSpPr>
+          <p:cNvPr id="5" name="Inhaltsplatzhalter 4"/>
+          <p:cNvSpPr>
+            <a:spLocks noGrp="1"/>
+          </p:cNvSpPr>
+          <p:nvPr>
+            <p:ph sz="half" idx="1"/>
+          </p:nvPr>
+        </p:nvSpPr>
+        <p:spPr>
+          <a:xfrm>
+            <a:off x="250825" y="1808163"/>
+            <a:ext cx="4244975" cy="3193328"/>
+          </a:xfrm>
+        </p:spPr>
+        <p:txBody>
+          <a:bodyPr/>
+          <a:lstStyle/>
+          <a:p>
+            <a:r>
+              <a:rPr lang="de-DE" sz="2000" b="1" dirty="0" err="1">
+                <a:latin typeface="Source Code Pro" charset="0"/>
+                <a:ea typeface="Source Code Pro" charset="0"/>
+                <a:cs typeface="Source Code Pro" charset="0"/>
+              </a:rPr>
+              <a:t>wait</a:t>
+            </a:r>
+            <a:r>
+              <a:rPr lang="de-DE" sz="2000" b="1" dirty="0">
+                <a:latin typeface="Source Code Pro" charset="0"/>
+                <a:ea typeface="Source Code Pro" charset="0"/>
+                <a:cs typeface="Source Code Pro" charset="0"/>
+              </a:rPr>
+              <a:t> </a:t>
+            </a:r>
+            <a:r>
+              <a:rPr lang="de-DE" sz="2000" dirty="0">
+                <a:latin typeface="Source Code Pro" charset="0"/>
+                <a:ea typeface="Source Code Pro" charset="0"/>
+                <a:cs typeface="Source Code Pro" charset="0"/>
+              </a:rPr>
+              <a:t>(∆t time </a:t>
+            </a:r>
+            <a:r>
+              <a:rPr lang="de-DE" sz="2000" dirty="0" err="1" smtClean="0">
+                <a:latin typeface="Source Code Pro" charset="0"/>
+                <a:ea typeface="Source Code Pro" charset="0"/>
+                <a:cs typeface="Source Code Pro" charset="0"/>
+              </a:rPr>
+              <a:t>units</a:t>
+            </a:r>
+            <a:r>
+              <a:rPr lang="de-DE" sz="2000" dirty="0" smtClean="0">
+                <a:latin typeface="Source Code Pro" charset="0"/>
+                <a:ea typeface="Source Code Pro" charset="0"/>
+                <a:cs typeface="Source Code Pro" charset="0"/>
+              </a:rPr>
+              <a:t>)</a:t>
+            </a:r>
+          </a:p>
+          <a:p>
+            <a:r>
+              <a:rPr lang="de-DE" sz="2000" dirty="0" smtClean="0">
+                <a:latin typeface="Source Code Pro" charset="0"/>
+                <a:ea typeface="Source Code Pro" charset="0"/>
+                <a:cs typeface="Source Code Pro" charset="0"/>
+              </a:rPr>
+              <a:t>p </a:t>
+            </a:r>
+            <a:r>
+              <a:rPr lang="de-DE" sz="2000" dirty="0">
+                <a:latin typeface="Source Code Pro" charset="0"/>
+                <a:ea typeface="Source Code Pro" charset="0"/>
+                <a:cs typeface="Source Code Pro" charset="0"/>
+              </a:rPr>
+              <a:t>← </a:t>
+            </a:r>
+            <a:r>
+              <a:rPr lang="de-DE" sz="2000" b="1" dirty="0" err="1">
+                <a:solidFill>
+                  <a:schemeClr val="accent2">
+                    <a:lumMod val="75000"/>
+                  </a:schemeClr>
+                </a:solidFill>
+                <a:latin typeface="Source Code Pro" charset="0"/>
+                <a:ea typeface="Source Code Pro" charset="0"/>
+                <a:cs typeface="Source Code Pro" charset="0"/>
+              </a:rPr>
+              <a:t>RandomPeer</a:t>
+            </a:r>
+            <a:r>
+              <a:rPr lang="de-DE" sz="2000" dirty="0" smtClean="0">
+                <a:latin typeface="Source Code Pro" charset="0"/>
+                <a:ea typeface="Source Code Pro" charset="0"/>
+                <a:cs typeface="Source Code Pro" charset="0"/>
+              </a:rPr>
+              <a:t>();</a:t>
+            </a:r>
+          </a:p>
+          <a:p>
+            <a:r>
+              <a:rPr lang="de-DE" sz="2000" dirty="0" err="1" smtClean="0">
+                <a:latin typeface="Source Code Pro" charset="0"/>
+                <a:ea typeface="Source Code Pro" charset="0"/>
+                <a:cs typeface="Source Code Pro" charset="0"/>
+              </a:rPr>
+              <a:t>σ</a:t>
+            </a:r>
+            <a:r>
+              <a:rPr lang="de-DE" sz="2000" dirty="0" smtClean="0">
+                <a:latin typeface="Source Code Pro" charset="0"/>
+                <a:ea typeface="Source Code Pro" charset="0"/>
+                <a:cs typeface="Source Code Pro" charset="0"/>
+              </a:rPr>
+              <a:t> </a:t>
+            </a:r>
+            <a:r>
+              <a:rPr lang="de-DE" sz="2000" dirty="0">
+                <a:latin typeface="Source Code Pro" charset="0"/>
+                <a:ea typeface="Source Code Pro" charset="0"/>
+                <a:cs typeface="Source Code Pro" charset="0"/>
+              </a:rPr>
+              <a:t>← </a:t>
+            </a:r>
+            <a:r>
+              <a:rPr lang="de-DE" sz="2000" b="1" dirty="0" err="1">
+                <a:solidFill>
+                  <a:schemeClr val="accent5">
+                    <a:lumMod val="25000"/>
+                  </a:schemeClr>
+                </a:solidFill>
+                <a:latin typeface="Source Code Pro" charset="0"/>
+                <a:ea typeface="Source Code Pro" charset="0"/>
+                <a:cs typeface="Source Code Pro" charset="0"/>
+              </a:rPr>
+              <a:t>PrepareMsg</a:t>
+            </a:r>
+            <a:r>
+              <a:rPr lang="de-DE" sz="2000" dirty="0" smtClean="0">
+                <a:latin typeface="Source Code Pro" charset="0"/>
+                <a:ea typeface="Source Code Pro" charset="0"/>
+                <a:cs typeface="Source Code Pro" charset="0"/>
+              </a:rPr>
+              <a:t>();</a:t>
+            </a:r>
+          </a:p>
+          <a:p>
+            <a:r>
+              <a:rPr lang="de-DE" sz="2000" b="1" dirty="0" smtClean="0">
+                <a:latin typeface="Source Code Pro" charset="0"/>
+                <a:ea typeface="Source Code Pro" charset="0"/>
+                <a:cs typeface="Source Code Pro" charset="0"/>
+              </a:rPr>
+              <a:t>send </a:t>
+            </a:r>
+            <a:r>
+              <a:rPr lang="de-DE" sz="2000" dirty="0" err="1">
+                <a:latin typeface="Source Code Pro" charset="0"/>
+                <a:ea typeface="Source Code Pro" charset="0"/>
+                <a:cs typeface="Source Code Pro" charset="0"/>
+              </a:rPr>
+              <a:t>σ</a:t>
+            </a:r>
+            <a:r>
+              <a:rPr lang="de-DE" sz="2000" dirty="0">
+                <a:latin typeface="Source Code Pro" charset="0"/>
+                <a:ea typeface="Source Code Pro" charset="0"/>
+                <a:cs typeface="Source Code Pro" charset="0"/>
+              </a:rPr>
+              <a:t> </a:t>
+            </a:r>
+            <a:r>
+              <a:rPr lang="de-DE" sz="2000" b="1" dirty="0" err="1">
+                <a:latin typeface="Source Code Pro" charset="0"/>
+                <a:ea typeface="Source Code Pro" charset="0"/>
+                <a:cs typeface="Source Code Pro" charset="0"/>
+              </a:rPr>
+              <a:t>to</a:t>
+            </a:r>
+            <a:r>
+              <a:rPr lang="de-DE" sz="2000" b="1" dirty="0">
+                <a:latin typeface="Source Code Pro" charset="0"/>
+                <a:ea typeface="Source Code Pro" charset="0"/>
+                <a:cs typeface="Source Code Pro" charset="0"/>
+              </a:rPr>
+              <a:t> </a:t>
+            </a:r>
+            <a:r>
+              <a:rPr lang="de-DE" sz="2000" dirty="0">
+                <a:latin typeface="Source Code Pro" charset="0"/>
+                <a:ea typeface="Source Code Pro" charset="0"/>
+                <a:cs typeface="Source Code Pro" charset="0"/>
+              </a:rPr>
+              <a:t>p</a:t>
+            </a:r>
+            <a:r>
+              <a:rPr lang="de-DE" sz="2000" dirty="0" smtClean="0">
+                <a:latin typeface="Source Code Pro" charset="0"/>
+                <a:ea typeface="Source Code Pro" charset="0"/>
+                <a:cs typeface="Source Code Pro" charset="0"/>
+              </a:rPr>
+              <a:t>;</a:t>
+            </a:r>
+          </a:p>
+          <a:p>
+            <a:endParaRPr lang="de-DE" sz="2000" dirty="0" smtClean="0">
+              <a:latin typeface="Source Code Pro" charset="0"/>
+              <a:ea typeface="Source Code Pro" charset="0"/>
+              <a:cs typeface="Source Code Pro" charset="0"/>
+            </a:endParaRPr>
+          </a:p>
+          <a:p>
+            <a:r>
+              <a:rPr lang="de-DE" sz="2000" b="1" dirty="0" err="1" smtClean="0">
+                <a:latin typeface="Source Code Pro" charset="0"/>
+                <a:ea typeface="Source Code Pro" charset="0"/>
+                <a:cs typeface="Source Code Pro" charset="0"/>
+              </a:rPr>
+              <a:t>wait</a:t>
+            </a:r>
+            <a:r>
+              <a:rPr lang="de-DE" sz="2000" b="1" dirty="0" smtClean="0">
+                <a:latin typeface="Source Code Pro" charset="0"/>
+                <a:ea typeface="Source Code Pro" charset="0"/>
+                <a:cs typeface="Source Code Pro" charset="0"/>
+              </a:rPr>
+              <a:t> </a:t>
+            </a:r>
+            <a:r>
+              <a:rPr lang="de-DE" sz="2000" b="1" dirty="0" err="1" smtClean="0">
+                <a:latin typeface="Source Code Pro" charset="0"/>
+                <a:ea typeface="Source Code Pro" charset="0"/>
+                <a:cs typeface="Source Code Pro" charset="0"/>
+              </a:rPr>
+              <a:t>until</a:t>
+            </a:r>
+            <a:r>
+              <a:rPr lang="de-DE" sz="2000" b="1" dirty="0">
+                <a:latin typeface="Source Code Pro" charset="0"/>
+                <a:ea typeface="Source Code Pro" charset="0"/>
+                <a:cs typeface="Source Code Pro" charset="0"/>
+              </a:rPr>
+              <a:t> </a:t>
+            </a:r>
+            <a:r>
+              <a:rPr lang="de-DE" sz="2000" dirty="0" err="1" smtClean="0">
+                <a:latin typeface="Source Code Pro" charset="0"/>
+                <a:ea typeface="Source Code Pro" charset="0"/>
+                <a:cs typeface="Source Code Pro" charset="0"/>
+              </a:rPr>
+              <a:t>receive</a:t>
+            </a:r>
+            <a:r>
+              <a:rPr lang="de-DE" sz="2000" dirty="0" smtClean="0">
+                <a:latin typeface="Source Code Pro" charset="0"/>
+                <a:ea typeface="Source Code Pro" charset="0"/>
+                <a:cs typeface="Source Code Pro" charset="0"/>
+              </a:rPr>
+              <a:t>(</a:t>
+            </a:r>
+            <a:r>
+              <a:rPr lang="de-DE" sz="2000" dirty="0" err="1" smtClean="0">
+                <a:latin typeface="Source Code Pro" charset="0"/>
+                <a:ea typeface="Source Code Pro" charset="0"/>
+                <a:cs typeface="Source Code Pro" charset="0"/>
+              </a:rPr>
+              <a:t>σp</a:t>
+            </a:r>
+            <a:r>
+              <a:rPr lang="de-DE" sz="2000" dirty="0" smtClean="0">
+                <a:latin typeface="Source Code Pro" charset="0"/>
+                <a:ea typeface="Source Code Pro" charset="0"/>
+                <a:cs typeface="Source Code Pro" charset="0"/>
+              </a:rPr>
+              <a:t>)</a:t>
+            </a:r>
+          </a:p>
+          <a:p>
+            <a:r>
+              <a:rPr lang="de-DE" sz="2000" dirty="0" err="1" smtClean="0">
+                <a:latin typeface="Source Code Pro" charset="0"/>
+                <a:ea typeface="Source Code Pro" charset="0"/>
+                <a:cs typeface="Source Code Pro" charset="0"/>
+              </a:rPr>
+              <a:t>σ</a:t>
+            </a:r>
+            <a:r>
+              <a:rPr lang="de-DE" sz="2000" dirty="0" smtClean="0">
+                <a:latin typeface="Source Code Pro" charset="0"/>
+                <a:ea typeface="Source Code Pro" charset="0"/>
+                <a:cs typeface="Source Code Pro" charset="0"/>
+              </a:rPr>
+              <a:t> </a:t>
+            </a:r>
+            <a:r>
+              <a:rPr lang="de-DE" sz="2000" dirty="0">
+                <a:latin typeface="Source Code Pro" charset="0"/>
+                <a:ea typeface="Source Code Pro" charset="0"/>
+                <a:cs typeface="Source Code Pro" charset="0"/>
+              </a:rPr>
+              <a:t>← </a:t>
+            </a:r>
+            <a:r>
+              <a:rPr lang="de-DE" sz="2000" b="1" dirty="0">
+                <a:solidFill>
+                  <a:schemeClr val="tx2">
+                    <a:lumMod val="60000"/>
+                    <a:lumOff val="40000"/>
+                  </a:schemeClr>
+                </a:solidFill>
+                <a:latin typeface="Source Code Pro" charset="0"/>
+                <a:ea typeface="Source Code Pro" charset="0"/>
+                <a:cs typeface="Source Code Pro" charset="0"/>
+              </a:rPr>
+              <a:t>Update</a:t>
+            </a:r>
+            <a:r>
+              <a:rPr lang="de-DE" sz="2000" dirty="0">
+                <a:latin typeface="Source Code Pro" charset="0"/>
+                <a:ea typeface="Source Code Pro" charset="0"/>
+                <a:cs typeface="Source Code Pro" charset="0"/>
+              </a:rPr>
+              <a:t>(</a:t>
+            </a:r>
+            <a:r>
+              <a:rPr lang="de-DE" sz="2000" dirty="0" err="1">
+                <a:latin typeface="Source Code Pro" charset="0"/>
+                <a:ea typeface="Source Code Pro" charset="0"/>
+                <a:cs typeface="Source Code Pro" charset="0"/>
+              </a:rPr>
+              <a:t>σ,σp</a:t>
+            </a:r>
+            <a:r>
+              <a:rPr lang="de-DE" sz="2000" dirty="0">
+                <a:latin typeface="Source Code Pro" charset="0"/>
+                <a:ea typeface="Source Code Pro" charset="0"/>
+                <a:cs typeface="Source Code Pro" charset="0"/>
+              </a:rPr>
+              <a:t>); </a:t>
+            </a:r>
+          </a:p>
+          <a:p>
+            <a:endParaRPr lang="de-DE" sz="2000" dirty="0">
+              <a:latin typeface="Source Code Pro" charset="0"/>
+              <a:ea typeface="Source Code Pro" charset="0"/>
+              <a:cs typeface="Source Code Pro" charset="0"/>
+            </a:endParaRPr>
+          </a:p>
+        </p:txBody>
+      </p:sp>
+      <p:sp>
+        <p:nvSpPr>
+          <p:cNvPr id="6" name="Inhaltsplatzhalter 5"/>
+          <p:cNvSpPr>
+            <a:spLocks noGrp="1"/>
+          </p:cNvSpPr>
+          <p:nvPr>
+            <p:ph sz="half" idx="2"/>
+          </p:nvPr>
+        </p:nvSpPr>
+        <p:spPr>
+          <a:xfrm>
+            <a:off x="4648200" y="1808163"/>
+            <a:ext cx="4244975" cy="3193328"/>
+          </a:xfrm>
+        </p:spPr>
+        <p:txBody>
+          <a:bodyPr/>
+          <a:lstStyle/>
+          <a:p>
+            <a:r>
+              <a:rPr lang="de-DE" sz="2000" b="1" dirty="0" err="1">
+                <a:latin typeface="Source Code Pro" charset="0"/>
+                <a:ea typeface="Source Code Pro" charset="0"/>
+                <a:cs typeface="Source Code Pro" charset="0"/>
+              </a:rPr>
+              <a:t>wait</a:t>
+            </a:r>
+            <a:r>
+              <a:rPr lang="de-DE" sz="2000" b="1" dirty="0">
+                <a:latin typeface="Source Code Pro" charset="0"/>
+                <a:ea typeface="Source Code Pro" charset="0"/>
+                <a:cs typeface="Source Code Pro" charset="0"/>
+              </a:rPr>
+              <a:t> </a:t>
+            </a:r>
+            <a:r>
+              <a:rPr lang="de-DE" sz="2000" b="1" dirty="0" err="1">
+                <a:latin typeface="Source Code Pro" charset="0"/>
+                <a:ea typeface="Source Code Pro" charset="0"/>
+                <a:cs typeface="Source Code Pro" charset="0"/>
+              </a:rPr>
+              <a:t>until</a:t>
+            </a:r>
+            <a:r>
+              <a:rPr lang="de-DE" sz="2000" b="1" dirty="0">
+                <a:latin typeface="Source Code Pro" charset="0"/>
+                <a:ea typeface="Source Code Pro" charset="0"/>
+                <a:cs typeface="Source Code Pro" charset="0"/>
+              </a:rPr>
+              <a:t> </a:t>
+            </a:r>
+            <a:r>
+              <a:rPr lang="de-DE" sz="2000" dirty="0" err="1">
+                <a:latin typeface="Source Code Pro" charset="0"/>
+                <a:ea typeface="Source Code Pro" charset="0"/>
+                <a:cs typeface="Source Code Pro" charset="0"/>
+              </a:rPr>
+              <a:t>receive</a:t>
+            </a:r>
+            <a:r>
+              <a:rPr lang="de-DE" sz="2000" dirty="0">
+                <a:latin typeface="Source Code Pro" charset="0"/>
+                <a:ea typeface="Source Code Pro" charset="0"/>
+                <a:cs typeface="Source Code Pro" charset="0"/>
+              </a:rPr>
+              <a:t>(</a:t>
+            </a:r>
+            <a:r>
+              <a:rPr lang="de-DE" sz="2000" dirty="0" err="1">
+                <a:latin typeface="Source Code Pro" charset="0"/>
+                <a:ea typeface="Source Code Pro" charset="0"/>
+                <a:cs typeface="Source Code Pro" charset="0"/>
+              </a:rPr>
+              <a:t>σp</a:t>
+            </a:r>
+            <a:r>
+              <a:rPr lang="de-DE" sz="2000" dirty="0" smtClean="0">
+                <a:latin typeface="Source Code Pro" charset="0"/>
+                <a:ea typeface="Source Code Pro" charset="0"/>
+                <a:cs typeface="Source Code Pro" charset="0"/>
+              </a:rPr>
+              <a:t>)</a:t>
+            </a:r>
+          </a:p>
+          <a:p>
+            <a:r>
+              <a:rPr lang="de-DE" sz="2000" dirty="0" err="1" smtClean="0">
+                <a:latin typeface="Source Code Pro" charset="0"/>
+                <a:ea typeface="Source Code Pro" charset="0"/>
+                <a:cs typeface="Source Code Pro" charset="0"/>
+              </a:rPr>
+              <a:t>σ</a:t>
+            </a:r>
+            <a:r>
+              <a:rPr lang="de-DE" sz="2000" dirty="0" smtClean="0">
+                <a:latin typeface="Source Code Pro" charset="0"/>
+                <a:ea typeface="Source Code Pro" charset="0"/>
+                <a:cs typeface="Source Code Pro" charset="0"/>
+              </a:rPr>
+              <a:t> </a:t>
+            </a:r>
+            <a:r>
+              <a:rPr lang="de-DE" sz="2000" dirty="0">
+                <a:latin typeface="Source Code Pro" charset="0"/>
+                <a:ea typeface="Source Code Pro" charset="0"/>
+                <a:cs typeface="Source Code Pro" charset="0"/>
+              </a:rPr>
+              <a:t>← </a:t>
+            </a:r>
+            <a:r>
+              <a:rPr lang="de-DE" sz="2000" b="1" dirty="0" err="1">
+                <a:solidFill>
+                  <a:schemeClr val="accent5">
+                    <a:lumMod val="25000"/>
+                  </a:schemeClr>
+                </a:solidFill>
+                <a:latin typeface="Source Code Pro" charset="0"/>
+                <a:ea typeface="Source Code Pro" charset="0"/>
+                <a:cs typeface="Source Code Pro" charset="0"/>
+              </a:rPr>
+              <a:t>PrepareMsg</a:t>
+            </a:r>
+            <a:r>
+              <a:rPr lang="de-DE" sz="2000" dirty="0" smtClean="0">
+                <a:latin typeface="Source Code Pro" charset="0"/>
+                <a:ea typeface="Source Code Pro" charset="0"/>
+                <a:cs typeface="Source Code Pro" charset="0"/>
+              </a:rPr>
+              <a:t>();</a:t>
+            </a:r>
+          </a:p>
+          <a:p>
+            <a:r>
+              <a:rPr lang="de-DE" sz="2000" b="1" dirty="0" smtClean="0">
+                <a:latin typeface="Source Code Pro" charset="0"/>
+                <a:ea typeface="Source Code Pro" charset="0"/>
+                <a:cs typeface="Source Code Pro" charset="0"/>
+              </a:rPr>
+              <a:t>send </a:t>
+            </a:r>
+            <a:r>
+              <a:rPr lang="de-DE" sz="2000" dirty="0" err="1">
+                <a:latin typeface="Source Code Pro" charset="0"/>
+                <a:ea typeface="Source Code Pro" charset="0"/>
+                <a:cs typeface="Source Code Pro" charset="0"/>
+              </a:rPr>
+              <a:t>σ</a:t>
+            </a:r>
+            <a:r>
+              <a:rPr lang="de-DE" sz="2000" dirty="0">
+                <a:latin typeface="Source Code Pro" charset="0"/>
+                <a:ea typeface="Source Code Pro" charset="0"/>
+                <a:cs typeface="Source Code Pro" charset="0"/>
+              </a:rPr>
+              <a:t> </a:t>
+            </a:r>
+            <a:r>
+              <a:rPr lang="de-DE" sz="2000" b="1" dirty="0" err="1">
+                <a:latin typeface="Source Code Pro" charset="0"/>
+                <a:ea typeface="Source Code Pro" charset="0"/>
+                <a:cs typeface="Source Code Pro" charset="0"/>
+              </a:rPr>
+              <a:t>to</a:t>
+            </a:r>
+            <a:r>
+              <a:rPr lang="de-DE" sz="2000" b="1" dirty="0">
+                <a:latin typeface="Source Code Pro" charset="0"/>
+                <a:ea typeface="Source Code Pro" charset="0"/>
+                <a:cs typeface="Source Code Pro" charset="0"/>
+              </a:rPr>
+              <a:t> </a:t>
+            </a:r>
+            <a:r>
+              <a:rPr lang="de-DE" sz="2000" dirty="0" err="1">
+                <a:latin typeface="Source Code Pro" charset="0"/>
+                <a:ea typeface="Source Code Pro" charset="0"/>
+                <a:cs typeface="Source Code Pro" charset="0"/>
+              </a:rPr>
+              <a:t>sender</a:t>
+            </a:r>
+            <a:r>
+              <a:rPr lang="de-DE" sz="2000" dirty="0">
+                <a:latin typeface="Source Code Pro" charset="0"/>
+                <a:ea typeface="Source Code Pro" charset="0"/>
+                <a:cs typeface="Source Code Pro" charset="0"/>
+              </a:rPr>
+              <a:t>(</a:t>
+            </a:r>
+            <a:r>
+              <a:rPr lang="de-DE" sz="2000" dirty="0" err="1">
+                <a:latin typeface="Source Code Pro" charset="0"/>
+                <a:ea typeface="Source Code Pro" charset="0"/>
+                <a:cs typeface="Source Code Pro" charset="0"/>
+              </a:rPr>
+              <a:t>σp</a:t>
+            </a:r>
+            <a:r>
+              <a:rPr lang="de-DE" sz="2000" dirty="0" smtClean="0">
+                <a:latin typeface="Source Code Pro" charset="0"/>
+                <a:ea typeface="Source Code Pro" charset="0"/>
+                <a:cs typeface="Source Code Pro" charset="0"/>
+              </a:rPr>
+              <a:t>);</a:t>
+            </a:r>
+          </a:p>
+          <a:p>
+            <a:endParaRPr lang="de-DE" sz="2000" dirty="0">
+              <a:latin typeface="Source Code Pro" charset="0"/>
+              <a:ea typeface="Source Code Pro" charset="0"/>
+              <a:cs typeface="Source Code Pro" charset="0"/>
+            </a:endParaRPr>
+          </a:p>
+          <a:p>
+            <a:r>
+              <a:rPr lang="de-DE" sz="2000" dirty="0" err="1" smtClean="0">
+                <a:latin typeface="Source Code Pro" charset="0"/>
+                <a:ea typeface="Source Code Pro" charset="0"/>
+                <a:cs typeface="Source Code Pro" charset="0"/>
+              </a:rPr>
+              <a:t>σ</a:t>
+            </a:r>
+            <a:r>
+              <a:rPr lang="de-DE" sz="2000" dirty="0" smtClean="0">
+                <a:latin typeface="Source Code Pro" charset="0"/>
+                <a:ea typeface="Source Code Pro" charset="0"/>
+                <a:cs typeface="Source Code Pro" charset="0"/>
+              </a:rPr>
+              <a:t> </a:t>
+            </a:r>
+            <a:r>
+              <a:rPr lang="de-DE" sz="2000" dirty="0">
+                <a:latin typeface="Source Code Pro" charset="0"/>
+                <a:ea typeface="Source Code Pro" charset="0"/>
+                <a:cs typeface="Source Code Pro" charset="0"/>
+              </a:rPr>
+              <a:t>← </a:t>
+            </a:r>
+            <a:r>
+              <a:rPr lang="de-DE" sz="2000" b="1" dirty="0">
+                <a:solidFill>
+                  <a:schemeClr val="tx2">
+                    <a:lumMod val="60000"/>
+                    <a:lumOff val="40000"/>
+                  </a:schemeClr>
+                </a:solidFill>
+                <a:latin typeface="Source Code Pro" charset="0"/>
+                <a:ea typeface="Source Code Pro" charset="0"/>
+                <a:cs typeface="Source Code Pro" charset="0"/>
+              </a:rPr>
+              <a:t>Update</a:t>
+            </a:r>
+            <a:r>
+              <a:rPr lang="de-DE" sz="2000" dirty="0">
+                <a:latin typeface="Source Code Pro" charset="0"/>
+                <a:ea typeface="Source Code Pro" charset="0"/>
+                <a:cs typeface="Source Code Pro" charset="0"/>
+              </a:rPr>
+              <a:t>(</a:t>
+            </a:r>
+            <a:r>
+              <a:rPr lang="de-DE" sz="2000" dirty="0" err="1">
+                <a:latin typeface="Source Code Pro" charset="0"/>
+                <a:ea typeface="Source Code Pro" charset="0"/>
+                <a:cs typeface="Source Code Pro" charset="0"/>
+              </a:rPr>
+              <a:t>σ</a:t>
+            </a:r>
+            <a:r>
+              <a:rPr lang="de-DE" sz="2000" dirty="0">
+                <a:latin typeface="Source Code Pro" charset="0"/>
+                <a:ea typeface="Source Code Pro" charset="0"/>
+                <a:cs typeface="Source Code Pro" charset="0"/>
+              </a:rPr>
+              <a:t>, </a:t>
+            </a:r>
+            <a:r>
+              <a:rPr lang="de-DE" sz="2000" dirty="0" err="1" smtClean="0">
+                <a:latin typeface="Source Code Pro" charset="0"/>
+                <a:ea typeface="Source Code Pro" charset="0"/>
+                <a:cs typeface="Source Code Pro" charset="0"/>
+              </a:rPr>
+              <a:t>σp</a:t>
+            </a:r>
+            <a:r>
+              <a:rPr lang="de-DE" sz="2000" dirty="0" smtClean="0">
+                <a:latin typeface="Source Code Pro" charset="0"/>
+                <a:ea typeface="Source Code Pro" charset="0"/>
+                <a:cs typeface="Source Code Pro" charset="0"/>
+              </a:rPr>
+              <a:t>); </a:t>
+            </a:r>
+            <a:endParaRPr lang="de-DE" sz="2000" dirty="0">
+              <a:latin typeface="Source Code Pro" charset="0"/>
+              <a:ea typeface="Source Code Pro" charset="0"/>
+              <a:cs typeface="Source Code Pro" charset="0"/>
+            </a:endParaRPr>
+          </a:p>
+          <a:p>
+            <a:endParaRPr lang="de-DE" sz="2000" dirty="0">
+              <a:latin typeface="Source Code Pro" charset="0"/>
+              <a:ea typeface="Source Code Pro" charset="0"/>
+              <a:cs typeface="Source Code Pro" charset="0"/>
+            </a:endParaRPr>
+          </a:p>
+        </p:txBody>
+      </p:sp>
+      <p:sp>
+        <p:nvSpPr>
+          <p:cNvPr id="4" name="Fußzeilenplatzhalter 3"/>
+          <p:cNvSpPr>
+            <a:spLocks noGrp="1"/>
+          </p:cNvSpPr>
+          <p:nvPr>
+            <p:ph type="ftr" sz="quarter" idx="10"/>
+          </p:nvPr>
+        </p:nvSpPr>
+        <p:spPr/>
+        <p:txBody>
+          <a:bodyPr/>
+          <a:lstStyle/>
+          <a:p>
+            <a:r>
+              <a:rPr lang="en-US" dirty="0"/>
+              <a:t>Information Dissemination With Gossiping Using The </a:t>
+            </a:r>
+            <a:r>
+              <a:rPr lang="en-US" dirty="0" err="1"/>
+              <a:t>IoT</a:t>
+            </a:r>
+            <a:r>
+              <a:rPr lang="en-US" dirty="0"/>
+              <a:t>-Lab</a:t>
+            </a:r>
+            <a:r>
+              <a:rPr lang="de-DE" dirty="0" smtClean="0"/>
+              <a:t>, </a:t>
+            </a:r>
+            <a:r>
+              <a:rPr lang="de-DE" dirty="0" smtClean="0"/>
+              <a:t>05/29/2015</a:t>
+            </a:r>
+            <a:endParaRPr lang="de-DE" dirty="0"/>
+          </a:p>
+        </p:txBody>
+      </p:sp>
+      <p:sp>
+        <p:nvSpPr>
+          <p:cNvPr id="7" name="Textfeld 6"/>
+          <p:cNvSpPr txBox="1"/>
+          <p:nvPr/>
+        </p:nvSpPr>
+        <p:spPr>
+          <a:xfrm>
+            <a:off x="1607718" y="5126182"/>
+            <a:ext cx="1531188" cy="369332"/>
+          </a:xfrm>
+          <a:prstGeom prst="rect">
+            <a:avLst/>
+          </a:prstGeom>
+          <a:noFill/>
+        </p:spPr>
+        <p:txBody>
+          <a:bodyPr wrap="none" rtlCol="0">
+            <a:spAutoFit/>
+          </a:bodyPr>
+          <a:lstStyle/>
+          <a:p>
+            <a:r>
+              <a:rPr lang="en-US" dirty="0" smtClean="0"/>
+              <a:t>active thread</a:t>
+            </a:r>
+            <a:endParaRPr lang="en-US" dirty="0"/>
+          </a:p>
+        </p:txBody>
+      </p:sp>
+      <p:sp>
+        <p:nvSpPr>
+          <p:cNvPr id="8" name="Textfeld 7"/>
+          <p:cNvSpPr txBox="1"/>
+          <p:nvPr/>
+        </p:nvSpPr>
+        <p:spPr>
+          <a:xfrm>
+            <a:off x="5915324" y="5126182"/>
+            <a:ext cx="1710725" cy="369332"/>
+          </a:xfrm>
+          <a:prstGeom prst="rect">
+            <a:avLst/>
+          </a:prstGeom>
+          <a:noFill/>
+        </p:spPr>
+        <p:txBody>
+          <a:bodyPr wrap="none" rtlCol="0">
+            <a:spAutoFit/>
+          </a:bodyPr>
+          <a:lstStyle/>
+          <a:p>
+            <a:r>
+              <a:rPr lang="de-DE" dirty="0" smtClean="0"/>
+              <a:t>passive </a:t>
+            </a:r>
+            <a:r>
+              <a:rPr lang="de-DE" dirty="0" err="1" smtClean="0"/>
+              <a:t>thread</a:t>
+            </a:r>
+            <a:endParaRPr lang="de-DE" dirty="0"/>
+          </a:p>
+        </p:txBody>
+      </p:sp>
+      <p:sp>
+        <p:nvSpPr>
+          <p:cNvPr id="9" name="Textfeld 8"/>
+          <p:cNvSpPr txBox="1"/>
+          <p:nvPr/>
+        </p:nvSpPr>
+        <p:spPr>
+          <a:xfrm>
+            <a:off x="156400" y="6119336"/>
+            <a:ext cx="8892114" cy="353943"/>
+          </a:xfrm>
+          <a:prstGeom prst="rect">
+            <a:avLst/>
+          </a:prstGeom>
+          <a:noFill/>
+        </p:spPr>
+        <p:txBody>
+          <a:bodyPr wrap="none" rtlCol="0">
+            <a:spAutoFit/>
+          </a:bodyPr>
+          <a:lstStyle/>
+          <a:p>
+            <a:r>
+              <a:rPr lang="de-DE" sz="1700" dirty="0" smtClean="0"/>
+              <a:t>Source: </a:t>
+            </a:r>
+            <a:r>
+              <a:rPr lang="de-DE" sz="1700" dirty="0" err="1"/>
+              <a:t>Bakhshi</a:t>
+            </a:r>
+            <a:r>
+              <a:rPr lang="de-DE" sz="1700" dirty="0"/>
+              <a:t> </a:t>
+            </a:r>
+            <a:r>
+              <a:rPr lang="de-DE" sz="1700" dirty="0" smtClean="0"/>
+              <a:t>et al., 2011: </a:t>
+            </a:r>
+            <a:r>
+              <a:rPr lang="de-DE" sz="1700" dirty="0"/>
+              <a:t>A Modeling Framework </a:t>
+            </a:r>
+            <a:r>
+              <a:rPr lang="de-DE" sz="1700" dirty="0" err="1"/>
+              <a:t>for</a:t>
+            </a:r>
+            <a:r>
+              <a:rPr lang="de-DE" sz="1700" dirty="0"/>
+              <a:t> </a:t>
+            </a:r>
+            <a:r>
+              <a:rPr lang="de-DE" sz="1700" dirty="0" err="1"/>
+              <a:t>Gossip-based</a:t>
+            </a:r>
+            <a:r>
+              <a:rPr lang="de-DE" sz="1700" dirty="0"/>
+              <a:t> Information </a:t>
+            </a:r>
+            <a:r>
+              <a:rPr lang="de-DE" sz="1700" dirty="0" err="1" smtClean="0"/>
+              <a:t>Spread</a:t>
+            </a:r>
+            <a:endParaRPr lang="de-DE" sz="1700" dirty="0"/>
+          </a:p>
+        </p:txBody>
+      </p:sp>
+      <p:sp>
+        <p:nvSpPr>
+          <p:cNvPr id="3" name="Abgerundete rechteckige Legende 2"/>
+          <p:cNvSpPr/>
+          <p:nvPr/>
+        </p:nvSpPr>
+        <p:spPr bwMode="auto">
+          <a:xfrm>
+            <a:off x="3239294" y="2005457"/>
+            <a:ext cx="3183154" cy="1496890"/>
+          </a:xfrm>
+          <a:prstGeom prst="wedgeRoundRectCallout">
+            <a:avLst>
+              <a:gd name="adj1" fmla="val -65163"/>
+              <a:gd name="adj2" fmla="val -30833"/>
+              <a:gd name="adj3" fmla="val 16667"/>
+            </a:avLst>
+          </a:prstGeom>
+          <a:solidFill>
+            <a:schemeClr val="accent1"/>
+          </a:solidFill>
+          <a:ln w="9525" cap="flat" cmpd="sng" algn="ctr">
+            <a:solidFill>
+              <a:schemeClr val="tx1"/>
+            </a:solidFill>
+            <a:prstDash val="solid"/>
+            <a:round/>
+            <a:headEnd type="none" w="med" len="med"/>
+            <a:tailEnd type="none" w="med" len="med"/>
+          </a:ln>
+          <a:effectLst/>
+        </p:spPr>
+        <p:txBody>
+          <a:bodyPr vert="horz" wrap="none" lIns="91440" tIns="45720" rIns="91440" bIns="45720" numCol="1" rtlCol="0" anchor="t" anchorCtr="0" compatLnSpc="1">
+            <a:prstTxWarp prst="textNoShape">
+              <a:avLst/>
+            </a:prstTxWarp>
+          </a:bodyPr>
+          <a:lstStyle/>
+          <a:p>
+            <a:pPr marL="0" marR="0" indent="0" algn="l" defTabSz="914400" rtl="0" eaLnBrk="0" fontAlgn="base" latinLnBrk="0" hangingPunct="0">
+              <a:lnSpc>
+                <a:spcPct val="150000"/>
+              </a:lnSpc>
+              <a:spcBef>
+                <a:spcPct val="0"/>
+              </a:spcBef>
+              <a:spcAft>
+                <a:spcPts val="130"/>
+              </a:spcAft>
+              <a:buClrTx/>
+              <a:buSzTx/>
+              <a:buFontTx/>
+              <a:buNone/>
+              <a:tabLst/>
+            </a:pPr>
+            <a:r>
+              <a:rPr lang="en-US" dirty="0" smtClean="0"/>
+              <a:t>Randomly selects a</a:t>
+            </a:r>
+          </a:p>
+          <a:p>
+            <a:pPr marL="0" marR="0" indent="0" algn="l" defTabSz="914400" rtl="0" eaLnBrk="0" fontAlgn="base" latinLnBrk="0" hangingPunct="0">
+              <a:lnSpc>
+                <a:spcPct val="150000"/>
+              </a:lnSpc>
+              <a:spcBef>
+                <a:spcPct val="0"/>
+              </a:spcBef>
+              <a:spcAft>
+                <a:spcPts val="130"/>
+              </a:spcAft>
+              <a:buClrTx/>
+              <a:buSzTx/>
+              <a:buFontTx/>
+              <a:buNone/>
+              <a:tabLst/>
+            </a:pPr>
+            <a:r>
+              <a:rPr lang="en-US" dirty="0" smtClean="0"/>
+              <a:t>neighbor in the set of all</a:t>
+            </a:r>
+          </a:p>
+          <a:p>
+            <a:pPr marL="0" marR="0" indent="0" algn="l" defTabSz="914400" rtl="0" eaLnBrk="0" fontAlgn="base" latinLnBrk="0" hangingPunct="0">
+              <a:lnSpc>
+                <a:spcPct val="150000"/>
+              </a:lnSpc>
+              <a:spcBef>
+                <a:spcPct val="0"/>
+              </a:spcBef>
+              <a:spcAft>
+                <a:spcPts val="130"/>
+              </a:spcAft>
+              <a:buClrTx/>
+              <a:buSzTx/>
+              <a:buFontTx/>
+              <a:buNone/>
+              <a:tabLst/>
+            </a:pPr>
+            <a:r>
+              <a:rPr kumimoji="0" lang="en-US" sz="1800" b="0" i="0" u="none" strike="noStrike" cap="none" normalizeH="0" baseline="0" dirty="0" smtClean="0">
+                <a:ln>
+                  <a:noFill/>
+                </a:ln>
+                <a:solidFill>
+                  <a:schemeClr val="tx1"/>
+                </a:solidFill>
+                <a:effectLst/>
+              </a:rPr>
+              <a:t>neighbors of the node</a:t>
+            </a:r>
+            <a:endParaRPr kumimoji="0" lang="en-US" sz="1800" b="0" i="0" u="none" strike="noStrike" cap="none" normalizeH="0" baseline="0" dirty="0" smtClean="0">
+              <a:ln>
+                <a:noFill/>
+              </a:ln>
+              <a:solidFill>
+                <a:schemeClr val="tx1"/>
+              </a:solidFill>
+              <a:effectLst/>
+            </a:endParaRPr>
+          </a:p>
+        </p:txBody>
+      </p:sp>
+      <p:sp>
+        <p:nvSpPr>
+          <p:cNvPr id="10" name="Abgerundete rechteckige Legende 9"/>
+          <p:cNvSpPr/>
+          <p:nvPr/>
+        </p:nvSpPr>
+        <p:spPr bwMode="auto">
+          <a:xfrm>
+            <a:off x="3239294" y="2438845"/>
+            <a:ext cx="3183154" cy="1188193"/>
+          </a:xfrm>
+          <a:prstGeom prst="wedgeRoundRectCallout">
+            <a:avLst>
+              <a:gd name="adj1" fmla="val -65163"/>
+              <a:gd name="adj2" fmla="val -30833"/>
+              <a:gd name="adj3" fmla="val 16667"/>
+            </a:avLst>
+          </a:prstGeom>
+          <a:solidFill>
+            <a:schemeClr val="accent1"/>
+          </a:solidFill>
+          <a:ln w="9525" cap="flat" cmpd="sng" algn="ctr">
+            <a:solidFill>
+              <a:schemeClr val="tx1"/>
+            </a:solidFill>
+            <a:prstDash val="solid"/>
+            <a:round/>
+            <a:headEnd type="none" w="med" len="med"/>
+            <a:tailEnd type="none" w="med" len="med"/>
+          </a:ln>
+          <a:effectLst/>
+        </p:spPr>
+        <p:txBody>
+          <a:bodyPr vert="horz" wrap="none" lIns="91440" tIns="45720" rIns="91440" bIns="45720" numCol="1" rtlCol="0" anchor="t" anchorCtr="0" compatLnSpc="1">
+            <a:prstTxWarp prst="textNoShape">
+              <a:avLst/>
+            </a:prstTxWarp>
+          </a:bodyPr>
+          <a:lstStyle/>
+          <a:p>
+            <a:pPr marL="0" marR="0" indent="0" algn="l" defTabSz="914400" rtl="0" eaLnBrk="0" fontAlgn="base" latinLnBrk="0" hangingPunct="0">
+              <a:lnSpc>
+                <a:spcPct val="150000"/>
+              </a:lnSpc>
+              <a:spcBef>
+                <a:spcPct val="0"/>
+              </a:spcBef>
+              <a:spcAft>
+                <a:spcPts val="130"/>
+              </a:spcAft>
+              <a:buClrTx/>
+              <a:buSzTx/>
+              <a:buFontTx/>
+              <a:buNone/>
+              <a:tabLst/>
+            </a:pPr>
+            <a:r>
+              <a:rPr lang="en-US" dirty="0" smtClean="0"/>
+              <a:t>Select a data item from the</a:t>
+            </a:r>
+          </a:p>
+          <a:p>
+            <a:pPr marL="0" marR="0" indent="0" algn="l" defTabSz="914400" rtl="0" eaLnBrk="0" fontAlgn="base" latinLnBrk="0" hangingPunct="0">
+              <a:lnSpc>
+                <a:spcPct val="150000"/>
+              </a:lnSpc>
+              <a:spcBef>
+                <a:spcPct val="0"/>
+              </a:spcBef>
+              <a:spcAft>
+                <a:spcPts val="130"/>
+              </a:spcAft>
+              <a:buClrTx/>
+              <a:buSzTx/>
+              <a:buFontTx/>
+              <a:buNone/>
+              <a:tabLst/>
+            </a:pPr>
+            <a:r>
+              <a:rPr kumimoji="0" lang="en-US" sz="1800" b="0" i="0" u="none" strike="noStrike" cap="none" normalizeH="0" baseline="0" dirty="0" smtClean="0">
+                <a:ln>
+                  <a:noFill/>
+                </a:ln>
+                <a:solidFill>
+                  <a:schemeClr val="tx1"/>
+                </a:solidFill>
+                <a:effectLst/>
+              </a:rPr>
+              <a:t>cache</a:t>
+            </a:r>
+            <a:r>
+              <a:rPr kumimoji="0" lang="en-US" sz="1800" b="0" i="0" u="none" strike="noStrike" cap="none" normalizeH="0" dirty="0" smtClean="0">
+                <a:ln>
+                  <a:noFill/>
+                </a:ln>
+                <a:solidFill>
+                  <a:schemeClr val="tx1"/>
+                </a:solidFill>
+                <a:effectLst/>
+              </a:rPr>
+              <a:t> to be distributed to p</a:t>
+            </a:r>
+            <a:endParaRPr kumimoji="0" lang="en-US" sz="1800" b="0" i="0" u="none" strike="noStrike" cap="none" normalizeH="0" baseline="0" dirty="0" smtClean="0">
+              <a:ln>
+                <a:noFill/>
+              </a:ln>
+              <a:solidFill>
+                <a:schemeClr val="tx1"/>
+              </a:solidFill>
+              <a:effectLst/>
+            </a:endParaRPr>
+          </a:p>
+        </p:txBody>
+      </p:sp>
+      <p:sp>
+        <p:nvSpPr>
+          <p:cNvPr id="11" name="Abgerundete rechteckige Legende 10"/>
+          <p:cNvSpPr/>
+          <p:nvPr/>
+        </p:nvSpPr>
+        <p:spPr bwMode="auto">
+          <a:xfrm>
+            <a:off x="3239294" y="3935735"/>
+            <a:ext cx="3183154" cy="1496890"/>
+          </a:xfrm>
+          <a:prstGeom prst="wedgeRoundRectCallout">
+            <a:avLst>
+              <a:gd name="adj1" fmla="val -65163"/>
+              <a:gd name="adj2" fmla="val -30833"/>
+              <a:gd name="adj3" fmla="val 16667"/>
+            </a:avLst>
+          </a:prstGeom>
+          <a:solidFill>
+            <a:schemeClr val="accent1"/>
+          </a:solidFill>
+          <a:ln w="9525" cap="flat" cmpd="sng" algn="ctr">
+            <a:solidFill>
+              <a:schemeClr val="tx1"/>
+            </a:solidFill>
+            <a:prstDash val="solid"/>
+            <a:round/>
+            <a:headEnd type="none" w="med" len="med"/>
+            <a:tailEnd type="none" w="med" len="med"/>
+          </a:ln>
+          <a:effectLst/>
+        </p:spPr>
+        <p:txBody>
+          <a:bodyPr vert="horz" wrap="none" lIns="91440" tIns="45720" rIns="91440" bIns="45720" numCol="1" rtlCol="0" anchor="t" anchorCtr="0" compatLnSpc="1">
+            <a:prstTxWarp prst="textNoShape">
+              <a:avLst/>
+            </a:prstTxWarp>
+          </a:bodyPr>
+          <a:lstStyle/>
+          <a:p>
+            <a:pPr marL="0" marR="0" indent="0" algn="l" defTabSz="914400" rtl="0" eaLnBrk="0" fontAlgn="base" latinLnBrk="0" hangingPunct="0">
+              <a:lnSpc>
+                <a:spcPct val="150000"/>
+              </a:lnSpc>
+              <a:spcBef>
+                <a:spcPct val="0"/>
+              </a:spcBef>
+              <a:spcAft>
+                <a:spcPts val="130"/>
+              </a:spcAft>
+              <a:buClrTx/>
+              <a:buSzTx/>
+              <a:buFontTx/>
+              <a:buNone/>
+              <a:tabLst/>
+            </a:pPr>
+            <a:r>
+              <a:rPr lang="en-US" dirty="0" smtClean="0"/>
+              <a:t>Decide whether to keep the</a:t>
+            </a:r>
+          </a:p>
+          <a:p>
+            <a:pPr marL="0" marR="0" indent="0" algn="l" defTabSz="914400" rtl="0" eaLnBrk="0" fontAlgn="base" latinLnBrk="0" hangingPunct="0">
+              <a:lnSpc>
+                <a:spcPct val="150000"/>
+              </a:lnSpc>
+              <a:spcBef>
+                <a:spcPct val="0"/>
+              </a:spcBef>
+              <a:spcAft>
+                <a:spcPts val="130"/>
+              </a:spcAft>
+              <a:buClrTx/>
+              <a:buSzTx/>
+              <a:buFontTx/>
+              <a:buNone/>
+              <a:tabLst/>
+            </a:pPr>
+            <a:r>
+              <a:rPr kumimoji="0" lang="en-US" sz="1800" b="0" i="0" u="none" strike="noStrike" cap="none" normalizeH="0" baseline="0" dirty="0" smtClean="0">
+                <a:ln>
+                  <a:noFill/>
+                </a:ln>
+                <a:solidFill>
+                  <a:schemeClr val="tx1"/>
+                </a:solidFill>
+                <a:effectLst/>
+              </a:rPr>
+              <a:t>own</a:t>
+            </a:r>
+            <a:r>
+              <a:rPr kumimoji="0" lang="en-US" sz="1800" b="0" i="0" u="none" strike="noStrike" cap="none" normalizeH="0" dirty="0" smtClean="0">
+                <a:ln>
+                  <a:noFill/>
+                </a:ln>
+                <a:solidFill>
+                  <a:schemeClr val="tx1"/>
+                </a:solidFill>
+                <a:effectLst/>
+              </a:rPr>
+              <a:t> data set or the received</a:t>
+            </a:r>
+          </a:p>
+          <a:p>
+            <a:pPr marL="0" marR="0" indent="0" algn="l" defTabSz="914400" rtl="0" eaLnBrk="0" fontAlgn="base" latinLnBrk="0" hangingPunct="0">
+              <a:lnSpc>
+                <a:spcPct val="150000"/>
+              </a:lnSpc>
+              <a:spcBef>
+                <a:spcPct val="0"/>
+              </a:spcBef>
+              <a:spcAft>
+                <a:spcPts val="130"/>
+              </a:spcAft>
+              <a:buClrTx/>
+              <a:buSzTx/>
+              <a:buFontTx/>
+              <a:buNone/>
+              <a:tabLst/>
+            </a:pPr>
+            <a:r>
+              <a:rPr lang="en-US" baseline="0" dirty="0" smtClean="0"/>
+              <a:t>one.</a:t>
+            </a:r>
+            <a:endParaRPr kumimoji="0" lang="en-US" sz="1800" b="0" i="0" u="none" strike="noStrike" cap="none" normalizeH="0" baseline="0" dirty="0" smtClean="0">
+              <a:ln>
+                <a:noFill/>
+              </a:ln>
+              <a:solidFill>
+                <a:schemeClr val="tx1"/>
+              </a:solidFill>
+              <a:effectLst/>
+            </a:endParaRPr>
+          </a:p>
+        </p:txBody>
+      </p:sp>
+      <p:sp>
+        <p:nvSpPr>
+          <p:cNvPr id="12" name="Abgerundete rechteckige Legende 11"/>
+          <p:cNvSpPr/>
+          <p:nvPr/>
+        </p:nvSpPr>
+        <p:spPr bwMode="auto">
+          <a:xfrm>
+            <a:off x="3239294" y="1729987"/>
+            <a:ext cx="3183154" cy="1168334"/>
+          </a:xfrm>
+          <a:prstGeom prst="wedgeRoundRectCallout">
+            <a:avLst>
+              <a:gd name="adj1" fmla="val -65163"/>
+              <a:gd name="adj2" fmla="val -30833"/>
+              <a:gd name="adj3" fmla="val 16667"/>
+            </a:avLst>
+          </a:prstGeom>
+          <a:solidFill>
+            <a:schemeClr val="accent1"/>
+          </a:solidFill>
+          <a:ln w="9525" cap="flat" cmpd="sng" algn="ctr">
+            <a:solidFill>
+              <a:schemeClr val="tx1"/>
+            </a:solidFill>
+            <a:prstDash val="solid"/>
+            <a:round/>
+            <a:headEnd type="none" w="med" len="med"/>
+            <a:tailEnd type="none" w="med" len="med"/>
+          </a:ln>
+          <a:effectLst/>
+        </p:spPr>
+        <p:txBody>
+          <a:bodyPr vert="horz" wrap="none" lIns="91440" tIns="45720" rIns="91440" bIns="45720" numCol="1" rtlCol="0" anchor="t" anchorCtr="0" compatLnSpc="1">
+            <a:prstTxWarp prst="textNoShape">
+              <a:avLst/>
+            </a:prstTxWarp>
+          </a:bodyPr>
+          <a:lstStyle/>
+          <a:p>
+            <a:pPr marL="0" marR="0" indent="0" algn="l" defTabSz="914400" rtl="0" eaLnBrk="0" fontAlgn="base" latinLnBrk="0" hangingPunct="0">
+              <a:lnSpc>
+                <a:spcPct val="150000"/>
+              </a:lnSpc>
+              <a:spcBef>
+                <a:spcPct val="0"/>
+              </a:spcBef>
+              <a:spcAft>
+                <a:spcPts val="130"/>
+              </a:spcAft>
+              <a:buClrTx/>
+              <a:buSzTx/>
+              <a:buFontTx/>
+              <a:buNone/>
+              <a:tabLst/>
+            </a:pPr>
+            <a:r>
+              <a:rPr lang="en-US" dirty="0" smtClean="0"/>
+              <a:t>Each node is only allowed</a:t>
+            </a:r>
+          </a:p>
+          <a:p>
+            <a:pPr marL="0" marR="0" indent="0" algn="l" defTabSz="914400" rtl="0" eaLnBrk="0" fontAlgn="base" latinLnBrk="0" hangingPunct="0">
+              <a:lnSpc>
+                <a:spcPct val="150000"/>
+              </a:lnSpc>
+              <a:spcBef>
+                <a:spcPct val="0"/>
+              </a:spcBef>
+              <a:spcAft>
+                <a:spcPts val="130"/>
+              </a:spcAft>
+              <a:buClrTx/>
+              <a:buSzTx/>
+              <a:buFontTx/>
+              <a:buNone/>
+              <a:tabLst/>
+            </a:pPr>
+            <a:r>
+              <a:rPr kumimoji="0" lang="en-US" sz="1800" b="0" i="0" u="none" strike="noStrike" cap="none" normalizeH="0" baseline="0" dirty="0" smtClean="0">
+                <a:ln>
+                  <a:noFill/>
+                </a:ln>
+                <a:solidFill>
+                  <a:schemeClr val="tx1"/>
+                </a:solidFill>
+                <a:effectLst/>
+              </a:rPr>
+              <a:t>to gossip</a:t>
+            </a:r>
+            <a:r>
+              <a:rPr kumimoji="0" lang="en-US" sz="1800" b="0" i="0" u="none" strike="noStrike" cap="none" normalizeH="0" dirty="0" smtClean="0">
+                <a:ln>
+                  <a:noFill/>
+                </a:ln>
+                <a:solidFill>
+                  <a:schemeClr val="tx1"/>
+                </a:solidFill>
+                <a:effectLst/>
+              </a:rPr>
+              <a:t> every t time units</a:t>
+            </a:r>
+            <a:endParaRPr kumimoji="0" lang="en-US" sz="1800" b="0" i="0" u="none" strike="noStrike" cap="none" normalizeH="0" baseline="0" dirty="0" smtClean="0">
+              <a:ln>
+                <a:noFill/>
+              </a:ln>
+              <a:solidFill>
+                <a:schemeClr val="tx1"/>
+              </a:solidFill>
+              <a:effectLst/>
+            </a:endParaRPr>
+          </a:p>
+        </p:txBody>
+      </p:sp>
+    </p:spTree>
+    <p:extLst>
+      <p:ext uri="{BB962C8B-B14F-4D97-AF65-F5344CB8AC3E}">
+        <p14:creationId xmlns:p14="http://schemas.microsoft.com/office/powerpoint/2010/main" val="915256190"/>
+      </p:ext>
+    </p:extLst>
+  </p:cSld>
+  <p:clrMapOvr>
+    <a:masterClrMapping/>
+  </p:clrMapOvr>
+  <p:transition spd="slow"/>
+  <p:timing>
+    <p:tnLst>
+      <p:par>
+        <p:cTn id="1" dur="indefinite" restart="never" nodeType="tmRoot">
+          <p:childTnLst>
+            <p:seq concurrent="1" nextAc="seek">
+              <p:cTn id="2" dur="indefinite" nodeType="mainSeq">
+                <p:childTnLst>
+                  <p:par>
+                    <p:cTn id="3" fill="hold">
+                      <p:stCondLst>
+                        <p:cond delay="indefinite"/>
+                      </p:stCondLst>
+                      <p:childTnLst>
+                        <p:par>
+                          <p:cTn id="4" fill="hold">
+                            <p:stCondLst>
+                              <p:cond delay="0"/>
+                            </p:stCondLst>
+                            <p:childTnLst>
+                              <p:par>
+                                <p:cTn id="5" presetID="1" presetClass="entr" presetSubtype="0" fill="hold" grpId="0" nodeType="clickEffect">
+                                  <p:stCondLst>
+                                    <p:cond delay="0"/>
+                                  </p:stCondLst>
+                                  <p:childTnLst>
+                                    <p:set>
+                                      <p:cBhvr>
+                                        <p:cTn id="6" dur="1" fill="hold">
+                                          <p:stCondLst>
+                                            <p:cond delay="0"/>
+                                          </p:stCondLst>
+                                        </p:cTn>
+                                        <p:tgtEl>
+                                          <p:spTgt spid="12"/>
+                                        </p:tgtEl>
+                                        <p:attrNameLst>
+                                          <p:attrName>style.visibility</p:attrName>
+                                        </p:attrNameLst>
+                                      </p:cBhvr>
+                                      <p:to>
+                                        <p:strVal val="visible"/>
+                                      </p:to>
+                                    </p:set>
+                                  </p:childTnLst>
+                                </p:cTn>
+                              </p:par>
+                            </p:childTnLst>
+                          </p:cTn>
+                        </p:par>
+                      </p:childTnLst>
+                    </p:cTn>
+                  </p:par>
+                  <p:par>
+                    <p:cTn id="7" fill="hold">
+                      <p:stCondLst>
+                        <p:cond delay="indefinite"/>
+                      </p:stCondLst>
+                      <p:childTnLst>
+                        <p:par>
+                          <p:cTn id="8" fill="hold">
+                            <p:stCondLst>
+                              <p:cond delay="0"/>
+                            </p:stCondLst>
+                            <p:childTnLst>
+                              <p:par>
+                                <p:cTn id="9" presetID="9" presetClass="exit" presetSubtype="0" fill="hold" grpId="1" nodeType="clickEffect">
+                                  <p:stCondLst>
+                                    <p:cond delay="0"/>
+                                  </p:stCondLst>
+                                  <p:childTnLst>
+                                    <p:animEffect transition="out" filter="dissolve">
+                                      <p:cBhvr>
+                                        <p:cTn id="10" dur="500"/>
+                                        <p:tgtEl>
+                                          <p:spTgt spid="12"/>
+                                        </p:tgtEl>
+                                      </p:cBhvr>
+                                    </p:animEffect>
+                                    <p:set>
+                                      <p:cBhvr>
+                                        <p:cTn id="11" dur="1" fill="hold">
+                                          <p:stCondLst>
+                                            <p:cond delay="499"/>
+                                          </p:stCondLst>
+                                        </p:cTn>
+                                        <p:tgtEl>
+                                          <p:spTgt spid="12"/>
+                                        </p:tgtEl>
+                                        <p:attrNameLst>
+                                          <p:attrName>style.visibility</p:attrName>
+                                        </p:attrNameLst>
+                                      </p:cBhvr>
+                                      <p:to>
+                                        <p:strVal val="hidden"/>
+                                      </p:to>
+                                    </p:set>
+                                  </p:childTnLst>
+                                </p:cTn>
+                              </p:par>
+                              <p:par>
+                                <p:cTn id="12" presetID="1" presetClass="entr" presetSubtype="0" fill="hold" grpId="1" nodeType="withEffect">
+                                  <p:stCondLst>
+                                    <p:cond delay="0"/>
+                                  </p:stCondLst>
+                                  <p:childTnLst>
+                                    <p:set>
+                                      <p:cBhvr>
+                                        <p:cTn id="13" dur="1" fill="hold">
+                                          <p:stCondLst>
+                                            <p:cond delay="0"/>
+                                          </p:stCondLst>
+                                        </p:cTn>
+                                        <p:tgtEl>
+                                          <p:spTgt spid="3"/>
+                                        </p:tgtEl>
+                                        <p:attrNameLst>
+                                          <p:attrName>style.visibility</p:attrName>
+                                        </p:attrNameLst>
+                                      </p:cBhvr>
+                                      <p:to>
+                                        <p:strVal val="visible"/>
+                                      </p:to>
+                                    </p:set>
+                                  </p:childTnLst>
+                                </p:cTn>
+                              </p:par>
+                            </p:childTnLst>
+                          </p:cTn>
+                        </p:par>
+                      </p:childTnLst>
+                    </p:cTn>
+                  </p:par>
+                  <p:par>
+                    <p:cTn id="14" fill="hold">
+                      <p:stCondLst>
+                        <p:cond delay="indefinite"/>
+                      </p:stCondLst>
+                      <p:childTnLst>
+                        <p:par>
+                          <p:cTn id="15" fill="hold">
+                            <p:stCondLst>
+                              <p:cond delay="0"/>
+                            </p:stCondLst>
+                            <p:childTnLst>
+                              <p:par>
+                                <p:cTn id="16" presetID="9" presetClass="exit" presetSubtype="0" fill="hold" grpId="2" nodeType="clickEffect">
+                                  <p:stCondLst>
+                                    <p:cond delay="0"/>
+                                  </p:stCondLst>
+                                  <p:childTnLst>
+                                    <p:animEffect transition="out" filter="dissolve">
+                                      <p:cBhvr>
+                                        <p:cTn id="17" dur="500"/>
+                                        <p:tgtEl>
+                                          <p:spTgt spid="3"/>
+                                        </p:tgtEl>
+                                      </p:cBhvr>
+                                    </p:animEffect>
+                                    <p:set>
+                                      <p:cBhvr>
+                                        <p:cTn id="18" dur="1" fill="hold">
+                                          <p:stCondLst>
+                                            <p:cond delay="499"/>
+                                          </p:stCondLst>
+                                        </p:cTn>
+                                        <p:tgtEl>
+                                          <p:spTgt spid="3"/>
+                                        </p:tgtEl>
+                                        <p:attrNameLst>
+                                          <p:attrName>style.visibility</p:attrName>
+                                        </p:attrNameLst>
+                                      </p:cBhvr>
+                                      <p:to>
+                                        <p:strVal val="hidden"/>
+                                      </p:to>
+                                    </p:set>
+                                  </p:childTnLst>
+                                </p:cTn>
+                              </p:par>
+                              <p:par>
+                                <p:cTn id="19" presetID="1" presetClass="entr" presetSubtype="0" fill="hold" grpId="0" nodeType="withEffect">
+                                  <p:stCondLst>
+                                    <p:cond delay="0"/>
+                                  </p:stCondLst>
+                                  <p:childTnLst>
+                                    <p:set>
+                                      <p:cBhvr>
+                                        <p:cTn id="20" dur="1" fill="hold">
+                                          <p:stCondLst>
+                                            <p:cond delay="0"/>
+                                          </p:stCondLst>
+                                        </p:cTn>
+                                        <p:tgtEl>
+                                          <p:spTgt spid="10"/>
+                                        </p:tgtEl>
+                                        <p:attrNameLst>
+                                          <p:attrName>style.visibility</p:attrName>
+                                        </p:attrNameLst>
+                                      </p:cBhvr>
+                                      <p:to>
+                                        <p:strVal val="visible"/>
+                                      </p:to>
+                                    </p:set>
+                                  </p:childTnLst>
+                                </p:cTn>
+                              </p:par>
+                            </p:childTnLst>
+                          </p:cTn>
+                        </p:par>
+                      </p:childTnLst>
+                    </p:cTn>
+                  </p:par>
+                  <p:par>
+                    <p:cTn id="21" fill="hold">
+                      <p:stCondLst>
+                        <p:cond delay="indefinite"/>
+                      </p:stCondLst>
+                      <p:childTnLst>
+                        <p:par>
+                          <p:cTn id="22" fill="hold">
+                            <p:stCondLst>
+                              <p:cond delay="0"/>
+                            </p:stCondLst>
+                            <p:childTnLst>
+                              <p:par>
+                                <p:cTn id="23" presetID="9" presetClass="exit" presetSubtype="0" fill="hold" grpId="1" nodeType="clickEffect">
+                                  <p:stCondLst>
+                                    <p:cond delay="0"/>
+                                  </p:stCondLst>
+                                  <p:childTnLst>
+                                    <p:animEffect transition="out" filter="dissolve">
+                                      <p:cBhvr>
+                                        <p:cTn id="24" dur="500"/>
+                                        <p:tgtEl>
+                                          <p:spTgt spid="10"/>
+                                        </p:tgtEl>
+                                      </p:cBhvr>
+                                    </p:animEffect>
+                                    <p:set>
+                                      <p:cBhvr>
+                                        <p:cTn id="25" dur="1" fill="hold">
+                                          <p:stCondLst>
+                                            <p:cond delay="499"/>
+                                          </p:stCondLst>
+                                        </p:cTn>
+                                        <p:tgtEl>
+                                          <p:spTgt spid="10"/>
+                                        </p:tgtEl>
+                                        <p:attrNameLst>
+                                          <p:attrName>style.visibility</p:attrName>
+                                        </p:attrNameLst>
+                                      </p:cBhvr>
+                                      <p:to>
+                                        <p:strVal val="hidden"/>
+                                      </p:to>
+                                    </p:set>
+                                  </p:childTnLst>
+                                </p:cTn>
+                              </p:par>
+                              <p:par>
+                                <p:cTn id="26" presetID="1" presetClass="entr" presetSubtype="0" fill="hold" grpId="0" nodeType="withEffect">
+                                  <p:stCondLst>
+                                    <p:cond delay="0"/>
+                                  </p:stCondLst>
+                                  <p:childTnLst>
+                                    <p:set>
+                                      <p:cBhvr>
+                                        <p:cTn id="27" dur="1" fill="hold">
+                                          <p:stCondLst>
+                                            <p:cond delay="0"/>
+                                          </p:stCondLst>
+                                        </p:cTn>
+                                        <p:tgtEl>
+                                          <p:spTgt spid="11"/>
+                                        </p:tgtEl>
+                                        <p:attrNameLst>
+                                          <p:attrName>style.visibility</p:attrName>
+                                        </p:attrNameLst>
+                                      </p:cBhvr>
+                                      <p:to>
+                                        <p:strVal val="visible"/>
+                                      </p:to>
+                                    </p:set>
+                                  </p:childTnLst>
+                                </p:cTn>
+                              </p:par>
+                            </p:childTnLst>
+                          </p:cTn>
+                        </p:par>
+                      </p:childTnLst>
+                    </p:cTn>
+                  </p:par>
+                  <p:par>
+                    <p:cTn id="28" fill="hold">
+                      <p:stCondLst>
+                        <p:cond delay="indefinite"/>
+                      </p:stCondLst>
+                      <p:childTnLst>
+                        <p:par>
+                          <p:cTn id="29" fill="hold">
+                            <p:stCondLst>
+                              <p:cond delay="0"/>
+                            </p:stCondLst>
+                            <p:childTnLst>
+                              <p:par>
+                                <p:cTn id="30" presetID="9" presetClass="exit" presetSubtype="0" fill="hold" grpId="1" nodeType="clickEffect">
+                                  <p:stCondLst>
+                                    <p:cond delay="0"/>
+                                  </p:stCondLst>
+                                  <p:childTnLst>
+                                    <p:animEffect transition="out" filter="dissolve">
+                                      <p:cBhvr>
+                                        <p:cTn id="31" dur="500"/>
+                                        <p:tgtEl>
+                                          <p:spTgt spid="11"/>
+                                        </p:tgtEl>
+                                      </p:cBhvr>
+                                    </p:animEffect>
+                                    <p:set>
+                                      <p:cBhvr>
+                                        <p:cTn id="32" dur="1" fill="hold">
+                                          <p:stCondLst>
+                                            <p:cond delay="499"/>
+                                          </p:stCondLst>
+                                        </p:cTn>
+                                        <p:tgtEl>
+                                          <p:spTgt spid="11"/>
+                                        </p:tgtEl>
+                                        <p:attrNameLst>
+                                          <p:attrName>style.visibility</p:attrName>
+                                        </p:attrNameLst>
+                                      </p:cBhvr>
+                                      <p:to>
+                                        <p:strVal val="hidden"/>
+                                      </p:to>
+                                    </p:set>
+                                  </p:childTnLst>
+                                </p:cTn>
+                              </p:par>
+                            </p:childTnLst>
+                          </p:cTn>
+                        </p:par>
+                      </p:childTnLst>
+                    </p:cTn>
+                  </p:par>
+                </p:childTnLst>
+              </p:cTn>
+              <p:prevCondLst>
+                <p:cond evt="onPrev" delay="0">
+                  <p:tgtEl>
+                    <p:sldTgt/>
+                  </p:tgtEl>
+                </p:cond>
+              </p:prevCondLst>
+              <p:nextCondLst>
+                <p:cond evt="onNext" delay="0">
+                  <p:tgtEl>
+                    <p:sldTgt/>
+                  </p:tgtEl>
+                </p:cond>
+              </p:nextCondLst>
+            </p:seq>
+          </p:childTnLst>
+        </p:cTn>
+      </p:par>
+    </p:tnLst>
+    <p:bldLst>
+      <p:bldP spid="3" grpId="1" animBg="1"/>
+      <p:bldP spid="3" grpId="2" animBg="1"/>
+      <p:bldP spid="10" grpId="0" animBg="1"/>
+      <p:bldP spid="10" grpId="1" animBg="1"/>
+      <p:bldP spid="11" grpId="0" animBg="1"/>
+      <p:bldP spid="11" grpId="1" animBg="1"/>
+      <p:bldP spid="12" grpId="0" animBg="1"/>
+      <p:bldP spid="12" grpId="1" animBg="1"/>
+    </p:bldLst>
+  </p:timing>
+</p:sld>
+</file>
+
+<file path=ppt/slides/slide6.xml><?xml version="1.0" encoding="utf-8"?>
+<p:sld xmlns:a="http://schemas.openxmlformats.org/drawingml/2006/main" xmlns:r="http://schemas.openxmlformats.org/officeDocument/2006/relationships" xmlns:p="http://schemas.openxmlformats.org/presentationml/2006/main">
+  <p:cSld>
+    <p:spTree>
+      <p:nvGrpSpPr>
+        <p:cNvPr id="1" name=""/>
+        <p:cNvGrpSpPr/>
+        <p:nvPr/>
+      </p:nvGrpSpPr>
+      <p:grpSpPr>
+        <a:xfrm>
+          <a:off x="0" y="0"/>
+          <a:ext cx="0" cy="0"/>
+          <a:chOff x="0" y="0"/>
+          <a:chExt cx="0" cy="0"/>
+        </a:xfrm>
+      </p:grpSpPr>
+      <p:sp>
+        <p:nvSpPr>
+          <p:cNvPr id="2" name="Titel 1"/>
+          <p:cNvSpPr>
+            <a:spLocks noGrp="1"/>
+          </p:cNvSpPr>
+          <p:nvPr>
+            <p:ph type="title"/>
+          </p:nvPr>
+        </p:nvSpPr>
+        <p:spPr/>
+        <p:txBody>
+          <a:bodyPr/>
+          <a:lstStyle/>
+          <a:p>
+            <a:r>
               <a:rPr lang="de-DE" dirty="0" smtClean="0"/>
               <a:t>The </a:t>
             </a:r>
@@ -5645,213 +6720,6 @@
 </p:sld>
 </file>
 
-<file path=ppt/slides/slide6.xml><?xml version="1.0" encoding="utf-8"?>
-<p:sld xmlns:a="http://schemas.openxmlformats.org/drawingml/2006/main" xmlns:r="http://schemas.openxmlformats.org/officeDocument/2006/relationships" xmlns:p="http://schemas.openxmlformats.org/presentationml/2006/main">
-  <p:cSld>
-    <p:spTree>
-      <p:nvGrpSpPr>
-        <p:cNvPr id="1" name=""/>
-        <p:cNvGrpSpPr/>
-        <p:nvPr/>
-      </p:nvGrpSpPr>
-      <p:grpSpPr>
-        <a:xfrm>
-          <a:off x="0" y="0"/>
-          <a:ext cx="0" cy="0"/>
-          <a:chOff x="0" y="0"/>
-          <a:chExt cx="0" cy="0"/>
-        </a:xfrm>
-      </p:grpSpPr>
-      <p:sp>
-        <p:nvSpPr>
-          <p:cNvPr id="2" name="Titel 1"/>
-          <p:cNvSpPr>
-            <a:spLocks noGrp="1"/>
-          </p:cNvSpPr>
-          <p:nvPr>
-            <p:ph type="title"/>
-          </p:nvPr>
-        </p:nvSpPr>
-        <p:spPr/>
-        <p:txBody>
-          <a:bodyPr/>
-          <a:lstStyle/>
-          <a:p>
-            <a:r>
-              <a:rPr lang="de-DE" dirty="0" err="1" smtClean="0"/>
-              <a:t>Scope</a:t>
-            </a:r>
-            <a:r>
-              <a:rPr lang="de-DE" dirty="0" smtClean="0"/>
-              <a:t> </a:t>
-            </a:r>
-            <a:r>
-              <a:rPr lang="de-DE" dirty="0" err="1" smtClean="0"/>
-              <a:t>of</a:t>
-            </a:r>
-            <a:r>
-              <a:rPr lang="de-DE" dirty="0" smtClean="0"/>
-              <a:t> </a:t>
-            </a:r>
-            <a:r>
-              <a:rPr lang="de-DE" dirty="0" err="1" smtClean="0"/>
-              <a:t>the</a:t>
-            </a:r>
-            <a:r>
-              <a:rPr lang="de-DE" dirty="0" smtClean="0"/>
-              <a:t> Thesis</a:t>
-            </a:r>
-            <a:endParaRPr lang="de-DE" dirty="0"/>
-          </a:p>
-        </p:txBody>
-      </p:sp>
-      <p:sp>
-        <p:nvSpPr>
-          <p:cNvPr id="6" name="Inhaltsplatzhalter 5"/>
-          <p:cNvSpPr>
-            <a:spLocks noGrp="1"/>
-          </p:cNvSpPr>
-          <p:nvPr>
-            <p:ph idx="1"/>
-          </p:nvPr>
-        </p:nvSpPr>
-        <p:spPr/>
-        <p:txBody>
-          <a:bodyPr/>
-          <a:lstStyle/>
-          <a:p>
-            <a:pPr marL="285750" indent="-285750">
-              <a:lnSpc>
-                <a:spcPct val="200000"/>
-              </a:lnSpc>
-              <a:buFont typeface="Arial" charset="0"/>
-              <a:buChar char="•"/>
-            </a:pPr>
-            <a:r>
-              <a:rPr lang="en-US" dirty="0" smtClean="0"/>
-              <a:t>Implementation of a framework to test gossip strategies in the </a:t>
-            </a:r>
-            <a:r>
-              <a:rPr lang="en-US" dirty="0" err="1" smtClean="0"/>
-              <a:t>IoT</a:t>
-            </a:r>
-            <a:r>
-              <a:rPr lang="en-US" dirty="0" smtClean="0"/>
-              <a:t>-Lab</a:t>
-            </a:r>
-          </a:p>
-          <a:p>
-            <a:pPr marL="641350" lvl="1" indent="-285750">
-              <a:lnSpc>
-                <a:spcPct val="200000"/>
-              </a:lnSpc>
-              <a:buFont typeface="Arial" charset="0"/>
-              <a:buChar char="•"/>
-            </a:pPr>
-            <a:r>
-              <a:rPr lang="en-US" dirty="0" smtClean="0"/>
-              <a:t>Collecting usable metrics like round duration, time</a:t>
-            </a:r>
-          </a:p>
-          <a:p>
-            <a:pPr marL="641350" lvl="1" indent="-285750">
-              <a:lnSpc>
-                <a:spcPct val="200000"/>
-              </a:lnSpc>
-              <a:buFont typeface="Arial" charset="0"/>
-              <a:buChar char="•"/>
-            </a:pPr>
-            <a:r>
-              <a:rPr lang="en-US" dirty="0" smtClean="0"/>
-              <a:t>Provide tools to visualize the collected data</a:t>
-            </a:r>
-          </a:p>
-          <a:p>
-            <a:pPr marL="641350" lvl="1" indent="-285750">
-              <a:lnSpc>
-                <a:spcPct val="200000"/>
-              </a:lnSpc>
-              <a:buFont typeface="Arial" charset="0"/>
-              <a:buChar char="•"/>
-            </a:pPr>
-            <a:r>
-              <a:rPr lang="en-US" dirty="0" smtClean="0"/>
-              <a:t>Test the framework with common gossiping </a:t>
-            </a:r>
-            <a:r>
-              <a:rPr lang="en-US" dirty="0" smtClean="0"/>
-              <a:t>strategies to distribute (large) data sets</a:t>
-            </a:r>
-          </a:p>
-          <a:p>
-            <a:pPr marL="641350" lvl="1" indent="-285750">
-              <a:lnSpc>
-                <a:spcPct val="200000"/>
-              </a:lnSpc>
-              <a:buFont typeface="Arial" charset="0"/>
-              <a:buChar char="•"/>
-            </a:pPr>
-            <a:r>
-              <a:rPr lang="en-US" dirty="0" smtClean="0"/>
-              <a:t>Evaluate the possibilities and types of data that can be recorded</a:t>
-            </a:r>
-            <a:endParaRPr lang="en-US" dirty="0"/>
-          </a:p>
-        </p:txBody>
-      </p:sp>
-      <p:sp>
-        <p:nvSpPr>
-          <p:cNvPr id="5" name="Fußzeilenplatzhalter 4"/>
-          <p:cNvSpPr>
-            <a:spLocks noGrp="1"/>
-          </p:cNvSpPr>
-          <p:nvPr>
-            <p:ph type="ftr" sz="quarter" idx="10"/>
-          </p:nvPr>
-        </p:nvSpPr>
-        <p:spPr/>
-        <p:txBody>
-          <a:bodyPr/>
-          <a:lstStyle/>
-          <a:p>
-            <a:r>
-              <a:rPr lang="en-US" dirty="0"/>
-              <a:t>Information Dissemination With Gossiping Using The </a:t>
-            </a:r>
-            <a:r>
-              <a:rPr lang="en-US" dirty="0" err="1"/>
-              <a:t>IoT</a:t>
-            </a:r>
-            <a:r>
-              <a:rPr lang="en-US" dirty="0"/>
-              <a:t>-Lab</a:t>
-            </a:r>
-            <a:r>
-              <a:rPr lang="de-DE" dirty="0" smtClean="0"/>
-              <a:t>, </a:t>
-            </a:r>
-            <a:r>
-              <a:rPr lang="de-DE" dirty="0"/>
-              <a:t>05/29/2015</a:t>
-            </a:r>
-            <a:endParaRPr lang="de-DE" dirty="0"/>
-          </a:p>
-        </p:txBody>
-      </p:sp>
-    </p:spTree>
-    <p:extLst>
-      <p:ext uri="{BB962C8B-B14F-4D97-AF65-F5344CB8AC3E}">
-        <p14:creationId xmlns:p14="http://schemas.microsoft.com/office/powerpoint/2010/main" val="1396918184"/>
-      </p:ext>
-    </p:extLst>
-  </p:cSld>
-  <p:clrMapOvr>
-    <a:masterClrMapping/>
-  </p:clrMapOvr>
-  <p:transition spd="slow"/>
-</p:sld>
-</file>
-
 <file path=ppt/slides/slide7.xml><?xml version="1.0" encoding="utf-8"?>
 <p:sld xmlns:a="http://schemas.openxmlformats.org/drawingml/2006/main" xmlns:r="http://schemas.openxmlformats.org/officeDocument/2006/relationships" xmlns:p="http://schemas.openxmlformats.org/presentationml/2006/main">
   <p:cSld>
@@ -5885,6 +6753,220 @@
           <a:lstStyle/>
           <a:p>
             <a:r>
+              <a:rPr lang="de-DE" dirty="0" err="1" smtClean="0"/>
+              <a:t>Scope</a:t>
+            </a:r>
+            <a:r>
+              <a:rPr lang="de-DE" dirty="0" smtClean="0"/>
+              <a:t> </a:t>
+            </a:r>
+            <a:r>
+              <a:rPr lang="de-DE" dirty="0" err="1" smtClean="0"/>
+              <a:t>of</a:t>
+            </a:r>
+            <a:r>
+              <a:rPr lang="de-DE" dirty="0" smtClean="0"/>
+              <a:t> </a:t>
+            </a:r>
+            <a:r>
+              <a:rPr lang="de-DE" dirty="0" err="1" smtClean="0"/>
+              <a:t>the</a:t>
+            </a:r>
+            <a:r>
+              <a:rPr lang="de-DE" dirty="0" smtClean="0"/>
+              <a:t> Thesis</a:t>
+            </a:r>
+            <a:endParaRPr lang="de-DE" dirty="0"/>
+          </a:p>
+        </p:txBody>
+      </p:sp>
+      <p:sp>
+        <p:nvSpPr>
+          <p:cNvPr id="6" name="Inhaltsplatzhalter 5"/>
+          <p:cNvSpPr>
+            <a:spLocks noGrp="1"/>
+          </p:cNvSpPr>
+          <p:nvPr>
+            <p:ph idx="1"/>
+          </p:nvPr>
+        </p:nvSpPr>
+        <p:spPr/>
+        <p:txBody>
+          <a:bodyPr/>
+          <a:lstStyle/>
+          <a:p>
+            <a:pPr marL="285750" indent="-285750">
+              <a:lnSpc>
+                <a:spcPct val="200000"/>
+              </a:lnSpc>
+              <a:buFont typeface="Arial" charset="0"/>
+              <a:buChar char="•"/>
+            </a:pPr>
+            <a:r>
+              <a:rPr lang="en-US" dirty="0" smtClean="0"/>
+              <a:t>Implementation of a framework to test gossip strategies in the </a:t>
+            </a:r>
+            <a:r>
+              <a:rPr lang="en-US" dirty="0" err="1" smtClean="0"/>
+              <a:t>IoT</a:t>
+            </a:r>
+            <a:r>
+              <a:rPr lang="en-US" dirty="0" smtClean="0"/>
+              <a:t>-Lab</a:t>
+            </a:r>
+          </a:p>
+          <a:p>
+            <a:pPr marL="641350" lvl="1" indent="-285750">
+              <a:lnSpc>
+                <a:spcPct val="200000"/>
+              </a:lnSpc>
+              <a:buFont typeface="Arial" charset="0"/>
+              <a:buChar char="•"/>
+            </a:pPr>
+            <a:r>
+              <a:rPr lang="en-US" dirty="0" smtClean="0"/>
+              <a:t>Collecting usable metrics like round duration, time</a:t>
+            </a:r>
+          </a:p>
+          <a:p>
+            <a:pPr marL="641350" lvl="1" indent="-285750">
+              <a:lnSpc>
+                <a:spcPct val="200000"/>
+              </a:lnSpc>
+              <a:buFont typeface="Arial" charset="0"/>
+              <a:buChar char="•"/>
+            </a:pPr>
+            <a:r>
+              <a:rPr lang="en-US" dirty="0" smtClean="0"/>
+              <a:t>Provide tools to visualize the collected data</a:t>
+            </a:r>
+          </a:p>
+          <a:p>
+            <a:pPr marL="641350" lvl="1" indent="-285750">
+              <a:lnSpc>
+                <a:spcPct val="200000"/>
+              </a:lnSpc>
+              <a:buFont typeface="Arial" charset="0"/>
+              <a:buChar char="•"/>
+            </a:pPr>
+            <a:r>
+              <a:rPr lang="en-US" dirty="0" smtClean="0"/>
+              <a:t>Test the framework with common gossiping </a:t>
+            </a:r>
+            <a:r>
+              <a:rPr lang="en-US" dirty="0" smtClean="0"/>
+              <a:t>strategies to distribute (large) data sets</a:t>
+            </a:r>
+          </a:p>
+          <a:p>
+            <a:pPr marL="641350" lvl="1" indent="-285750">
+              <a:lnSpc>
+                <a:spcPct val="200000"/>
+              </a:lnSpc>
+              <a:buFont typeface="Arial" charset="0"/>
+              <a:buChar char="•"/>
+            </a:pPr>
+            <a:r>
+              <a:rPr lang="en-US" dirty="0" smtClean="0"/>
+              <a:t>Evaluate the possibilities and types of data that can be recorded</a:t>
+            </a:r>
+            <a:endParaRPr lang="en-US" dirty="0"/>
+          </a:p>
+        </p:txBody>
+      </p:sp>
+      <p:sp>
+        <p:nvSpPr>
+          <p:cNvPr id="5" name="Fußzeilenplatzhalter 4"/>
+          <p:cNvSpPr>
+            <a:spLocks noGrp="1"/>
+          </p:cNvSpPr>
+          <p:nvPr>
+            <p:ph type="ftr" sz="quarter" idx="10"/>
+          </p:nvPr>
+        </p:nvSpPr>
+        <p:spPr/>
+        <p:txBody>
+          <a:bodyPr/>
+          <a:lstStyle/>
+          <a:p>
+            <a:r>
+              <a:rPr lang="en-US" dirty="0"/>
+              <a:t>Information Dissemination With Gossiping Using The </a:t>
+            </a:r>
+            <a:r>
+              <a:rPr lang="en-US" dirty="0" err="1"/>
+              <a:t>IoT</a:t>
+            </a:r>
+            <a:r>
+              <a:rPr lang="en-US" dirty="0"/>
+              <a:t>-Lab</a:t>
+            </a:r>
+            <a:r>
+              <a:rPr lang="de-DE" dirty="0" smtClean="0"/>
+              <a:t>, </a:t>
+            </a:r>
+            <a:r>
+              <a:rPr lang="de-DE" dirty="0"/>
+              <a:t>05/29/2015</a:t>
+            </a:r>
+            <a:endParaRPr lang="de-DE" dirty="0"/>
+          </a:p>
+        </p:txBody>
+      </p:sp>
+    </p:spTree>
+    <p:extLst>
+      <p:ext uri="{BB962C8B-B14F-4D97-AF65-F5344CB8AC3E}">
+        <p14:creationId xmlns:p14="http://schemas.microsoft.com/office/powerpoint/2010/main" val="1396918184"/>
+      </p:ext>
+    </p:extLst>
+  </p:cSld>
+  <p:clrMapOvr>
+    <a:masterClrMapping/>
+  </p:clrMapOvr>
+  <p:transition spd="slow"/>
+  <p:timing>
+    <p:tnLst>
+      <p:par>
+        <p:cTn id="1" dur="indefinite" restart="never" nodeType="tmRoot"/>
+      </p:par>
+    </p:tnLst>
+  </p:timing>
+</p:sld>
+</file>
+
+<file path=ppt/slides/slide8.xml><?xml version="1.0" encoding="utf-8"?>
+<p:sld xmlns:a="http://schemas.openxmlformats.org/drawingml/2006/main" xmlns:r="http://schemas.openxmlformats.org/officeDocument/2006/relationships" xmlns:p="http://schemas.openxmlformats.org/presentationml/2006/main">
+  <p:cSld>
+    <p:spTree>
+      <p:nvGrpSpPr>
+        <p:cNvPr id="1" name=""/>
+        <p:cNvGrpSpPr/>
+        <p:nvPr/>
+      </p:nvGrpSpPr>
+      <p:grpSpPr>
+        <a:xfrm>
+          <a:off x="0" y="0"/>
+          <a:ext cx="0" cy="0"/>
+          <a:chOff x="0" y="0"/>
+          <a:chExt cx="0" cy="0"/>
+        </a:xfrm>
+      </p:grpSpPr>
+      <p:sp>
+        <p:nvSpPr>
+          <p:cNvPr id="2" name="Titel 1"/>
+          <p:cNvSpPr>
+            <a:spLocks noGrp="1"/>
+          </p:cNvSpPr>
+          <p:nvPr>
+            <p:ph type="title"/>
+          </p:nvPr>
+        </p:nvSpPr>
+        <p:spPr/>
+        <p:txBody>
+          <a:bodyPr/>
+          <a:lstStyle/>
+          <a:p>
+            <a:r>
               <a:rPr lang="de-DE" dirty="0" smtClean="0"/>
               <a:t>Roadmap</a:t>
             </a:r>
@@ -5938,6 +7020,19 @@
             <a:r>
               <a:rPr lang="en-US" dirty="0" smtClean="0"/>
               <a:t>-Lab (1 week)</a:t>
+            </a:r>
+          </a:p>
+          <a:p>
+            <a:pPr marL="698500" lvl="1" indent="-342900">
+              <a:lnSpc>
+                <a:spcPct val="200000"/>
+              </a:lnSpc>
+              <a:buFont typeface="+mj-lt"/>
+              <a:buAutoNum type="arabicPeriod"/>
+            </a:pPr>
+            <a:r>
+              <a:rPr lang="en-US" dirty="0" smtClean="0"/>
+              <a:t>Especially the topology and how to distribute information</a:t>
             </a:r>
           </a:p>
           <a:p>
@@ -6031,6 +7126,13 @@
     <a:masterClrMapping/>
   </p:clrMapOvr>
   <p:transition spd="slow"/>
+  <p:timing>
+    <p:tnLst>
+      <p:par>
+        <p:cTn id="1" dur="indefinite" restart="never" nodeType="tmRoot"/>
+      </p:par>
+    </p:tnLst>
+  </p:timing>
 </p:sld>
 </file>
 
